--- a/Zapiska/Представление Exchange.pptx
+++ b/Zapiska/Представление Exchange.pptx
@@ -9,13 +9,7 @@
     <p:sldId id="257" r:id="rId3"/>
     <p:sldId id="258" r:id="rId4"/>
     <p:sldId id="259" r:id="rId5"/>
-    <p:sldId id="260" r:id="rId6"/>
-    <p:sldId id="261" r:id="rId7"/>
-    <p:sldId id="262" r:id="rId8"/>
-    <p:sldId id="263" r:id="rId9"/>
-    <p:sldId id="264" r:id="rId10"/>
-    <p:sldId id="266" r:id="rId11"/>
-    <p:sldId id="267" r:id="rId12"/>
+    <p:sldId id="267" r:id="rId6"/>
   </p:sldIdLst>
   <p:sldSz cx="12192000" cy="6858000"/>
   <p:notesSz cx="6858000" cy="9144000"/>
@@ -122,6 +116,154 @@
 </p:presentation>
 </file>
 
+<file path=ppt/revisionInfo.xml><?xml version="1.0" encoding="utf-8"?>
+<p1510:revInfo xmlns:a="http://schemas.openxmlformats.org/drawingml/2006/main" xmlns:r="http://schemas.openxmlformats.org/officeDocument/2006/relationships" xmlns:p1510="http://schemas.microsoft.com/office/powerpoint/2015/10/main">
+  <p1510:revLst>
+    <p1510:client id="{FD1E9BFE-6EC3-49F1-BFC3-65EBCADB1EB8}" v="612" dt="2021-04-25T14:03:14.239"/>
+  </p1510:revLst>
+</p1510:revInfo>
+</file>
+
+<file path=ppt/changesInfos/changesInfo1.xml><?xml version="1.0" encoding="utf-8"?>
+<pc:chgInfo xmlns:a="http://schemas.openxmlformats.org/drawingml/2006/main" xmlns:r="http://schemas.openxmlformats.org/officeDocument/2006/relationships" xmlns:ac="http://schemas.microsoft.com/office/drawing/2013/main/command" xmlns:pc="http://schemas.microsoft.com/office/powerpoint/2013/main/command">
+  <pc:docChgLst>
+    <pc:chgData name="Глухов Илья" userId="db2753d62472b303" providerId="Windows Live" clId="Web-{FD1E9BFE-6EC3-49F1-BFC3-65EBCADB1EB8}"/>
+    <pc:docChg chg="delSld modSld">
+      <pc:chgData name="Глухов Илья" userId="db2753d62472b303" providerId="Windows Live" clId="Web-{FD1E9BFE-6EC3-49F1-BFC3-65EBCADB1EB8}" dt="2021-04-25T14:03:14.239" v="368"/>
+      <pc:docMkLst>
+        <pc:docMk/>
+      </pc:docMkLst>
+      <pc:sldChg chg="modSp">
+        <pc:chgData name="Глухов Илья" userId="db2753d62472b303" providerId="Windows Live" clId="Web-{FD1E9BFE-6EC3-49F1-BFC3-65EBCADB1EB8}" dt="2021-04-25T13:36:13.782" v="40" actId="1076"/>
+        <pc:sldMkLst>
+          <pc:docMk/>
+          <pc:sldMk cId="2867009715" sldId="256"/>
+        </pc:sldMkLst>
+        <pc:spChg chg="mod">
+          <ac:chgData name="Глухов Илья" userId="db2753d62472b303" providerId="Windows Live" clId="Web-{FD1E9BFE-6EC3-49F1-BFC3-65EBCADB1EB8}" dt="2021-04-25T13:35:49.688" v="13" actId="20577"/>
+          <ac:spMkLst>
+            <pc:docMk/>
+            <pc:sldMk cId="2867009715" sldId="256"/>
+            <ac:spMk id="4" creationId="{6B8DBFAA-D07C-4D13-A159-F51E0AB93CAE}"/>
+          </ac:spMkLst>
+        </pc:spChg>
+        <pc:spChg chg="mod">
+          <ac:chgData name="Глухов Илья" userId="db2753d62472b303" providerId="Windows Live" clId="Web-{FD1E9BFE-6EC3-49F1-BFC3-65EBCADB1EB8}" dt="2021-04-25T13:36:13.782" v="40" actId="1076"/>
+          <ac:spMkLst>
+            <pc:docMk/>
+            <pc:sldMk cId="2867009715" sldId="256"/>
+            <ac:spMk id="6" creationId="{E9DBF8C8-46B8-4B92-A082-F5C69A4EBDE8}"/>
+          </ac:spMkLst>
+        </pc:spChg>
+      </pc:sldChg>
+      <pc:sldChg chg="modSp">
+        <pc:chgData name="Глухов Илья" userId="db2753d62472b303" providerId="Windows Live" clId="Web-{FD1E9BFE-6EC3-49F1-BFC3-65EBCADB1EB8}" dt="2021-04-25T13:58:11.920" v="78" actId="20577"/>
+        <pc:sldMkLst>
+          <pc:docMk/>
+          <pc:sldMk cId="467122635" sldId="257"/>
+        </pc:sldMkLst>
+        <pc:spChg chg="mod">
+          <ac:chgData name="Глухов Илья" userId="db2753d62472b303" providerId="Windows Live" clId="Web-{FD1E9BFE-6EC3-49F1-BFC3-65EBCADB1EB8}" dt="2021-04-25T13:57:16.106" v="51" actId="20577"/>
+          <ac:spMkLst>
+            <pc:docMk/>
+            <pc:sldMk cId="467122635" sldId="257"/>
+            <ac:spMk id="8" creationId="{6BFF6C38-E614-428D-9C47-3555F9131936}"/>
+          </ac:spMkLst>
+        </pc:spChg>
+        <pc:spChg chg="mod">
+          <ac:chgData name="Глухов Илья" userId="db2753d62472b303" providerId="Windows Live" clId="Web-{FD1E9BFE-6EC3-49F1-BFC3-65EBCADB1EB8}" dt="2021-04-25T13:58:11.920" v="78" actId="20577"/>
+          <ac:spMkLst>
+            <pc:docMk/>
+            <pc:sldMk cId="467122635" sldId="257"/>
+            <ac:spMk id="10" creationId="{028891AF-3B90-4B78-AC19-1FD37F612A4E}"/>
+          </ac:spMkLst>
+        </pc:spChg>
+      </pc:sldChg>
+      <pc:sldChg chg="modSp">
+        <pc:chgData name="Глухов Илья" userId="db2753d62472b303" providerId="Windows Live" clId="Web-{FD1E9BFE-6EC3-49F1-BFC3-65EBCADB1EB8}" dt="2021-04-25T14:02:05.831" v="299" actId="14100"/>
+        <pc:sldMkLst>
+          <pc:docMk/>
+          <pc:sldMk cId="2790014949" sldId="259"/>
+        </pc:sldMkLst>
+        <pc:spChg chg="mod">
+          <ac:chgData name="Глухов Илья" userId="db2753d62472b303" providerId="Windows Live" clId="Web-{FD1E9BFE-6EC3-49F1-BFC3-65EBCADB1EB8}" dt="2021-04-25T14:02:05.831" v="299" actId="14100"/>
+          <ac:spMkLst>
+            <pc:docMk/>
+            <pc:sldMk cId="2790014949" sldId="259"/>
+            <ac:spMk id="7" creationId="{6655B976-AF0A-40C9-8B14-1ED98974C4A3}"/>
+          </ac:spMkLst>
+        </pc:spChg>
+        <pc:spChg chg="mod">
+          <ac:chgData name="Глухов Илья" userId="db2753d62472b303" providerId="Windows Live" clId="Web-{FD1E9BFE-6EC3-49F1-BFC3-65EBCADB1EB8}" dt="2021-04-25T14:02:00.721" v="297" actId="1076"/>
+          <ac:spMkLst>
+            <pc:docMk/>
+            <pc:sldMk cId="2790014949" sldId="259"/>
+            <ac:spMk id="8" creationId="{0880D299-06B1-4376-96AD-457F8F6FC7CF}"/>
+          </ac:spMkLst>
+        </pc:spChg>
+      </pc:sldChg>
+      <pc:sldChg chg="del">
+        <pc:chgData name="Глухов Илья" userId="db2753d62472b303" providerId="Windows Live" clId="Web-{FD1E9BFE-6EC3-49F1-BFC3-65EBCADB1EB8}" dt="2021-04-25T14:02:10.237" v="300"/>
+        <pc:sldMkLst>
+          <pc:docMk/>
+          <pc:sldMk cId="1904799853" sldId="260"/>
+        </pc:sldMkLst>
+      </pc:sldChg>
+      <pc:sldChg chg="del">
+        <pc:chgData name="Глухов Илья" userId="db2753d62472b303" providerId="Windows Live" clId="Web-{FD1E9BFE-6EC3-49F1-BFC3-65EBCADB1EB8}" dt="2021-04-25T14:02:14.472" v="301"/>
+        <pc:sldMkLst>
+          <pc:docMk/>
+          <pc:sldMk cId="274200841" sldId="261"/>
+        </pc:sldMkLst>
+      </pc:sldChg>
+      <pc:sldChg chg="del">
+        <pc:chgData name="Глухов Илья" userId="db2753d62472b303" providerId="Windows Live" clId="Web-{FD1E9BFE-6EC3-49F1-BFC3-65EBCADB1EB8}" dt="2021-04-25T14:02:19.237" v="302"/>
+        <pc:sldMkLst>
+          <pc:docMk/>
+          <pc:sldMk cId="2549343128" sldId="262"/>
+        </pc:sldMkLst>
+      </pc:sldChg>
+      <pc:sldChg chg="del">
+        <pc:chgData name="Глухов Илья" userId="db2753d62472b303" providerId="Windows Live" clId="Web-{FD1E9BFE-6EC3-49F1-BFC3-65EBCADB1EB8}" dt="2021-04-25T14:02:21.222" v="303"/>
+        <pc:sldMkLst>
+          <pc:docMk/>
+          <pc:sldMk cId="4158007993" sldId="263"/>
+        </pc:sldMkLst>
+      </pc:sldChg>
+      <pc:sldChg chg="del">
+        <pc:chgData name="Глухов Илья" userId="db2753d62472b303" providerId="Windows Live" clId="Web-{FD1E9BFE-6EC3-49F1-BFC3-65EBCADB1EB8}" dt="2021-04-25T14:02:22.987" v="304"/>
+        <pc:sldMkLst>
+          <pc:docMk/>
+          <pc:sldMk cId="2480080140" sldId="264"/>
+        </pc:sldMkLst>
+      </pc:sldChg>
+      <pc:sldChg chg="del">
+        <pc:chgData name="Глухов Илья" userId="db2753d62472b303" providerId="Windows Live" clId="Web-{FD1E9BFE-6EC3-49F1-BFC3-65EBCADB1EB8}" dt="2021-04-25T14:03:14.239" v="368"/>
+        <pc:sldMkLst>
+          <pc:docMk/>
+          <pc:sldMk cId="2407716442" sldId="266"/>
+        </pc:sldMkLst>
+      </pc:sldChg>
+      <pc:sldChg chg="modSp">
+        <pc:chgData name="Глухов Илья" userId="db2753d62472b303" providerId="Windows Live" clId="Web-{FD1E9BFE-6EC3-49F1-BFC3-65EBCADB1EB8}" dt="2021-04-25T14:03:09.801" v="367" actId="20577"/>
+        <pc:sldMkLst>
+          <pc:docMk/>
+          <pc:sldMk cId="2641781494" sldId="267"/>
+        </pc:sldMkLst>
+        <pc:spChg chg="mod">
+          <ac:chgData name="Глухов Илья" userId="db2753d62472b303" providerId="Windows Live" clId="Web-{FD1E9BFE-6EC3-49F1-BFC3-65EBCADB1EB8}" dt="2021-04-25T14:03:09.801" v="367" actId="20577"/>
+          <ac:spMkLst>
+            <pc:docMk/>
+            <pc:sldMk cId="2641781494" sldId="267"/>
+            <ac:spMk id="6" creationId="{D416CB91-1D0F-4576-88DC-FA4EA7A749F2}"/>
+          </ac:spMkLst>
+        </pc:spChg>
+      </pc:sldChg>
+    </pc:docChg>
+  </pc:docChgLst>
+</pc:chgInfo>
+</file>
+
 <file path=ppt/slideLayouts/slideLayout1.xml><?xml version="1.0" encoding="utf-8"?>
 <p:sldLayout xmlns:a="http://schemas.openxmlformats.org/drawingml/2006/main" xmlns:r="http://schemas.openxmlformats.org/officeDocument/2006/relationships" xmlns:p="http://schemas.openxmlformats.org/presentationml/2006/main" type="title" preserve="1">
   <p:cSld name="Титульный слайд">
@@ -269,7 +411,7 @@
           <a:p>
             <a:fld id="{85ECA5FE-EB48-470D-90C5-C3424B4B4AAE}" type="datetimeFigureOut">
               <a:rPr lang="ru-RU" smtClean="0"/>
-              <a:t>10.01.2021</a:t>
+              <a:t>25.04.2021</a:t>
             </a:fld>
             <a:endParaRPr lang="ru-RU"/>
           </a:p>
@@ -467,7 +609,7 @@
           <a:p>
             <a:fld id="{85ECA5FE-EB48-470D-90C5-C3424B4B4AAE}" type="datetimeFigureOut">
               <a:rPr lang="ru-RU" smtClean="0"/>
-              <a:t>10.01.2021</a:t>
+              <a:t>25.04.2021</a:t>
             </a:fld>
             <a:endParaRPr lang="ru-RU"/>
           </a:p>
@@ -675,7 +817,7 @@
           <a:p>
             <a:fld id="{85ECA5FE-EB48-470D-90C5-C3424B4B4AAE}" type="datetimeFigureOut">
               <a:rPr lang="ru-RU" smtClean="0"/>
-              <a:t>10.01.2021</a:t>
+              <a:t>25.04.2021</a:t>
             </a:fld>
             <a:endParaRPr lang="ru-RU"/>
           </a:p>
@@ -873,7 +1015,7 @@
           <a:p>
             <a:fld id="{85ECA5FE-EB48-470D-90C5-C3424B4B4AAE}" type="datetimeFigureOut">
               <a:rPr lang="ru-RU" smtClean="0"/>
-              <a:t>10.01.2021</a:t>
+              <a:t>25.04.2021</a:t>
             </a:fld>
             <a:endParaRPr lang="ru-RU"/>
           </a:p>
@@ -1148,7 +1290,7 @@
           <a:p>
             <a:fld id="{85ECA5FE-EB48-470D-90C5-C3424B4B4AAE}" type="datetimeFigureOut">
               <a:rPr lang="ru-RU" smtClean="0"/>
-              <a:t>10.01.2021</a:t>
+              <a:t>25.04.2021</a:t>
             </a:fld>
             <a:endParaRPr lang="ru-RU"/>
           </a:p>
@@ -1413,7 +1555,7 @@
           <a:p>
             <a:fld id="{85ECA5FE-EB48-470D-90C5-C3424B4B4AAE}" type="datetimeFigureOut">
               <a:rPr lang="ru-RU" smtClean="0"/>
-              <a:t>10.01.2021</a:t>
+              <a:t>25.04.2021</a:t>
             </a:fld>
             <a:endParaRPr lang="ru-RU"/>
           </a:p>
@@ -1825,7 +1967,7 @@
           <a:p>
             <a:fld id="{85ECA5FE-EB48-470D-90C5-C3424B4B4AAE}" type="datetimeFigureOut">
               <a:rPr lang="ru-RU" smtClean="0"/>
-              <a:t>10.01.2021</a:t>
+              <a:t>25.04.2021</a:t>
             </a:fld>
             <a:endParaRPr lang="ru-RU"/>
           </a:p>
@@ -1966,7 +2108,7 @@
           <a:p>
             <a:fld id="{85ECA5FE-EB48-470D-90C5-C3424B4B4AAE}" type="datetimeFigureOut">
               <a:rPr lang="ru-RU" smtClean="0"/>
-              <a:t>10.01.2021</a:t>
+              <a:t>25.04.2021</a:t>
             </a:fld>
             <a:endParaRPr lang="ru-RU"/>
           </a:p>
@@ -2079,7 +2221,7 @@
           <a:p>
             <a:fld id="{85ECA5FE-EB48-470D-90C5-C3424B4B4AAE}" type="datetimeFigureOut">
               <a:rPr lang="ru-RU" smtClean="0"/>
-              <a:t>10.01.2021</a:t>
+              <a:t>25.04.2021</a:t>
             </a:fld>
             <a:endParaRPr lang="ru-RU"/>
           </a:p>
@@ -2390,7 +2532,7 @@
           <a:p>
             <a:fld id="{85ECA5FE-EB48-470D-90C5-C3424B4B4AAE}" type="datetimeFigureOut">
               <a:rPr lang="ru-RU" smtClean="0"/>
-              <a:t>10.01.2021</a:t>
+              <a:t>25.04.2021</a:t>
             </a:fld>
             <a:endParaRPr lang="ru-RU"/>
           </a:p>
@@ -2678,7 +2820,7 @@
           <a:p>
             <a:fld id="{85ECA5FE-EB48-470D-90C5-C3424B4B4AAE}" type="datetimeFigureOut">
               <a:rPr lang="ru-RU" smtClean="0"/>
-              <a:t>10.01.2021</a:t>
+              <a:t>25.04.2021</a:t>
             </a:fld>
             <a:endParaRPr lang="ru-RU"/>
           </a:p>
@@ -2919,7 +3061,7 @@
           <a:p>
             <a:fld id="{85ECA5FE-EB48-470D-90C5-C3424B4B4AAE}" type="datetimeFigureOut">
               <a:rPr lang="ru-RU" smtClean="0"/>
-              <a:t>10.01.2021</a:t>
+              <a:t>25.04.2021</a:t>
             </a:fld>
             <a:endParaRPr lang="ru-RU"/>
           </a:p>
@@ -3350,8 +3492,8 @@
         </p:nvSpPr>
         <p:spPr>
           <a:xfrm>
-            <a:off x="4104908" y="2420888"/>
-            <a:ext cx="3982180" cy="1446550"/>
+            <a:off x="4639382" y="2420888"/>
+            <a:ext cx="2913233" cy="1446550"/>
           </a:xfrm>
           <a:prstGeom prst="rect">
             <a:avLst/>
@@ -3359,7 +3501,7 @@
           <a:noFill/>
         </p:spPr>
         <p:txBody>
-          <a:bodyPr wrap="none" rtlCol="0">
+          <a:bodyPr wrap="none" lIns="91440" tIns="45720" rIns="91440" bIns="45720" rtlCol="0" anchor="t">
             <a:spAutoFit/>
           </a:bodyPr>
           <a:lstStyle/>
@@ -3377,16 +3519,16 @@
               <a:t>«</a:t>
             </a:r>
             <a:r>
-              <a:rPr lang="en-US" sz="4400" dirty="0" err="1">
-                <a:latin typeface="Roboto" panose="02000000000000000000" pitchFamily="2" charset="0"/>
-                <a:ea typeface="Roboto" panose="02000000000000000000" pitchFamily="2" charset="0"/>
-              </a:rPr>
-              <a:t>KeeProducts</a:t>
+              <a:rPr lang="ru-RU" sz="4400" dirty="0" err="1"/>
+              <a:t>Exchange</a:t>
             </a:r>
             <a:r>
               <a:rPr lang="ru-RU" sz="4400" dirty="0"/>
               <a:t>»</a:t>
             </a:r>
+            <a:endParaRPr lang="ru-RU" sz="4400">
+              <a:cs typeface="Calibri"/>
+            </a:endParaRPr>
           </a:p>
         </p:txBody>
       </p:sp>
@@ -3404,8 +3546,8 @@
         </p:nvSpPr>
         <p:spPr>
           <a:xfrm>
-            <a:off x="8256240" y="4725144"/>
-            <a:ext cx="3171509" cy="646331"/>
+            <a:off x="8363816" y="6213285"/>
+            <a:ext cx="3831104" cy="646331"/>
           </a:xfrm>
           <a:prstGeom prst="rect">
             <a:avLst/>
@@ -3413,7 +3555,7 @@
           <a:noFill/>
         </p:spPr>
         <p:txBody>
-          <a:bodyPr wrap="none" rtlCol="0">
+          <a:bodyPr wrap="square" lIns="91440" tIns="45720" rIns="91440" bIns="45720" rtlCol="0" anchor="t">
             <a:spAutoFit/>
           </a:bodyPr>
           <a:lstStyle/>
@@ -3428,7 +3570,15 @@
             </a:r>
             <a:r>
               <a:rPr lang="ru-RU" dirty="0"/>
-              <a:t> Мазурек В.А.</a:t>
+              <a:t> </a:t>
+            </a:r>
+            <a:r>
+              <a:rPr lang="ru-RU" dirty="0" err="1"/>
+              <a:t>Мазурек</a:t>
+            </a:r>
+            <a:r>
+              <a:rPr lang="ru-RU" dirty="0"/>
+              <a:t> В.А., Глухов И.Н.</a:t>
             </a:r>
           </a:p>
           <a:p>
@@ -3541,314 +3691,6 @@
     <p:extLst>
       <p:ext uri="{BB962C8B-B14F-4D97-AF65-F5344CB8AC3E}">
         <p14:creationId xmlns:p14="http://schemas.microsoft.com/office/powerpoint/2010/main" val="2867009715"/>
-      </p:ext>
-    </p:extLst>
-  </p:cSld>
-  <p:clrMapOvr>
-    <a:masterClrMapping/>
-  </p:clrMapOvr>
-</p:sld>
-</file>
-
-<file path=ppt/slides/slide10.xml><?xml version="1.0" encoding="utf-8"?>
-<p:sld xmlns:a="http://schemas.openxmlformats.org/drawingml/2006/main" xmlns:r="http://schemas.openxmlformats.org/officeDocument/2006/relationships" xmlns:p="http://schemas.openxmlformats.org/presentationml/2006/main">
-  <p:cSld>
-    <p:spTree>
-      <p:nvGrpSpPr>
-        <p:cNvPr id="1" name=""/>
-        <p:cNvGrpSpPr/>
-        <p:nvPr/>
-      </p:nvGrpSpPr>
-      <p:grpSpPr>
-        <a:xfrm>
-          <a:off x="0" y="0"/>
-          <a:ext cx="0" cy="0"/>
-          <a:chOff x="0" y="0"/>
-          <a:chExt cx="0" cy="0"/>
-        </a:xfrm>
-      </p:grpSpPr>
-      <p:sp>
-        <p:nvSpPr>
-          <p:cNvPr id="4" name="TextBox 3">
-            <a:extLst>
-              <a:ext uri="{FF2B5EF4-FFF2-40B4-BE49-F238E27FC236}">
-                <a16:creationId xmlns:a16="http://schemas.microsoft.com/office/drawing/2014/main" id="{7840E9A8-B471-411F-B0B8-EC313C76B7C0}"/>
-              </a:ext>
-            </a:extLst>
-          </p:cNvPr>
-          <p:cNvSpPr txBox="1"/>
-          <p:nvPr/>
-        </p:nvSpPr>
-        <p:spPr>
-          <a:xfrm>
-            <a:off x="3568385" y="684472"/>
-            <a:ext cx="5609228" cy="646331"/>
-          </a:xfrm>
-          <a:prstGeom prst="rect">
-            <a:avLst/>
-          </a:prstGeom>
-          <a:noFill/>
-        </p:spPr>
-        <p:txBody>
-          <a:bodyPr wrap="none" rtlCol="0">
-            <a:spAutoFit/>
-          </a:bodyPr>
-          <a:lstStyle/>
-          <a:p>
-            <a:r>
-              <a:rPr lang="ru-RU" sz="3600" dirty="0">
-                <a:latin typeface="Roboto" panose="02000000000000000000" pitchFamily="2" charset="0"/>
-                <a:ea typeface="Roboto" panose="02000000000000000000" pitchFamily="2" charset="0"/>
-              </a:rPr>
-              <a:t>Возможности доработки</a:t>
-            </a:r>
-          </a:p>
-        </p:txBody>
-      </p:sp>
-      <p:sp>
-        <p:nvSpPr>
-          <p:cNvPr id="6" name="TextBox 5">
-            <a:extLst>
-              <a:ext uri="{FF2B5EF4-FFF2-40B4-BE49-F238E27FC236}">
-                <a16:creationId xmlns:a16="http://schemas.microsoft.com/office/drawing/2014/main" id="{2D1B81F4-52F7-48D7-8E37-990B841E9E4A}"/>
-              </a:ext>
-            </a:extLst>
-          </p:cNvPr>
-          <p:cNvSpPr txBox="1"/>
-          <p:nvPr/>
-        </p:nvSpPr>
-        <p:spPr>
-          <a:xfrm>
-            <a:off x="744599" y="1844824"/>
-            <a:ext cx="10702802" cy="1200329"/>
-          </a:xfrm>
-          <a:prstGeom prst="rect">
-            <a:avLst/>
-          </a:prstGeom>
-          <a:noFill/>
-        </p:spPr>
-        <p:txBody>
-          <a:bodyPr wrap="none" rtlCol="0">
-            <a:spAutoFit/>
-          </a:bodyPr>
-          <a:lstStyle/>
-          <a:p>
-            <a:pPr marL="342900" indent="-342900">
-              <a:buFont typeface="+mj-lt"/>
-              <a:buAutoNum type="arabicPeriod"/>
-            </a:pPr>
-            <a:r>
-              <a:rPr lang="ru-RU" sz="2400" dirty="0"/>
-              <a:t>Возможен более интуитивный интерфейс</a:t>
-            </a:r>
-          </a:p>
-          <a:p>
-            <a:pPr marL="342900" indent="-342900">
-              <a:buFont typeface="+mj-lt"/>
-              <a:buAutoNum type="arabicPeriod"/>
-            </a:pPr>
-            <a:r>
-              <a:rPr lang="ru-RU" sz="2400" dirty="0"/>
-              <a:t>Создание чека во время покупки</a:t>
-            </a:r>
-          </a:p>
-          <a:p>
-            <a:pPr marL="342900" indent="-342900">
-              <a:buFont typeface="+mj-lt"/>
-              <a:buAutoNum type="arabicPeriod"/>
-            </a:pPr>
-            <a:r>
-              <a:rPr lang="ru-RU" sz="2400" dirty="0"/>
-              <a:t>Создание аналитики покупок для нахождения более продвинутой статистики</a:t>
-            </a:r>
-          </a:p>
-        </p:txBody>
-      </p:sp>
-    </p:spTree>
-    <p:extLst>
-      <p:ext uri="{BB962C8B-B14F-4D97-AF65-F5344CB8AC3E}">
-        <p14:creationId xmlns:p14="http://schemas.microsoft.com/office/powerpoint/2010/main" val="2407716442"/>
-      </p:ext>
-    </p:extLst>
-  </p:cSld>
-  <p:clrMapOvr>
-    <a:masterClrMapping/>
-  </p:clrMapOvr>
-</p:sld>
-</file>
-
-<file path=ppt/slides/slide11.xml><?xml version="1.0" encoding="utf-8"?>
-<p:sld xmlns:a="http://schemas.openxmlformats.org/drawingml/2006/main" xmlns:r="http://schemas.openxmlformats.org/officeDocument/2006/relationships" xmlns:p="http://schemas.openxmlformats.org/presentationml/2006/main">
-  <p:cSld>
-    <p:spTree>
-      <p:nvGrpSpPr>
-        <p:cNvPr id="1" name=""/>
-        <p:cNvGrpSpPr/>
-        <p:nvPr/>
-      </p:nvGrpSpPr>
-      <p:grpSpPr>
-        <a:xfrm>
-          <a:off x="0" y="0"/>
-          <a:ext cx="0" cy="0"/>
-          <a:chOff x="0" y="0"/>
-          <a:chExt cx="0" cy="0"/>
-        </a:xfrm>
-      </p:grpSpPr>
-      <p:sp>
-        <p:nvSpPr>
-          <p:cNvPr id="4" name="TextBox 3">
-            <a:extLst>
-              <a:ext uri="{FF2B5EF4-FFF2-40B4-BE49-F238E27FC236}">
-                <a16:creationId xmlns:a16="http://schemas.microsoft.com/office/drawing/2014/main" id="{B7572FFF-EDFB-4790-875D-0E9FB30A91C0}"/>
-              </a:ext>
-            </a:extLst>
-          </p:cNvPr>
-          <p:cNvSpPr txBox="1"/>
-          <p:nvPr/>
-        </p:nvSpPr>
-        <p:spPr>
-          <a:xfrm>
-            <a:off x="5277506" y="496641"/>
-            <a:ext cx="1636987" cy="646331"/>
-          </a:xfrm>
-          <a:prstGeom prst="rect">
-            <a:avLst/>
-          </a:prstGeom>
-          <a:noFill/>
-        </p:spPr>
-        <p:txBody>
-          <a:bodyPr wrap="none" rtlCol="0">
-            <a:spAutoFit/>
-          </a:bodyPr>
-          <a:lstStyle/>
-          <a:p>
-            <a:r>
-              <a:rPr lang="ru-RU" sz="3600" dirty="0">
-                <a:latin typeface="Roboto" panose="02000000000000000000" pitchFamily="2" charset="0"/>
-                <a:ea typeface="Roboto" panose="02000000000000000000" pitchFamily="2" charset="0"/>
-              </a:rPr>
-              <a:t>Вывод</a:t>
-            </a:r>
-            <a:endParaRPr lang="ru-RU" dirty="0">
-              <a:latin typeface="Roboto" panose="02000000000000000000" pitchFamily="2" charset="0"/>
-              <a:ea typeface="Roboto" panose="02000000000000000000" pitchFamily="2" charset="0"/>
-            </a:endParaRPr>
-          </a:p>
-        </p:txBody>
-      </p:sp>
-      <p:sp>
-        <p:nvSpPr>
-          <p:cNvPr id="6" name="TextBox 5">
-            <a:extLst>
-              <a:ext uri="{FF2B5EF4-FFF2-40B4-BE49-F238E27FC236}">
-                <a16:creationId xmlns:a16="http://schemas.microsoft.com/office/drawing/2014/main" id="{D416CB91-1D0F-4576-88DC-FA4EA7A749F2}"/>
-              </a:ext>
-            </a:extLst>
-          </p:cNvPr>
-          <p:cNvSpPr txBox="1"/>
-          <p:nvPr/>
-        </p:nvSpPr>
-        <p:spPr>
-          <a:xfrm>
-            <a:off x="551384" y="1340768"/>
-            <a:ext cx="11323549" cy="1938992"/>
-          </a:xfrm>
-          <a:prstGeom prst="rect">
-            <a:avLst/>
-          </a:prstGeom>
-          <a:noFill/>
-        </p:spPr>
-        <p:txBody>
-          <a:bodyPr wrap="none" rtlCol="0">
-            <a:spAutoFit/>
-          </a:bodyPr>
-          <a:lstStyle/>
-          <a:p>
-            <a:pPr marL="342900" indent="-342900">
-              <a:buFont typeface="+mj-lt"/>
-              <a:buAutoNum type="arabicPeriod"/>
-            </a:pPr>
-            <a:r>
-              <a:rPr lang="ru-RU" sz="2400" dirty="0"/>
-              <a:t>Был спроектирован интерфейс с помощью библиотеки </a:t>
-            </a:r>
-            <a:r>
-              <a:rPr lang="en-US" sz="2400" dirty="0"/>
-              <a:t>PyQt5</a:t>
-            </a:r>
-            <a:r>
-              <a:rPr lang="ru-RU" sz="2400" dirty="0"/>
-              <a:t>.</a:t>
-            </a:r>
-          </a:p>
-          <a:p>
-            <a:pPr marL="342900" indent="-342900">
-              <a:buFont typeface="+mj-lt"/>
-              <a:buAutoNum type="arabicPeriod"/>
-            </a:pPr>
-            <a:r>
-              <a:rPr lang="ru-RU" sz="2400" dirty="0"/>
-              <a:t>Была создана база данных для хранения товаров и пользователей</a:t>
-            </a:r>
-            <a:br>
-              <a:rPr lang="ru-RU" sz="2400" dirty="0"/>
-            </a:br>
-            <a:r>
-              <a:rPr lang="en-US" sz="2400" dirty="0"/>
-              <a:t> </a:t>
-            </a:r>
-            <a:r>
-              <a:rPr lang="ru-RU" sz="2400" dirty="0"/>
-              <a:t>с использованием </a:t>
-            </a:r>
-            <a:r>
-              <a:rPr lang="ru-RU" sz="2400" dirty="0" err="1"/>
-              <a:t>субд</a:t>
-            </a:r>
-            <a:r>
-              <a:rPr lang="ru-RU" sz="2400" dirty="0"/>
-              <a:t> </a:t>
-            </a:r>
-            <a:r>
-              <a:rPr lang="en-US" sz="2400" dirty="0"/>
-              <a:t>sqlite3</a:t>
-            </a:r>
-            <a:endParaRPr lang="ru-RU" sz="2400" dirty="0"/>
-          </a:p>
-          <a:p>
-            <a:pPr marL="342900" indent="-342900">
-              <a:buFont typeface="+mj-lt"/>
-              <a:buAutoNum type="arabicPeriod"/>
-            </a:pPr>
-            <a:r>
-              <a:rPr lang="ru-RU" sz="2400" dirty="0"/>
-              <a:t>Был создан механизм защиты фотографий товаров от случайного удаления</a:t>
-            </a:r>
-          </a:p>
-          <a:p>
-            <a:pPr marL="342900" indent="-342900">
-              <a:buFont typeface="+mj-lt"/>
-              <a:buAutoNum type="arabicPeriod"/>
-            </a:pPr>
-            <a:r>
-              <a:rPr lang="ru-RU" sz="2400" dirty="0"/>
-              <a:t>В совокупности всех применённых технологий получается </a:t>
-            </a:r>
-            <a:r>
-              <a:rPr lang="ru-RU" sz="2400" dirty="0" err="1"/>
-              <a:t>товароучётная</a:t>
-            </a:r>
-            <a:r>
-              <a:rPr lang="ru-RU" sz="2400" dirty="0"/>
-              <a:t> система </a:t>
-            </a:r>
-          </a:p>
-        </p:txBody>
-      </p:sp>
-    </p:spTree>
-    <p:extLst>
-      <p:ext uri="{BB962C8B-B14F-4D97-AF65-F5344CB8AC3E}">
-        <p14:creationId xmlns:p14="http://schemas.microsoft.com/office/powerpoint/2010/main" val="2641781494"/>
       </p:ext>
     </p:extLst>
   </p:cSld>
@@ -3927,8 +3769,8 @@
         </p:nvSpPr>
         <p:spPr>
           <a:xfrm>
-            <a:off x="1653114" y="1988840"/>
-            <a:ext cx="9004388" cy="461665"/>
+            <a:off x="2504761" y="1899193"/>
+            <a:ext cx="7931530" cy="830997"/>
           </a:xfrm>
           <a:prstGeom prst="rect">
             <a:avLst/>
@@ -3936,28 +3778,35 @@
           <a:noFill/>
         </p:spPr>
         <p:txBody>
-          <a:bodyPr wrap="none" rtlCol="0">
+          <a:bodyPr wrap="none" lIns="91440" tIns="45720" rIns="91440" bIns="45720" rtlCol="0" anchor="t">
             <a:spAutoFit/>
           </a:bodyPr>
           <a:lstStyle/>
           <a:p>
             <a:r>
               <a:rPr lang="ru-RU" sz="2400" dirty="0"/>
-              <a:t>Идея проекта состоит в том чтобы сделать </a:t>
-            </a:r>
-            <a:r>
-              <a:rPr lang="ru-RU" sz="2400" dirty="0" err="1"/>
-              <a:t>товароучётную</a:t>
-            </a:r>
-            <a:r>
-              <a:rPr lang="ru-RU" sz="2400" dirty="0"/>
-              <a:t> систему</a:t>
+              <a:t>Идея проекта состоит в том чтобы </a:t>
+            </a:r>
+            <a:endParaRPr lang="ru-RU" sz="2400" dirty="0">
+              <a:ea typeface="+mn-lt"/>
+              <a:cs typeface="+mn-lt"/>
+            </a:endParaRPr>
+          </a:p>
+          <a:p>
+            <a:r>
+              <a:rPr lang="ru-RU" sz="2400" dirty="0">
+                <a:ea typeface="+mn-lt"/>
+                <a:cs typeface="+mn-lt"/>
+              </a:rPr>
+              <a:t>создать интернет-магазин для продажи продуктов онлайн</a:t>
             </a:r>
             <a:r>
               <a:rPr lang="en-US" sz="2400" dirty="0"/>
               <a:t>.</a:t>
             </a:r>
-            <a:endParaRPr lang="ru-RU" sz="2400" dirty="0"/>
+            <a:endParaRPr lang="ru-RU" sz="2400" dirty="0">
+              <a:cs typeface="Calibri"/>
+            </a:endParaRPr>
           </a:p>
         </p:txBody>
       </p:sp>
@@ -3976,7 +3825,7 @@
         <p:spPr>
           <a:xfrm>
             <a:off x="459197" y="3243875"/>
-            <a:ext cx="8917569" cy="1200329"/>
+            <a:ext cx="7349961" cy="830997"/>
           </a:xfrm>
           <a:prstGeom prst="rect">
             <a:avLst/>
@@ -3984,29 +3833,23 @@
           <a:noFill/>
         </p:spPr>
         <p:txBody>
-          <a:bodyPr wrap="none" rtlCol="0">
+          <a:bodyPr wrap="none" lIns="91440" tIns="45720" rIns="91440" bIns="45720" rtlCol="0" anchor="t">
             <a:spAutoFit/>
           </a:bodyPr>
           <a:lstStyle/>
           <a:p>
             <a:r>
               <a:rPr lang="ru-RU" sz="2400" dirty="0"/>
-              <a:t>Исходя из идеи, проект можно использовать в разных </a:t>
-            </a:r>
-            <a:endParaRPr lang="en-US" sz="2400" dirty="0"/>
+              <a:t>Исходя из идеи, проект можно использовать в разных </a:t>
+            </a:r>
+            <a:endParaRPr lang="en-US" sz="2400"/>
           </a:p>
           <a:p>
             <a:r>
               <a:rPr lang="ru-RU" sz="2400" dirty="0"/>
-              <a:t>условиях связанных с типичными кассовыми функциями.</a:t>
-            </a:r>
-            <a:br>
-              <a:rPr lang="ru-RU" sz="2400" dirty="0"/>
-            </a:br>
-            <a:r>
-              <a:rPr lang="ru-RU" sz="2400" dirty="0"/>
-              <a:t>То есть можно использовать буквально везде где продают товары.</a:t>
-            </a:r>
+              <a:t>условиях связанных с продажей товаров онлайн.</a:t>
+            </a:r>
+            <a:endParaRPr lang="en-US" dirty="0"/>
           </a:p>
         </p:txBody>
       </p:sp>
@@ -4477,8 +4320,8 @@
         </p:nvSpPr>
         <p:spPr>
           <a:xfrm>
-            <a:off x="2207568" y="2383504"/>
-            <a:ext cx="8087727" cy="830997"/>
+            <a:off x="199474" y="2482116"/>
+            <a:ext cx="11837424" cy="1938992"/>
           </a:xfrm>
           <a:prstGeom prst="rect">
             <a:avLst/>
@@ -4486,30 +4329,98 @@
           <a:noFill/>
         </p:spPr>
         <p:txBody>
-          <a:bodyPr wrap="none" rtlCol="0">
+          <a:bodyPr wrap="square" lIns="91440" tIns="45720" rIns="91440" bIns="45720" rtlCol="0" anchor="t">
             <a:spAutoFit/>
           </a:bodyPr>
           <a:lstStyle/>
+          <a:p>
+            <a:pPr marL="342900" indent="-342900">
+              <a:buAutoNum type="arabicPeriod"/>
+            </a:pPr>
+            <a:r>
+              <a:rPr lang="ru-RU" sz="2400" dirty="0" err="1"/>
+              <a:t>Flask</a:t>
+            </a:r>
+            <a:r>
+              <a:rPr lang="ru-RU" sz="2400" dirty="0"/>
+              <a:t> – библиотека для создания и поддержки сервера.</a:t>
+            </a:r>
+            <a:endParaRPr lang="ru-RU" dirty="0">
+              <a:cs typeface="Calibri" panose="020F0502020204030204"/>
+            </a:endParaRPr>
+          </a:p>
+          <a:p>
+            <a:pPr marL="342900" indent="-342900">
+              <a:buFont typeface="Arial"/>
+              <a:buChar char="•"/>
+            </a:pPr>
+            <a:r>
+              <a:rPr lang="ru-RU" sz="2400" dirty="0" err="1">
+                <a:cs typeface="Calibri"/>
+              </a:rPr>
+              <a:t>Flask_restful</a:t>
+            </a:r>
+            <a:r>
+              <a:rPr lang="ru-RU" sz="2400" dirty="0">
+                <a:cs typeface="Calibri"/>
+              </a:rPr>
+              <a:t> - </a:t>
+            </a:r>
+            <a:r>
+              <a:rPr lang="ru-RU" sz="2400" dirty="0">
+                <a:ea typeface="+mn-lt"/>
+                <a:cs typeface="+mn-lt"/>
+              </a:rPr>
+              <a:t>библиотека для работы с API</a:t>
+            </a:r>
+          </a:p>
+          <a:p>
+            <a:pPr marL="342900" indent="-342900">
+              <a:buFontTx/>
+              <a:buAutoNum type="arabicPeriod"/>
+            </a:pPr>
+            <a:r>
+              <a:rPr lang="ru-RU" sz="2400" dirty="0" err="1">
+                <a:cs typeface="Calibri"/>
+              </a:rPr>
+              <a:t>Flask-login</a:t>
+            </a:r>
+            <a:r>
+              <a:rPr lang="ru-RU" sz="2400" dirty="0">
+                <a:cs typeface="Calibri"/>
+              </a:rPr>
+              <a:t> - </a:t>
+            </a:r>
+            <a:r>
+              <a:rPr lang="ru-RU" sz="2400" dirty="0">
+                <a:ea typeface="+mn-lt"/>
+                <a:cs typeface="+mn-lt"/>
+              </a:rPr>
+              <a:t>библиотека для работы с пользователями(авторизация, регистрация и т.д.)</a:t>
+            </a:r>
+            <a:endParaRPr lang="ru-RU" sz="2400" dirty="0">
+              <a:cs typeface="Calibri"/>
+            </a:endParaRPr>
+          </a:p>
+          <a:p>
+            <a:pPr marL="342900" indent="-342900">
+              <a:buFontTx/>
+              <a:buAutoNum type="arabicPeriod"/>
+            </a:pPr>
+            <a:r>
+              <a:rPr lang="ru-RU" sz="2400" dirty="0"/>
+              <a:t>Jinja2 - *</a:t>
+            </a:r>
+            <a:endParaRPr lang="ru-RU" sz="2400" dirty="0">
+              <a:cs typeface="Calibri"/>
+            </a:endParaRPr>
+          </a:p>
           <a:p>
             <a:pPr marL="342900" indent="-342900">
               <a:buFont typeface="+mj-lt"/>
               <a:buAutoNum type="arabicPeriod"/>
             </a:pPr>
             <a:r>
-              <a:rPr lang="en-US" sz="2400" dirty="0"/>
-              <a:t>PyQt5</a:t>
-            </a:r>
-            <a:r>
-              <a:rPr lang="ru-RU" sz="2400" dirty="0"/>
-              <a:t> – интерфейс для взаимодействия с пользователем.</a:t>
-            </a:r>
-          </a:p>
-          <a:p>
-            <a:pPr marL="342900" indent="-342900">
-              <a:buFont typeface="+mj-lt"/>
-              <a:buAutoNum type="arabicPeriod"/>
-            </a:pPr>
-            <a:r>
               <a:rPr lang="en-US" sz="2400" dirty="0" err="1"/>
               <a:t>Sqlite</a:t>
             </a:r>
@@ -4538,7 +4449,7 @@
         </p:nvSpPr>
         <p:spPr>
           <a:xfrm>
-            <a:off x="1343472" y="3214501"/>
+            <a:off x="1343472" y="5303278"/>
             <a:ext cx="7141442" cy="830997"/>
           </a:xfrm>
           <a:prstGeom prst="rect">
@@ -4595,58 +4506,22 @@
           <a:chExt cx="0" cy="0"/>
         </a:xfrm>
       </p:grpSpPr>
-      <p:pic>
-        <p:nvPicPr>
-          <p:cNvPr id="6" name="Рисунок 5">
-            <a:extLst>
-              <a:ext uri="{FF2B5EF4-FFF2-40B4-BE49-F238E27FC236}">
-                <a16:creationId xmlns:a16="http://schemas.microsoft.com/office/drawing/2014/main" id="{DD77534C-A613-4572-BEC0-071F17BC74A2}"/>
-              </a:ext>
-            </a:extLst>
-          </p:cNvPr>
-          <p:cNvPicPr>
-            <a:picLocks noChangeAspect="1"/>
-          </p:cNvPicPr>
+      <p:sp>
+        <p:nvSpPr>
+          <p:cNvPr id="4" name="TextBox 3">
+            <a:extLst>
+              <a:ext uri="{FF2B5EF4-FFF2-40B4-BE49-F238E27FC236}">
+                <a16:creationId xmlns:a16="http://schemas.microsoft.com/office/drawing/2014/main" id="{B7572FFF-EDFB-4790-875D-0E9FB30A91C0}"/>
+              </a:ext>
+            </a:extLst>
+          </p:cNvPr>
+          <p:cNvSpPr txBox="1"/>
           <p:nvPr/>
-        </p:nvPicPr>
-        <p:blipFill>
-          <a:blip r:embed="rId2">
-            <a:extLst>
-              <a:ext uri="{28A0092B-C50C-407E-A947-70E740481C1C}">
-                <a14:useLocalDpi xmlns:a14="http://schemas.microsoft.com/office/drawing/2010/main" val="0"/>
-              </a:ext>
-            </a:extLst>
-          </a:blip>
-          <a:stretch>
-            <a:fillRect/>
-          </a:stretch>
-        </p:blipFill>
+        </p:nvSpPr>
         <p:spPr>
           <a:xfrm>
-            <a:off x="2927648" y="1340681"/>
-            <a:ext cx="5832648" cy="5042316"/>
-          </a:xfrm>
-          <a:prstGeom prst="rect">
-            <a:avLst/>
-          </a:prstGeom>
-        </p:spPr>
-      </p:pic>
-      <p:sp>
-        <p:nvSpPr>
-          <p:cNvPr id="7" name="TextBox 6">
-            <a:extLst>
-              <a:ext uri="{FF2B5EF4-FFF2-40B4-BE49-F238E27FC236}">
-                <a16:creationId xmlns:a16="http://schemas.microsoft.com/office/drawing/2014/main" id="{A238F451-27FF-4530-B320-716BA8BBC641}"/>
-              </a:ext>
-            </a:extLst>
-          </p:cNvPr>
-          <p:cNvSpPr txBox="1"/>
-          <p:nvPr/>
-        </p:nvSpPr>
-        <p:spPr>
-          <a:xfrm>
-            <a:off x="2845751" y="475003"/>
-            <a:ext cx="6500497" cy="646331"/>
+            <a:off x="5277506" y="496641"/>
+            <a:ext cx="1636987" cy="646331"/>
           </a:xfrm>
           <a:prstGeom prst="rect">
             <a:avLst/>
@@ -4659,99 +4534,36 @@
           </a:bodyPr>
           <a:lstStyle/>
           <a:p>
-            <a:pPr algn="ctr"/>
             <a:r>
               <a:rPr lang="ru-RU" sz="3600" dirty="0">
                 <a:latin typeface="Roboto" panose="02000000000000000000" pitchFamily="2" charset="0"/>
                 <a:ea typeface="Roboto" panose="02000000000000000000" pitchFamily="2" charset="0"/>
               </a:rPr>
-              <a:t>Защита фотографий товаров</a:t>
-            </a:r>
-          </a:p>
-        </p:txBody>
-      </p:sp>
-    </p:spTree>
-    <p:extLst>
-      <p:ext uri="{BB962C8B-B14F-4D97-AF65-F5344CB8AC3E}">
-        <p14:creationId xmlns:p14="http://schemas.microsoft.com/office/powerpoint/2010/main" val="1904799853"/>
-      </p:ext>
-    </p:extLst>
-  </p:cSld>
-  <p:clrMapOvr>
-    <a:masterClrMapping/>
-  </p:clrMapOvr>
-</p:sld>
-</file>
-
-<file path=ppt/slides/slide6.xml><?xml version="1.0" encoding="utf-8"?>
-<p:sld xmlns:a="http://schemas.openxmlformats.org/drawingml/2006/main" xmlns:r="http://schemas.openxmlformats.org/officeDocument/2006/relationships" xmlns:p="http://schemas.openxmlformats.org/presentationml/2006/main">
-  <p:cSld>
-    <p:spTree>
-      <p:nvGrpSpPr>
-        <p:cNvPr id="1" name=""/>
-        <p:cNvGrpSpPr/>
-        <p:nvPr/>
-      </p:nvGrpSpPr>
-      <p:grpSpPr>
-        <a:xfrm>
-          <a:off x="0" y="0"/>
-          <a:ext cx="0" cy="0"/>
-          <a:chOff x="0" y="0"/>
-          <a:chExt cx="0" cy="0"/>
-        </a:xfrm>
-      </p:grpSpPr>
-      <p:pic>
-        <p:nvPicPr>
-          <p:cNvPr id="7" name="Рисунок 6">
-            <a:extLst>
-              <a:ext uri="{FF2B5EF4-FFF2-40B4-BE49-F238E27FC236}">
-                <a16:creationId xmlns:a16="http://schemas.microsoft.com/office/drawing/2014/main" id="{F67EAFDE-BA90-4043-8E8C-8F18C81CF329}"/>
-              </a:ext>
-            </a:extLst>
-          </p:cNvPr>
-          <p:cNvPicPr>
-            <a:picLocks noChangeAspect="1"/>
-          </p:cNvPicPr>
+              <a:t>Вывод</a:t>
+            </a:r>
+            <a:endParaRPr lang="ru-RU" dirty="0">
+              <a:latin typeface="Roboto" panose="02000000000000000000" pitchFamily="2" charset="0"/>
+              <a:ea typeface="Roboto" panose="02000000000000000000" pitchFamily="2" charset="0"/>
+            </a:endParaRPr>
+          </a:p>
+        </p:txBody>
+      </p:sp>
+      <p:sp>
+        <p:nvSpPr>
+          <p:cNvPr id="6" name="TextBox 5">
+            <a:extLst>
+              <a:ext uri="{FF2B5EF4-FFF2-40B4-BE49-F238E27FC236}">
+                <a16:creationId xmlns:a16="http://schemas.microsoft.com/office/drawing/2014/main" id="{D416CB91-1D0F-4576-88DC-FA4EA7A749F2}"/>
+              </a:ext>
+            </a:extLst>
+          </p:cNvPr>
+          <p:cNvSpPr txBox="1"/>
           <p:nvPr/>
-        </p:nvPicPr>
-        <p:blipFill>
-          <a:blip r:embed="rId2">
-            <a:extLst>
-              <a:ext uri="{28A0092B-C50C-407E-A947-70E740481C1C}">
-                <a14:useLocalDpi xmlns:a14="http://schemas.microsoft.com/office/drawing/2010/main" val="0"/>
-              </a:ext>
-            </a:extLst>
-          </a:blip>
-          <a:stretch>
-            <a:fillRect/>
-          </a:stretch>
-        </p:blipFill>
+        </p:nvSpPr>
         <p:spPr>
           <a:xfrm>
-            <a:off x="4007768" y="1700808"/>
-            <a:ext cx="3290731" cy="4943409"/>
-          </a:xfrm>
-          <a:prstGeom prst="rect">
-            <a:avLst/>
-          </a:prstGeom>
-        </p:spPr>
-      </p:pic>
-      <p:sp>
-        <p:nvSpPr>
-          <p:cNvPr id="8" name="TextBox 7">
-            <a:extLst>
-              <a:ext uri="{FF2B5EF4-FFF2-40B4-BE49-F238E27FC236}">
-                <a16:creationId xmlns:a16="http://schemas.microsoft.com/office/drawing/2014/main" id="{4D5886EC-7962-4C85-97CC-181D3C367095}"/>
-              </a:ext>
-            </a:extLst>
-          </p:cNvPr>
-          <p:cNvSpPr txBox="1"/>
-          <p:nvPr/>
-        </p:nvSpPr>
-        <p:spPr>
-          <a:xfrm>
-            <a:off x="815644" y="872304"/>
-            <a:ext cx="10560712" cy="584775"/>
+            <a:off x="551384" y="1340768"/>
+            <a:ext cx="9253239" cy="1938992"/>
           </a:xfrm>
           <a:prstGeom prst="rect">
             <a:avLst/>
@@ -4759,379 +4571,87 @@
           <a:noFill/>
         </p:spPr>
         <p:txBody>
-          <a:bodyPr wrap="square" rtlCol="0">
+          <a:bodyPr wrap="none" lIns="91440" tIns="45720" rIns="91440" bIns="45720" rtlCol="0" anchor="t">
             <a:spAutoFit/>
           </a:bodyPr>
           <a:lstStyle/>
           <a:p>
-            <a:r>
-              <a:rPr lang="ru-RU" sz="3200" dirty="0">
-                <a:latin typeface="Roboto" panose="02000000000000000000" pitchFamily="2" charset="0"/>
-                <a:ea typeface="Roboto" panose="02000000000000000000" pitchFamily="2" charset="0"/>
-              </a:rPr>
-              <a:t>Схема работы приложения со стороны пользователя</a:t>
-            </a:r>
+            <a:pPr marL="342900" indent="-342900">
+              <a:buFont typeface="+mj-lt"/>
+              <a:buAutoNum type="arabicPeriod"/>
+            </a:pPr>
+            <a:r>
+              <a:rPr lang="ru-RU" sz="2400" dirty="0"/>
+              <a:t>Был спроектирован интерфейс с помощью библиотеки </a:t>
+            </a:r>
+            <a:r>
+              <a:rPr lang="ru-RU" sz="2400" dirty="0" err="1"/>
+              <a:t>Flask</a:t>
+            </a:r>
+            <a:r>
+              <a:rPr lang="ru-RU" sz="2400" dirty="0"/>
+              <a:t>.</a:t>
+            </a:r>
+          </a:p>
+          <a:p>
+            <a:pPr marL="342900" indent="-342900">
+              <a:buFont typeface="+mj-lt"/>
+              <a:buAutoNum type="arabicPeriod"/>
+            </a:pPr>
+            <a:r>
+              <a:rPr lang="ru-RU" sz="2400" dirty="0"/>
+              <a:t>Была создана база данных для хранения товаров и пользователей</a:t>
+            </a:r>
+            <a:br>
+              <a:rPr lang="ru-RU" sz="2400" dirty="0"/>
+            </a:br>
+            <a:r>
+              <a:rPr lang="en-US" sz="2400" dirty="0"/>
+              <a:t> </a:t>
+            </a:r>
+            <a:r>
+              <a:rPr lang="ru-RU" sz="2400" dirty="0"/>
+              <a:t>с использованием </a:t>
+            </a:r>
+            <a:r>
+              <a:rPr lang="ru-RU" sz="2400" dirty="0" err="1"/>
+              <a:t>субд</a:t>
+            </a:r>
+            <a:r>
+              <a:rPr lang="ru-RU" sz="2400" dirty="0"/>
+              <a:t> </a:t>
+            </a:r>
+            <a:r>
+              <a:rPr lang="en-US" sz="2400" dirty="0"/>
+              <a:t>sqlite3</a:t>
+            </a:r>
+            <a:endParaRPr lang="ru-RU" sz="2400" dirty="0"/>
+          </a:p>
+          <a:p>
+            <a:pPr marL="342900" indent="-342900">
+              <a:buFont typeface="+mj-lt"/>
+              <a:buAutoNum type="arabicPeriod"/>
+            </a:pPr>
+            <a:r>
+              <a:rPr lang="ru-RU" sz="2400" dirty="0"/>
+              <a:t>В совокупности всех применённых технологий получается </a:t>
+            </a:r>
+          </a:p>
+          <a:p>
+            <a:r>
+              <a:rPr lang="ru-RU" sz="2400" dirty="0"/>
+              <a:t>            интернет-магазин для продажи товаров </a:t>
+            </a:r>
+            <a:endParaRPr lang="ru-RU" sz="2400">
+              <a:cs typeface="Calibri"/>
+            </a:endParaRPr>
           </a:p>
         </p:txBody>
       </p:sp>
     </p:spTree>
     <p:extLst>
       <p:ext uri="{BB962C8B-B14F-4D97-AF65-F5344CB8AC3E}">
-        <p14:creationId xmlns:p14="http://schemas.microsoft.com/office/powerpoint/2010/main" val="274200841"/>
-      </p:ext>
-    </p:extLst>
-  </p:cSld>
-  <p:clrMapOvr>
-    <a:masterClrMapping/>
-  </p:clrMapOvr>
-</p:sld>
-</file>
-
-<file path=ppt/slides/slide7.xml><?xml version="1.0" encoding="utf-8"?>
-<p:sld xmlns:a="http://schemas.openxmlformats.org/drawingml/2006/main" xmlns:r="http://schemas.openxmlformats.org/officeDocument/2006/relationships" xmlns:p="http://schemas.openxmlformats.org/presentationml/2006/main">
-  <p:cSld>
-    <p:spTree>
-      <p:nvGrpSpPr>
-        <p:cNvPr id="1" name=""/>
-        <p:cNvGrpSpPr/>
-        <p:nvPr/>
-      </p:nvGrpSpPr>
-      <p:grpSpPr>
-        <a:xfrm>
-          <a:off x="0" y="0"/>
-          <a:ext cx="0" cy="0"/>
-          <a:chOff x="0" y="0"/>
-          <a:chExt cx="0" cy="0"/>
-        </a:xfrm>
-      </p:grpSpPr>
-      <p:sp>
-        <p:nvSpPr>
-          <p:cNvPr id="5" name="TextBox 4">
-            <a:extLst>
-              <a:ext uri="{FF2B5EF4-FFF2-40B4-BE49-F238E27FC236}">
-                <a16:creationId xmlns:a16="http://schemas.microsoft.com/office/drawing/2014/main" id="{8956BDED-D525-4532-8882-F54635CB0AE9}"/>
-              </a:ext>
-            </a:extLst>
-          </p:cNvPr>
-          <p:cNvSpPr txBox="1"/>
-          <p:nvPr/>
-        </p:nvSpPr>
-        <p:spPr>
-          <a:xfrm>
-            <a:off x="2804073" y="677257"/>
-            <a:ext cx="6583854" cy="646331"/>
-          </a:xfrm>
-          <a:prstGeom prst="rect">
-            <a:avLst/>
-          </a:prstGeom>
-          <a:noFill/>
-        </p:spPr>
-        <p:txBody>
-          <a:bodyPr wrap="none" rtlCol="0">
-            <a:spAutoFit/>
-          </a:bodyPr>
-          <a:lstStyle/>
-          <a:p>
-            <a:r>
-              <a:rPr lang="ru-RU" sz="3600" dirty="0">
-                <a:latin typeface="Roboto" panose="02000000000000000000" pitchFamily="2" charset="0"/>
-                <a:ea typeface="Roboto" panose="02000000000000000000" pitchFamily="2" charset="0"/>
-              </a:rPr>
-              <a:t>Процесс работы приложения</a:t>
-            </a:r>
-          </a:p>
-        </p:txBody>
-      </p:sp>
-      <p:pic>
-        <p:nvPicPr>
-          <p:cNvPr id="6" name="Рисунок 5">
-            <a:extLst>
-              <a:ext uri="{FF2B5EF4-FFF2-40B4-BE49-F238E27FC236}">
-                <a16:creationId xmlns:a16="http://schemas.microsoft.com/office/drawing/2014/main" id="{F46FBAD2-2790-4475-8E30-3C59EFAC391E}"/>
-              </a:ext>
-            </a:extLst>
-          </p:cNvPr>
-          <p:cNvPicPr>
-            <a:picLocks noChangeAspect="1"/>
-          </p:cNvPicPr>
-          <p:nvPr/>
-        </p:nvPicPr>
-        <p:blipFill>
-          <a:blip r:embed="rId2"/>
-          <a:stretch>
-            <a:fillRect/>
-          </a:stretch>
-        </p:blipFill>
-        <p:spPr>
-          <a:xfrm>
-            <a:off x="1199456" y="1484784"/>
-            <a:ext cx="8861963" cy="5236615"/>
-          </a:xfrm>
-          <a:prstGeom prst="rect">
-            <a:avLst/>
-          </a:prstGeom>
-        </p:spPr>
-      </p:pic>
-    </p:spTree>
-    <p:extLst>
-      <p:ext uri="{BB962C8B-B14F-4D97-AF65-F5344CB8AC3E}">
-        <p14:creationId xmlns:p14="http://schemas.microsoft.com/office/powerpoint/2010/main" val="2549343128"/>
-      </p:ext>
-    </p:extLst>
-  </p:cSld>
-  <p:clrMapOvr>
-    <a:masterClrMapping/>
-  </p:clrMapOvr>
-</p:sld>
-</file>
-
-<file path=ppt/slides/slide8.xml><?xml version="1.0" encoding="utf-8"?>
-<p:sld xmlns:a="http://schemas.openxmlformats.org/drawingml/2006/main" xmlns:r="http://schemas.openxmlformats.org/officeDocument/2006/relationships" xmlns:p="http://schemas.openxmlformats.org/presentationml/2006/main">
-  <p:cSld>
-    <p:spTree>
-      <p:nvGrpSpPr>
-        <p:cNvPr id="1" name=""/>
-        <p:cNvGrpSpPr/>
-        <p:nvPr/>
-      </p:nvGrpSpPr>
-      <p:grpSpPr>
-        <a:xfrm>
-          <a:off x="0" y="0"/>
-          <a:ext cx="0" cy="0"/>
-          <a:chOff x="0" y="0"/>
-          <a:chExt cx="0" cy="0"/>
-        </a:xfrm>
-      </p:grpSpPr>
-      <p:sp>
-        <p:nvSpPr>
-          <p:cNvPr id="5" name="TextBox 4">
-            <a:extLst>
-              <a:ext uri="{FF2B5EF4-FFF2-40B4-BE49-F238E27FC236}">
-                <a16:creationId xmlns:a16="http://schemas.microsoft.com/office/drawing/2014/main" id="{BB581EE9-1B9D-4304-83C1-07782E0A3240}"/>
-              </a:ext>
-            </a:extLst>
-          </p:cNvPr>
-          <p:cNvSpPr txBox="1"/>
-          <p:nvPr/>
-        </p:nvSpPr>
-        <p:spPr>
-          <a:xfrm>
-            <a:off x="2872200" y="549138"/>
-            <a:ext cx="6447599" cy="646331"/>
-          </a:xfrm>
-          <a:prstGeom prst="rect">
-            <a:avLst/>
-          </a:prstGeom>
-          <a:noFill/>
-        </p:spPr>
-        <p:txBody>
-          <a:bodyPr wrap="none" rtlCol="0">
-            <a:spAutoFit/>
-          </a:bodyPr>
-          <a:lstStyle/>
-          <a:p>
-            <a:r>
-              <a:rPr lang="ru-RU" sz="3600" dirty="0">
-                <a:latin typeface="Roboto" panose="02000000000000000000" pitchFamily="2" charset="0"/>
-                <a:ea typeface="Roboto" panose="02000000000000000000" pitchFamily="2" charset="0"/>
-              </a:rPr>
-              <a:t>Создание и удаление товара</a:t>
-            </a:r>
-          </a:p>
-        </p:txBody>
-      </p:sp>
-      <p:pic>
-        <p:nvPicPr>
-          <p:cNvPr id="7" name="Рисунок 6">
-            <a:extLst>
-              <a:ext uri="{FF2B5EF4-FFF2-40B4-BE49-F238E27FC236}">
-                <a16:creationId xmlns:a16="http://schemas.microsoft.com/office/drawing/2014/main" id="{24A618C4-3C65-4AA7-AE0A-B1FF57E20447}"/>
-              </a:ext>
-            </a:extLst>
-          </p:cNvPr>
-          <p:cNvPicPr>
-            <a:picLocks noChangeAspect="1"/>
-          </p:cNvPicPr>
-          <p:nvPr/>
-        </p:nvPicPr>
-        <p:blipFill>
-          <a:blip r:embed="rId2"/>
-          <a:stretch>
-            <a:fillRect/>
-          </a:stretch>
-        </p:blipFill>
-        <p:spPr>
-          <a:xfrm>
-            <a:off x="7201089" y="1726621"/>
-            <a:ext cx="3287399" cy="3003595"/>
-          </a:xfrm>
-          <a:prstGeom prst="rect">
-            <a:avLst/>
-          </a:prstGeom>
-        </p:spPr>
-      </p:pic>
-      <p:pic>
-        <p:nvPicPr>
-          <p:cNvPr id="8" name="Рисунок 7">
-            <a:extLst>
-              <a:ext uri="{FF2B5EF4-FFF2-40B4-BE49-F238E27FC236}">
-                <a16:creationId xmlns:a16="http://schemas.microsoft.com/office/drawing/2014/main" id="{7218D89B-2EB5-41A0-A2DC-123A1FDCAE7A}"/>
-              </a:ext>
-            </a:extLst>
-          </p:cNvPr>
-          <p:cNvPicPr>
-            <a:picLocks noChangeAspect="1"/>
-          </p:cNvPicPr>
-          <p:nvPr/>
-        </p:nvPicPr>
-        <p:blipFill>
-          <a:blip r:embed="rId3"/>
-          <a:stretch>
-            <a:fillRect/>
-          </a:stretch>
-        </p:blipFill>
-        <p:spPr>
-          <a:xfrm>
-            <a:off x="1703512" y="1748951"/>
-            <a:ext cx="3571875" cy="4705350"/>
-          </a:xfrm>
-          <a:prstGeom prst="rect">
-            <a:avLst/>
-          </a:prstGeom>
-        </p:spPr>
-      </p:pic>
-    </p:spTree>
-    <p:extLst>
-      <p:ext uri="{BB962C8B-B14F-4D97-AF65-F5344CB8AC3E}">
-        <p14:creationId xmlns:p14="http://schemas.microsoft.com/office/powerpoint/2010/main" val="4158007993"/>
-      </p:ext>
-    </p:extLst>
-  </p:cSld>
-  <p:clrMapOvr>
-    <a:masterClrMapping/>
-  </p:clrMapOvr>
-</p:sld>
-</file>
-
-<file path=ppt/slides/slide9.xml><?xml version="1.0" encoding="utf-8"?>
-<p:sld xmlns:a="http://schemas.openxmlformats.org/drawingml/2006/main" xmlns:r="http://schemas.openxmlformats.org/officeDocument/2006/relationships" xmlns:p="http://schemas.openxmlformats.org/presentationml/2006/main">
-  <p:cSld>
-    <p:spTree>
-      <p:nvGrpSpPr>
-        <p:cNvPr id="1" name=""/>
-        <p:cNvGrpSpPr/>
-        <p:nvPr/>
-      </p:nvGrpSpPr>
-      <p:grpSpPr>
-        <a:xfrm>
-          <a:off x="0" y="0"/>
-          <a:ext cx="0" cy="0"/>
-          <a:chOff x="0" y="0"/>
-          <a:chExt cx="0" cy="0"/>
-        </a:xfrm>
-      </p:grpSpPr>
-      <p:sp>
-        <p:nvSpPr>
-          <p:cNvPr id="5" name="TextBox 4">
-            <a:extLst>
-              <a:ext uri="{FF2B5EF4-FFF2-40B4-BE49-F238E27FC236}">
-                <a16:creationId xmlns:a16="http://schemas.microsoft.com/office/drawing/2014/main" id="{FC1E1539-CF33-4AA5-A46F-D696B6BE3955}"/>
-              </a:ext>
-            </a:extLst>
-          </p:cNvPr>
-          <p:cNvSpPr txBox="1"/>
-          <p:nvPr/>
-        </p:nvSpPr>
-        <p:spPr>
-          <a:xfrm>
-            <a:off x="1156987" y="782386"/>
-            <a:ext cx="9878025" cy="584775"/>
-          </a:xfrm>
-          <a:prstGeom prst="rect">
-            <a:avLst/>
-          </a:prstGeom>
-          <a:noFill/>
-        </p:spPr>
-        <p:txBody>
-          <a:bodyPr wrap="none" rtlCol="0">
-            <a:spAutoFit/>
-          </a:bodyPr>
-          <a:lstStyle/>
-          <a:p>
-            <a:r>
-              <a:rPr lang="ru-RU" sz="3200" dirty="0">
-                <a:latin typeface="Roboto" panose="02000000000000000000" pitchFamily="2" charset="0"/>
-                <a:ea typeface="Roboto" panose="02000000000000000000" pitchFamily="2" charset="0"/>
-              </a:rPr>
-              <a:t>Личный кабинет администратора и пользователя</a:t>
-            </a:r>
-          </a:p>
-        </p:txBody>
-      </p:sp>
-      <p:pic>
-        <p:nvPicPr>
-          <p:cNvPr id="8" name="Рисунок 7">
-            <a:extLst>
-              <a:ext uri="{FF2B5EF4-FFF2-40B4-BE49-F238E27FC236}">
-                <a16:creationId xmlns:a16="http://schemas.microsoft.com/office/drawing/2014/main" id="{455BD6DE-30FF-4BB7-8066-6723ACCDECFC}"/>
-              </a:ext>
-            </a:extLst>
-          </p:cNvPr>
-          <p:cNvPicPr>
-            <a:picLocks noChangeAspect="1"/>
-          </p:cNvPicPr>
-          <p:nvPr/>
-        </p:nvPicPr>
-        <p:blipFill>
-          <a:blip r:embed="rId2"/>
-          <a:stretch>
-            <a:fillRect/>
-          </a:stretch>
-        </p:blipFill>
-        <p:spPr>
-          <a:xfrm>
-            <a:off x="1188745" y="1861848"/>
-            <a:ext cx="4248150" cy="4305300"/>
-          </a:xfrm>
-          <a:prstGeom prst="rect">
-            <a:avLst/>
-          </a:prstGeom>
-        </p:spPr>
-      </p:pic>
-      <p:pic>
-        <p:nvPicPr>
-          <p:cNvPr id="9" name="Рисунок 8">
-            <a:extLst>
-              <a:ext uri="{FF2B5EF4-FFF2-40B4-BE49-F238E27FC236}">
-                <a16:creationId xmlns:a16="http://schemas.microsoft.com/office/drawing/2014/main" id="{8AB66FB7-DF97-4AFD-849E-6580D73B945B}"/>
-              </a:ext>
-            </a:extLst>
-          </p:cNvPr>
-          <p:cNvPicPr>
-            <a:picLocks noChangeAspect="1"/>
-          </p:cNvPicPr>
-          <p:nvPr/>
-        </p:nvPicPr>
-        <p:blipFill>
-          <a:blip r:embed="rId3"/>
-          <a:stretch>
-            <a:fillRect/>
-          </a:stretch>
-        </p:blipFill>
-        <p:spPr>
-          <a:xfrm>
-            <a:off x="6736055" y="1850146"/>
-            <a:ext cx="4267200" cy="4317002"/>
-          </a:xfrm>
-          <a:prstGeom prst="rect">
-            <a:avLst/>
-          </a:prstGeom>
-        </p:spPr>
-      </p:pic>
-    </p:spTree>
-    <p:extLst>
-      <p:ext uri="{BB962C8B-B14F-4D97-AF65-F5344CB8AC3E}">
-        <p14:creationId xmlns:p14="http://schemas.microsoft.com/office/powerpoint/2010/main" val="2480080140"/>
+        <p14:creationId xmlns:p14="http://schemas.microsoft.com/office/powerpoint/2010/main" val="2641781494"/>
       </p:ext>
     </p:extLst>
   </p:cSld>

--- a/Zapiska/Представление Exchange.pptx
+++ b/Zapiska/Представление Exchange.pptx
@@ -2,14 +2,15 @@
 <file path=ppt/presentation.xml><?xml version="1.0" encoding="utf-8"?>
 <p:presentation xmlns:a="http://schemas.openxmlformats.org/drawingml/2006/main" xmlns:r="http://schemas.openxmlformats.org/officeDocument/2006/relationships" xmlns:p="http://schemas.openxmlformats.org/presentationml/2006/main" saveSubsetFonts="1">
   <p:sldMasterIdLst>
-    <p:sldMasterId id="2147483648" r:id="rId1"/>
+    <p:sldMasterId id="2147483660" r:id="rId1"/>
   </p:sldMasterIdLst>
   <p:sldIdLst>
     <p:sldId id="256" r:id="rId2"/>
     <p:sldId id="257" r:id="rId3"/>
-    <p:sldId id="258" r:id="rId4"/>
-    <p:sldId id="259" r:id="rId5"/>
-    <p:sldId id="267" r:id="rId6"/>
+    <p:sldId id="268" r:id="rId4"/>
+    <p:sldId id="258" r:id="rId5"/>
+    <p:sldId id="259" r:id="rId6"/>
+    <p:sldId id="267" r:id="rId7"/>
   </p:sldIdLst>
   <p:sldSz cx="12192000" cy="6858000"/>
   <p:notesSz cx="6858000" cy="9144000"/>
@@ -119,6 +120,7 @@
 <file path=ppt/revisionInfo.xml><?xml version="1.0" encoding="utf-8"?>
 <p1510:revInfo xmlns:a="http://schemas.openxmlformats.org/drawingml/2006/main" xmlns:r="http://schemas.openxmlformats.org/officeDocument/2006/relationships" xmlns:p1510="http://schemas.microsoft.com/office/powerpoint/2015/10/main">
   <p1510:revLst>
+    <p1510:client id="{477B2A9D-B05C-4E84-9898-C50CE1F69AFB}" v="499" dt="2021-04-25T17:45:18.610"/>
     <p1510:client id="{FD1E9BFE-6EC3-49F1-BFC3-65EBCADB1EB8}" v="612" dt="2021-04-25T14:03:14.239"/>
   </p1510:revLst>
 </p1510:revInfo>
@@ -126,6 +128,367 @@
 
 <file path=ppt/changesInfos/changesInfo1.xml><?xml version="1.0" encoding="utf-8"?>
 <pc:chgInfo xmlns:a="http://schemas.openxmlformats.org/drawingml/2006/main" xmlns:r="http://schemas.openxmlformats.org/officeDocument/2006/relationships" xmlns:ac="http://schemas.microsoft.com/office/drawing/2013/main/command" xmlns:pc="http://schemas.microsoft.com/office/powerpoint/2013/main/command">
+  <pc:docChgLst>
+    <pc:chgData name="Глухов Илья" userId="db2753d62472b303" providerId="Windows Live" clId="Web-{477B2A9D-B05C-4E84-9898-C50CE1F69AFB}"/>
+    <pc:docChg chg="addSld modSld addMainMaster delMainMaster">
+      <pc:chgData name="Глухов Илья" userId="db2753d62472b303" providerId="Windows Live" clId="Web-{477B2A9D-B05C-4E84-9898-C50CE1F69AFB}" dt="2021-04-25T17:45:18.610" v="288" actId="1076"/>
+      <pc:docMkLst>
+        <pc:docMk/>
+      </pc:docMkLst>
+      <pc:sldChg chg="modSp mod modClrScheme chgLayout">
+        <pc:chgData name="Глухов Илья" userId="db2753d62472b303" providerId="Windows Live" clId="Web-{477B2A9D-B05C-4E84-9898-C50CE1F69AFB}" dt="2021-04-25T17:39:02.901" v="204" actId="14100"/>
+        <pc:sldMkLst>
+          <pc:docMk/>
+          <pc:sldMk cId="2867009715" sldId="256"/>
+        </pc:sldMkLst>
+        <pc:spChg chg="mod">
+          <ac:chgData name="Глухов Илья" userId="db2753d62472b303" providerId="Windows Live" clId="Web-{477B2A9D-B05C-4E84-9898-C50CE1F69AFB}" dt="2021-04-25T17:39:02.901" v="204" actId="14100"/>
+          <ac:spMkLst>
+            <pc:docMk/>
+            <pc:sldMk cId="2867009715" sldId="256"/>
+            <ac:spMk id="4" creationId="{6B8DBFAA-D07C-4D13-A159-F51E0AB93CAE}"/>
+          </ac:spMkLst>
+        </pc:spChg>
+      </pc:sldChg>
+      <pc:sldChg chg="addSp delSp modSp mod modClrScheme chgLayout">
+        <pc:chgData name="Глухов Илья" userId="db2753d62472b303" providerId="Windows Live" clId="Web-{477B2A9D-B05C-4E84-9898-C50CE1F69AFB}" dt="2021-04-25T17:42:30.717" v="221"/>
+        <pc:sldMkLst>
+          <pc:docMk/>
+          <pc:sldMk cId="467122635" sldId="257"/>
+        </pc:sldMkLst>
+        <pc:spChg chg="mod">
+          <ac:chgData name="Глухов Илья" userId="db2753d62472b303" providerId="Windows Live" clId="Web-{477B2A9D-B05C-4E84-9898-C50CE1F69AFB}" dt="2021-04-25T17:39:21.526" v="206" actId="14100"/>
+          <ac:spMkLst>
+            <pc:docMk/>
+            <pc:sldMk cId="467122635" sldId="257"/>
+            <ac:spMk id="8" creationId="{6BFF6C38-E614-428D-9C47-3555F9131936}"/>
+          </ac:spMkLst>
+        </pc:spChg>
+        <pc:picChg chg="add del mod">
+          <ac:chgData name="Глухов Илья" userId="db2753d62472b303" providerId="Windows Live" clId="Web-{477B2A9D-B05C-4E84-9898-C50CE1F69AFB}" dt="2021-04-25T17:42:30.717" v="221"/>
+          <ac:picMkLst>
+            <pc:docMk/>
+            <pc:sldMk cId="467122635" sldId="257"/>
+            <ac:picMk id="2" creationId="{2BA0CE36-5235-4B5C-BD47-306BC6D0CECD}"/>
+          </ac:picMkLst>
+        </pc:picChg>
+      </pc:sldChg>
+      <pc:sldChg chg="delSp modSp mod modClrScheme chgLayout">
+        <pc:chgData name="Глухов Илья" userId="db2753d62472b303" providerId="Windows Live" clId="Web-{477B2A9D-B05C-4E84-9898-C50CE1F69AFB}" dt="2021-04-25T17:38:41.135" v="200" actId="20577"/>
+        <pc:sldMkLst>
+          <pc:docMk/>
+          <pc:sldMk cId="2539252339" sldId="258"/>
+        </pc:sldMkLst>
+        <pc:spChg chg="mod">
+          <ac:chgData name="Глухов Илья" userId="db2753d62472b303" providerId="Windows Live" clId="Web-{477B2A9D-B05C-4E84-9898-C50CE1F69AFB}" dt="2021-04-25T17:38:41.135" v="200" actId="20577"/>
+          <ac:spMkLst>
+            <pc:docMk/>
+            <pc:sldMk cId="2539252339" sldId="258"/>
+            <ac:spMk id="10" creationId="{34AA0637-1654-49F9-918F-90E4CA8D2D07}"/>
+          </ac:spMkLst>
+        </pc:spChg>
+        <pc:spChg chg="mod">
+          <ac:chgData name="Глухов Илья" userId="db2753d62472b303" providerId="Windows Live" clId="Web-{477B2A9D-B05C-4E84-9898-C50CE1F69AFB}" dt="2021-04-25T17:37:09.071" v="174" actId="1076"/>
+          <ac:spMkLst>
+            <pc:docMk/>
+            <pc:sldMk cId="2539252339" sldId="258"/>
+            <ac:spMk id="11" creationId="{63B506FA-35D3-4FA2-9494-1CCBBC7160D7}"/>
+          </ac:spMkLst>
+        </pc:spChg>
+        <pc:spChg chg="del mod">
+          <ac:chgData name="Глухов Илья" userId="db2753d62472b303" providerId="Windows Live" clId="Web-{477B2A9D-B05C-4E84-9898-C50CE1F69AFB}" dt="2021-04-25T17:36:41.852" v="127"/>
+          <ac:spMkLst>
+            <pc:docMk/>
+            <pc:sldMk cId="2539252339" sldId="258"/>
+            <ac:spMk id="12" creationId="{4701E9F9-6904-4B46-8847-555B5A697B59}"/>
+          </ac:spMkLst>
+        </pc:spChg>
+      </pc:sldChg>
+      <pc:sldChg chg="delSp modSp mod modClrScheme chgLayout">
+        <pc:chgData name="Глухов Илья" userId="db2753d62472b303" providerId="Windows Live" clId="Web-{477B2A9D-B05C-4E84-9898-C50CE1F69AFB}" dt="2021-04-25T17:35:27.351" v="75" actId="20577"/>
+        <pc:sldMkLst>
+          <pc:docMk/>
+          <pc:sldMk cId="2790014949" sldId="259"/>
+        </pc:sldMkLst>
+        <pc:spChg chg="mod">
+          <ac:chgData name="Глухов Илья" userId="db2753d62472b303" providerId="Windows Live" clId="Web-{477B2A9D-B05C-4E84-9898-C50CE1F69AFB}" dt="2021-04-25T17:34:53.397" v="63" actId="1076"/>
+          <ac:spMkLst>
+            <pc:docMk/>
+            <pc:sldMk cId="2790014949" sldId="259"/>
+            <ac:spMk id="4" creationId="{5ADD5C49-0876-4443-B558-8AB30D533FE5}"/>
+          </ac:spMkLst>
+        </pc:spChg>
+        <pc:spChg chg="mod">
+          <ac:chgData name="Глухов Илья" userId="db2753d62472b303" providerId="Windows Live" clId="Web-{477B2A9D-B05C-4E84-9898-C50CE1F69AFB}" dt="2021-04-25T17:35:27.351" v="75" actId="20577"/>
+          <ac:spMkLst>
+            <pc:docMk/>
+            <pc:sldMk cId="2790014949" sldId="259"/>
+            <ac:spMk id="7" creationId="{6655B976-AF0A-40C9-8B14-1ED98974C4A3}"/>
+          </ac:spMkLst>
+        </pc:spChg>
+        <pc:spChg chg="del mod">
+          <ac:chgData name="Глухов Илья" userId="db2753d62472b303" providerId="Windows Live" clId="Web-{477B2A9D-B05C-4E84-9898-C50CE1F69AFB}" dt="2021-04-25T17:34:18.381" v="45"/>
+          <ac:spMkLst>
+            <pc:docMk/>
+            <pc:sldMk cId="2790014949" sldId="259"/>
+            <ac:spMk id="8" creationId="{0880D299-06B1-4376-96AD-457F8F6FC7CF}"/>
+          </ac:spMkLst>
+        </pc:spChg>
+      </pc:sldChg>
+      <pc:sldChg chg="modSp mod modClrScheme chgLayout">
+        <pc:chgData name="Глухов Илья" userId="db2753d62472b303" providerId="Windows Live" clId="Web-{477B2A9D-B05C-4E84-9898-C50CE1F69AFB}" dt="2021-04-25T17:35:55.304" v="98" actId="20577"/>
+        <pc:sldMkLst>
+          <pc:docMk/>
+          <pc:sldMk cId="2641781494" sldId="267"/>
+        </pc:sldMkLst>
+        <pc:spChg chg="mod">
+          <ac:chgData name="Глухов Илья" userId="db2753d62472b303" providerId="Windows Live" clId="Web-{477B2A9D-B05C-4E84-9898-C50CE1F69AFB}" dt="2021-04-25T17:35:55.304" v="98" actId="20577"/>
+          <ac:spMkLst>
+            <pc:docMk/>
+            <pc:sldMk cId="2641781494" sldId="267"/>
+            <ac:spMk id="6" creationId="{D416CB91-1D0F-4576-88DC-FA4EA7A749F2}"/>
+          </ac:spMkLst>
+        </pc:spChg>
+      </pc:sldChg>
+      <pc:sldChg chg="addSp delSp modSp new">
+        <pc:chgData name="Глухов Илья" userId="db2753d62472b303" providerId="Windows Live" clId="Web-{477B2A9D-B05C-4E84-9898-C50CE1F69AFB}" dt="2021-04-25T17:45:18.610" v="288" actId="1076"/>
+        <pc:sldMkLst>
+          <pc:docMk/>
+          <pc:sldMk cId="959716734" sldId="268"/>
+        </pc:sldMkLst>
+        <pc:spChg chg="mod">
+          <ac:chgData name="Глухов Илья" userId="db2753d62472b303" providerId="Windows Live" clId="Web-{477B2A9D-B05C-4E84-9898-C50CE1F69AFB}" dt="2021-04-25T17:45:18.610" v="288" actId="1076"/>
+          <ac:spMkLst>
+            <pc:docMk/>
+            <pc:sldMk cId="959716734" sldId="268"/>
+            <ac:spMk id="2" creationId="{A4B93CEF-4C3B-46DA-ADA2-2D9BB5B15EDC}"/>
+          </ac:spMkLst>
+        </pc:spChg>
+        <pc:spChg chg="del">
+          <ac:chgData name="Глухов Илья" userId="db2753d62472b303" providerId="Windows Live" clId="Web-{477B2A9D-B05C-4E84-9898-C50CE1F69AFB}" dt="2021-04-25T17:42:33.451" v="222"/>
+          <ac:spMkLst>
+            <pc:docMk/>
+            <pc:sldMk cId="959716734" sldId="268"/>
+            <ac:spMk id="3" creationId="{594C7D2C-0800-48D0-A630-0F9F43D9DA80}"/>
+          </ac:spMkLst>
+        </pc:spChg>
+        <pc:spChg chg="add mod">
+          <ac:chgData name="Глухов Илья" userId="db2753d62472b303" providerId="Windows Live" clId="Web-{477B2A9D-B05C-4E84-9898-C50CE1F69AFB}" dt="2021-04-25T17:45:15.547" v="287" actId="1076"/>
+          <ac:spMkLst>
+            <pc:docMk/>
+            <pc:sldMk cId="959716734" sldId="268"/>
+            <ac:spMk id="6" creationId="{1FA779B4-21C8-4ACA-8ECF-F4FBE74832AA}"/>
+          </ac:spMkLst>
+        </pc:spChg>
+        <pc:picChg chg="add mod ord modCrop">
+          <ac:chgData name="Глухов Илья" userId="db2753d62472b303" providerId="Windows Live" clId="Web-{477B2A9D-B05C-4E84-9898-C50CE1F69AFB}" dt="2021-04-25T17:44:30.187" v="246" actId="1076"/>
+          <ac:picMkLst>
+            <pc:docMk/>
+            <pc:sldMk cId="959716734" sldId="268"/>
+            <ac:picMk id="4" creationId="{A67D9F5B-260B-4D43-A3BA-83144E24492F}"/>
+          </ac:picMkLst>
+        </pc:picChg>
+        <pc:picChg chg="add mod modCrop">
+          <ac:chgData name="Глухов Илья" userId="db2753d62472b303" providerId="Windows Live" clId="Web-{477B2A9D-B05C-4E84-9898-C50CE1F69AFB}" dt="2021-04-25T17:44:03.937" v="239" actId="1076"/>
+          <ac:picMkLst>
+            <pc:docMk/>
+            <pc:sldMk cId="959716734" sldId="268"/>
+            <ac:picMk id="5" creationId="{C55AD753-5ACF-49D9-BB33-9AF3C57DD2F3}"/>
+          </ac:picMkLst>
+        </pc:picChg>
+      </pc:sldChg>
+      <pc:sldMasterChg chg="del delSldLayout">
+        <pc:chgData name="Глухов Илья" userId="db2753d62472b303" providerId="Windows Live" clId="Web-{477B2A9D-B05C-4E84-9898-C50CE1F69AFB}" dt="2021-04-25T17:33:25.192" v="0"/>
+        <pc:sldMasterMkLst>
+          <pc:docMk/>
+          <pc:sldMasterMk cId="2952368899" sldId="2147483648"/>
+        </pc:sldMasterMkLst>
+        <pc:sldLayoutChg chg="del">
+          <pc:chgData name="Глухов Илья" userId="db2753d62472b303" providerId="Windows Live" clId="Web-{477B2A9D-B05C-4E84-9898-C50CE1F69AFB}" dt="2021-04-25T17:33:25.192" v="0"/>
+          <pc:sldLayoutMkLst>
+            <pc:docMk/>
+            <pc:sldMasterMk cId="2952368899" sldId="2147483648"/>
+            <pc:sldLayoutMk cId="1957788877" sldId="2147483649"/>
+          </pc:sldLayoutMkLst>
+        </pc:sldLayoutChg>
+        <pc:sldLayoutChg chg="del">
+          <pc:chgData name="Глухов Илья" userId="db2753d62472b303" providerId="Windows Live" clId="Web-{477B2A9D-B05C-4E84-9898-C50CE1F69AFB}" dt="2021-04-25T17:33:25.192" v="0"/>
+          <pc:sldLayoutMkLst>
+            <pc:docMk/>
+            <pc:sldMasterMk cId="2952368899" sldId="2147483648"/>
+            <pc:sldLayoutMk cId="3245013928" sldId="2147483650"/>
+          </pc:sldLayoutMkLst>
+        </pc:sldLayoutChg>
+        <pc:sldLayoutChg chg="del">
+          <pc:chgData name="Глухов Илья" userId="db2753d62472b303" providerId="Windows Live" clId="Web-{477B2A9D-B05C-4E84-9898-C50CE1F69AFB}" dt="2021-04-25T17:33:25.192" v="0"/>
+          <pc:sldLayoutMkLst>
+            <pc:docMk/>
+            <pc:sldMasterMk cId="2952368899" sldId="2147483648"/>
+            <pc:sldLayoutMk cId="2354028036" sldId="2147483651"/>
+          </pc:sldLayoutMkLst>
+        </pc:sldLayoutChg>
+        <pc:sldLayoutChg chg="del">
+          <pc:chgData name="Глухов Илья" userId="db2753d62472b303" providerId="Windows Live" clId="Web-{477B2A9D-B05C-4E84-9898-C50CE1F69AFB}" dt="2021-04-25T17:33:25.192" v="0"/>
+          <pc:sldLayoutMkLst>
+            <pc:docMk/>
+            <pc:sldMasterMk cId="2952368899" sldId="2147483648"/>
+            <pc:sldLayoutMk cId="1303257838" sldId="2147483652"/>
+          </pc:sldLayoutMkLst>
+        </pc:sldLayoutChg>
+        <pc:sldLayoutChg chg="del">
+          <pc:chgData name="Глухов Илья" userId="db2753d62472b303" providerId="Windows Live" clId="Web-{477B2A9D-B05C-4E84-9898-C50CE1F69AFB}" dt="2021-04-25T17:33:25.192" v="0"/>
+          <pc:sldLayoutMkLst>
+            <pc:docMk/>
+            <pc:sldMasterMk cId="2952368899" sldId="2147483648"/>
+            <pc:sldLayoutMk cId="1096700611" sldId="2147483653"/>
+          </pc:sldLayoutMkLst>
+        </pc:sldLayoutChg>
+        <pc:sldLayoutChg chg="del">
+          <pc:chgData name="Глухов Илья" userId="db2753d62472b303" providerId="Windows Live" clId="Web-{477B2A9D-B05C-4E84-9898-C50CE1F69AFB}" dt="2021-04-25T17:33:25.192" v="0"/>
+          <pc:sldLayoutMkLst>
+            <pc:docMk/>
+            <pc:sldMasterMk cId="2952368899" sldId="2147483648"/>
+            <pc:sldLayoutMk cId="3610177621" sldId="2147483654"/>
+          </pc:sldLayoutMkLst>
+        </pc:sldLayoutChg>
+        <pc:sldLayoutChg chg="del">
+          <pc:chgData name="Глухов Илья" userId="db2753d62472b303" providerId="Windows Live" clId="Web-{477B2A9D-B05C-4E84-9898-C50CE1F69AFB}" dt="2021-04-25T17:33:25.192" v="0"/>
+          <pc:sldLayoutMkLst>
+            <pc:docMk/>
+            <pc:sldMasterMk cId="2952368899" sldId="2147483648"/>
+            <pc:sldLayoutMk cId="1633449245" sldId="2147483655"/>
+          </pc:sldLayoutMkLst>
+        </pc:sldLayoutChg>
+        <pc:sldLayoutChg chg="del">
+          <pc:chgData name="Глухов Илья" userId="db2753d62472b303" providerId="Windows Live" clId="Web-{477B2A9D-B05C-4E84-9898-C50CE1F69AFB}" dt="2021-04-25T17:33:25.192" v="0"/>
+          <pc:sldLayoutMkLst>
+            <pc:docMk/>
+            <pc:sldMasterMk cId="2952368899" sldId="2147483648"/>
+            <pc:sldLayoutMk cId="3944807260" sldId="2147483656"/>
+          </pc:sldLayoutMkLst>
+        </pc:sldLayoutChg>
+        <pc:sldLayoutChg chg="del">
+          <pc:chgData name="Глухов Илья" userId="db2753d62472b303" providerId="Windows Live" clId="Web-{477B2A9D-B05C-4E84-9898-C50CE1F69AFB}" dt="2021-04-25T17:33:25.192" v="0"/>
+          <pc:sldLayoutMkLst>
+            <pc:docMk/>
+            <pc:sldMasterMk cId="2952368899" sldId="2147483648"/>
+            <pc:sldLayoutMk cId="3711764913" sldId="2147483657"/>
+          </pc:sldLayoutMkLst>
+        </pc:sldLayoutChg>
+        <pc:sldLayoutChg chg="del">
+          <pc:chgData name="Глухов Илья" userId="db2753d62472b303" providerId="Windows Live" clId="Web-{477B2A9D-B05C-4E84-9898-C50CE1F69AFB}" dt="2021-04-25T17:33:25.192" v="0"/>
+          <pc:sldLayoutMkLst>
+            <pc:docMk/>
+            <pc:sldMasterMk cId="2952368899" sldId="2147483648"/>
+            <pc:sldLayoutMk cId="2244812502" sldId="2147483658"/>
+          </pc:sldLayoutMkLst>
+        </pc:sldLayoutChg>
+        <pc:sldLayoutChg chg="del">
+          <pc:chgData name="Глухов Илья" userId="db2753d62472b303" providerId="Windows Live" clId="Web-{477B2A9D-B05C-4E84-9898-C50CE1F69AFB}" dt="2021-04-25T17:33:25.192" v="0"/>
+          <pc:sldLayoutMkLst>
+            <pc:docMk/>
+            <pc:sldMasterMk cId="2952368899" sldId="2147483648"/>
+            <pc:sldLayoutMk cId="87273958" sldId="2147483659"/>
+          </pc:sldLayoutMkLst>
+        </pc:sldLayoutChg>
+      </pc:sldMasterChg>
+      <pc:sldMasterChg chg="add addSldLayout modSldLayout">
+        <pc:chgData name="Глухов Илья" userId="db2753d62472b303" providerId="Windows Live" clId="Web-{477B2A9D-B05C-4E84-9898-C50CE1F69AFB}" dt="2021-04-25T17:33:25.192" v="0"/>
+        <pc:sldMasterMkLst>
+          <pc:docMk/>
+          <pc:sldMasterMk cId="3164224613" sldId="2147483660"/>
+        </pc:sldMasterMkLst>
+        <pc:sldLayoutChg chg="add mod replId">
+          <pc:chgData name="Глухов Илья" userId="db2753d62472b303" providerId="Windows Live" clId="Web-{477B2A9D-B05C-4E84-9898-C50CE1F69AFB}" dt="2021-04-25T17:33:25.192" v="0"/>
+          <pc:sldLayoutMkLst>
+            <pc:docMk/>
+            <pc:sldMasterMk cId="3164224613" sldId="2147483660"/>
+            <pc:sldLayoutMk cId="3179520809" sldId="2147483661"/>
+          </pc:sldLayoutMkLst>
+        </pc:sldLayoutChg>
+        <pc:sldLayoutChg chg="add mod replId">
+          <pc:chgData name="Глухов Илья" userId="db2753d62472b303" providerId="Windows Live" clId="Web-{477B2A9D-B05C-4E84-9898-C50CE1F69AFB}" dt="2021-04-25T17:33:25.192" v="0"/>
+          <pc:sldLayoutMkLst>
+            <pc:docMk/>
+            <pc:sldMasterMk cId="3164224613" sldId="2147483660"/>
+            <pc:sldLayoutMk cId="1729622328" sldId="2147483662"/>
+          </pc:sldLayoutMkLst>
+        </pc:sldLayoutChg>
+        <pc:sldLayoutChg chg="add mod replId">
+          <pc:chgData name="Глухов Илья" userId="db2753d62472b303" providerId="Windows Live" clId="Web-{477B2A9D-B05C-4E84-9898-C50CE1F69AFB}" dt="2021-04-25T17:33:25.192" v="0"/>
+          <pc:sldLayoutMkLst>
+            <pc:docMk/>
+            <pc:sldMasterMk cId="3164224613" sldId="2147483660"/>
+            <pc:sldLayoutMk cId="2759396345" sldId="2147483663"/>
+          </pc:sldLayoutMkLst>
+        </pc:sldLayoutChg>
+        <pc:sldLayoutChg chg="add mod replId">
+          <pc:chgData name="Глухов Илья" userId="db2753d62472b303" providerId="Windows Live" clId="Web-{477B2A9D-B05C-4E84-9898-C50CE1F69AFB}" dt="2021-04-25T17:33:25.192" v="0"/>
+          <pc:sldLayoutMkLst>
+            <pc:docMk/>
+            <pc:sldMasterMk cId="3164224613" sldId="2147483660"/>
+            <pc:sldLayoutMk cId="2131086302" sldId="2147483664"/>
+          </pc:sldLayoutMkLst>
+        </pc:sldLayoutChg>
+        <pc:sldLayoutChg chg="add mod replId">
+          <pc:chgData name="Глухов Илья" userId="db2753d62472b303" providerId="Windows Live" clId="Web-{477B2A9D-B05C-4E84-9898-C50CE1F69AFB}" dt="2021-04-25T17:33:25.192" v="0"/>
+          <pc:sldLayoutMkLst>
+            <pc:docMk/>
+            <pc:sldMasterMk cId="3164224613" sldId="2147483660"/>
+            <pc:sldLayoutMk cId="3822759131" sldId="2147483665"/>
+          </pc:sldLayoutMkLst>
+        </pc:sldLayoutChg>
+        <pc:sldLayoutChg chg="add mod replId">
+          <pc:chgData name="Глухов Илья" userId="db2753d62472b303" providerId="Windows Live" clId="Web-{477B2A9D-B05C-4E84-9898-C50CE1F69AFB}" dt="2021-04-25T17:33:25.192" v="0"/>
+          <pc:sldLayoutMkLst>
+            <pc:docMk/>
+            <pc:sldMasterMk cId="3164224613" sldId="2147483660"/>
+            <pc:sldLayoutMk cId="1002139143" sldId="2147483666"/>
+          </pc:sldLayoutMkLst>
+        </pc:sldLayoutChg>
+        <pc:sldLayoutChg chg="add mod replId">
+          <pc:chgData name="Глухов Илья" userId="db2753d62472b303" providerId="Windows Live" clId="Web-{477B2A9D-B05C-4E84-9898-C50CE1F69AFB}" dt="2021-04-25T17:33:25.192" v="0"/>
+          <pc:sldLayoutMkLst>
+            <pc:docMk/>
+            <pc:sldMasterMk cId="3164224613" sldId="2147483660"/>
+            <pc:sldLayoutMk cId="1313269760" sldId="2147483667"/>
+          </pc:sldLayoutMkLst>
+        </pc:sldLayoutChg>
+        <pc:sldLayoutChg chg="add mod replId">
+          <pc:chgData name="Глухов Илья" userId="db2753d62472b303" providerId="Windows Live" clId="Web-{477B2A9D-B05C-4E84-9898-C50CE1F69AFB}" dt="2021-04-25T17:33:25.192" v="0"/>
+          <pc:sldLayoutMkLst>
+            <pc:docMk/>
+            <pc:sldMasterMk cId="3164224613" sldId="2147483660"/>
+            <pc:sldLayoutMk cId="1370155405" sldId="2147483668"/>
+          </pc:sldLayoutMkLst>
+        </pc:sldLayoutChg>
+        <pc:sldLayoutChg chg="add mod replId">
+          <pc:chgData name="Глухов Илья" userId="db2753d62472b303" providerId="Windows Live" clId="Web-{477B2A9D-B05C-4E84-9898-C50CE1F69AFB}" dt="2021-04-25T17:33:25.192" v="0"/>
+          <pc:sldLayoutMkLst>
+            <pc:docMk/>
+            <pc:sldMasterMk cId="3164224613" sldId="2147483660"/>
+            <pc:sldLayoutMk cId="4010443610" sldId="2147483669"/>
+          </pc:sldLayoutMkLst>
+        </pc:sldLayoutChg>
+        <pc:sldLayoutChg chg="add mod replId">
+          <pc:chgData name="Глухов Илья" userId="db2753d62472b303" providerId="Windows Live" clId="Web-{477B2A9D-B05C-4E84-9898-C50CE1F69AFB}" dt="2021-04-25T17:33:25.192" v="0"/>
+          <pc:sldLayoutMkLst>
+            <pc:docMk/>
+            <pc:sldMasterMk cId="3164224613" sldId="2147483660"/>
+            <pc:sldLayoutMk cId="2894247642" sldId="2147483670"/>
+          </pc:sldLayoutMkLst>
+        </pc:sldLayoutChg>
+        <pc:sldLayoutChg chg="add mod replId">
+          <pc:chgData name="Глухов Илья" userId="db2753d62472b303" providerId="Windows Live" clId="Web-{477B2A9D-B05C-4E84-9898-C50CE1F69AFB}" dt="2021-04-25T17:33:25.192" v="0"/>
+          <pc:sldLayoutMkLst>
+            <pc:docMk/>
+            <pc:sldMasterMk cId="3164224613" sldId="2147483660"/>
+            <pc:sldLayoutMk cId="1429107502" sldId="2147483671"/>
+          </pc:sldLayoutMkLst>
+        </pc:sldLayoutChg>
+      </pc:sldMasterChg>
+    </pc:docChg>
+  </pc:docChgLst>
   <pc:docChgLst>
     <pc:chgData name="Глухов Илья" userId="db2753d62472b303" providerId="Windows Live" clId="Web-{FD1E9BFE-6EC3-49F1-BFC3-65EBCADB1EB8}"/>
     <pc:docChg chg="delSld modSld">
@@ -265,8 +628,18 @@
 </file>
 
 <file path=ppt/slideLayouts/slideLayout1.xml><?xml version="1.0" encoding="utf-8"?>
-<p:sldLayout xmlns:a="http://schemas.openxmlformats.org/drawingml/2006/main" xmlns:r="http://schemas.openxmlformats.org/officeDocument/2006/relationships" xmlns:p="http://schemas.openxmlformats.org/presentationml/2006/main" type="title" preserve="1">
-  <p:cSld name="Титульный слайд">
+<p:sldLayout xmlns:a="http://schemas.openxmlformats.org/drawingml/2006/main" xmlns:r="http://schemas.openxmlformats.org/officeDocument/2006/relationships" xmlns:p="http://schemas.openxmlformats.org/presentationml/2006/main" showMasterSp="0" type="title" preserve="1">
+  <p:cSld name="Title Slide">
+    <p:bg>
+      <p:bgPr>
+        <a:solidFill>
+          <a:schemeClr val="bg2">
+            <a:lumMod val="75000"/>
+          </a:schemeClr>
+        </a:solidFill>
+        <a:effectLst/>
+      </p:bgPr>
+    </p:bg>
     <p:spTree>
       <p:nvGrpSpPr>
         <p:cNvPr id="1" name=""/>
@@ -283,13 +656,7 @@
       </p:grpSpPr>
       <p:sp>
         <p:nvSpPr>
-          <p:cNvPr id="2" name="Заголовок 1">
-            <a:extLst>
-              <a:ext uri="{FF2B5EF4-FFF2-40B4-BE49-F238E27FC236}">
-                <a16:creationId xmlns:a16="http://schemas.microsoft.com/office/drawing/2014/main" id="{FF839595-93C1-405A-BE9D-A51D27D81165}"/>
-              </a:ext>
-            </a:extLst>
-          </p:cNvPr>
+          <p:cNvPr id="2" name="Title 1"/>
           <p:cNvSpPr>
             <a:spLocks noGrp="1"/>
           </p:cNvSpPr>
@@ -299,34 +666,37 @@
         </p:nvSpPr>
         <p:spPr>
           <a:xfrm>
-            <a:off x="1524000" y="1122363"/>
-            <a:ext cx="9144000" cy="2387600"/>
+            <a:off x="1261872" y="758952"/>
+            <a:ext cx="9418320" cy="4041648"/>
           </a:xfrm>
         </p:spPr>
         <p:txBody>
-          <a:bodyPr anchor="b"/>
+          <a:bodyPr anchor="b">
+            <a:normAutofit/>
+          </a:bodyPr>
           <a:lstStyle>
-            <a:lvl1pPr algn="ctr">
-              <a:defRPr sz="6000"/>
+            <a:lvl1pPr algn="l">
+              <a:lnSpc>
+                <a:spcPct val="85000"/>
+              </a:lnSpc>
+              <a:defRPr sz="7200" baseline="0">
+                <a:solidFill>
+                  <a:schemeClr val="tx1"/>
+                </a:solidFill>
+              </a:defRPr>
             </a:lvl1pPr>
           </a:lstStyle>
           <a:p>
             <a:r>
-              <a:rPr lang="ru-RU"/>
-              <a:t>Образец заголовка</a:t>
-            </a:r>
-          </a:p>
-        </p:txBody>
-      </p:sp>
-      <p:sp>
-        <p:nvSpPr>
-          <p:cNvPr id="3" name="Подзаголовок 2">
-            <a:extLst>
-              <a:ext uri="{FF2B5EF4-FFF2-40B4-BE49-F238E27FC236}">
-                <a16:creationId xmlns:a16="http://schemas.microsoft.com/office/drawing/2014/main" id="{FEE2CCE2-8549-4424-9E3B-8BCADA9CB60C}"/>
-              </a:ext>
-            </a:extLst>
-          </p:cNvPr>
+              <a:rPr lang="en-US" dirty="0"/>
+              <a:t>Click to edit Master title style</a:t>
+            </a:r>
+          </a:p>
+        </p:txBody>
+      </p:sp>
+      <p:sp>
+        <p:nvSpPr>
+          <p:cNvPr id="3" name="Subtitle 2"/>
           <p:cNvSpPr>
             <a:spLocks noGrp="1"/>
           </p:cNvSpPr>
@@ -336,157 +706,216 @@
         </p:nvSpPr>
         <p:spPr>
           <a:xfrm>
-            <a:off x="1524000" y="3602038"/>
-            <a:ext cx="9144000" cy="1655762"/>
+            <a:off x="1261872" y="4800600"/>
+            <a:ext cx="9418320" cy="1691640"/>
           </a:xfrm>
         </p:spPr>
         <p:txBody>
+          <a:bodyPr>
+            <a:normAutofit/>
+          </a:bodyPr>
+          <a:lstStyle>
+            <a:lvl1pPr marL="0" indent="0" algn="l">
+              <a:buNone/>
+              <a:defRPr sz="2200" baseline="0">
+                <a:solidFill>
+                  <a:schemeClr val="tx1">
+                    <a:lumMod val="75000"/>
+                  </a:schemeClr>
+                </a:solidFill>
+              </a:defRPr>
+            </a:lvl1pPr>
+            <a:lvl2pPr marL="457200" indent="0" algn="ctr">
+              <a:buNone/>
+              <a:defRPr sz="2200"/>
+            </a:lvl2pPr>
+            <a:lvl3pPr marL="914400" indent="0" algn="ctr">
+              <a:buNone/>
+              <a:defRPr sz="2200"/>
+            </a:lvl3pPr>
+            <a:lvl4pPr marL="1371600" indent="0" algn="ctr">
+              <a:buNone/>
+              <a:defRPr sz="2000"/>
+            </a:lvl4pPr>
+            <a:lvl5pPr marL="1828800" indent="0" algn="ctr">
+              <a:buNone/>
+              <a:defRPr sz="2000"/>
+            </a:lvl5pPr>
+            <a:lvl6pPr marL="2286000" indent="0" algn="ctr">
+              <a:buNone/>
+              <a:defRPr sz="2000"/>
+            </a:lvl6pPr>
+            <a:lvl7pPr marL="2743200" indent="0" algn="ctr">
+              <a:buNone/>
+              <a:defRPr sz="2000"/>
+            </a:lvl7pPr>
+            <a:lvl8pPr marL="3200400" indent="0" algn="ctr">
+              <a:buNone/>
+              <a:defRPr sz="2000"/>
+            </a:lvl8pPr>
+            <a:lvl9pPr marL="3657600" indent="0" algn="ctr">
+              <a:buNone/>
+              <a:defRPr sz="2000"/>
+            </a:lvl9pPr>
+          </a:lstStyle>
+          <a:p>
+            <a:r>
+              <a:rPr lang="en-US" dirty="0"/>
+              <a:t>Click to edit Master subtitle style</a:t>
+            </a:r>
+          </a:p>
+        </p:txBody>
+      </p:sp>
+      <p:sp>
+        <p:nvSpPr>
+          <p:cNvPr id="4" name="Date Placeholder 3"/>
+          <p:cNvSpPr>
+            <a:spLocks noGrp="1"/>
+          </p:cNvSpPr>
+          <p:nvPr>
+            <p:ph type="dt" sz="half" idx="10"/>
+          </p:nvPr>
+        </p:nvSpPr>
+        <p:spPr/>
+        <p:txBody>
           <a:bodyPr/>
           <a:lstStyle>
-            <a:lvl1pPr marL="0" indent="0" algn="ctr">
-              <a:buNone/>
-              <a:defRPr sz="2400"/>
+            <a:lvl1pPr>
+              <a:defRPr>
+                <a:solidFill>
+                  <a:schemeClr val="tx1">
+                    <a:lumMod val="50000"/>
+                  </a:schemeClr>
+                </a:solidFill>
+              </a:defRPr>
             </a:lvl1pPr>
-            <a:lvl2pPr marL="457200" indent="0" algn="ctr">
-              <a:buNone/>
-              <a:defRPr sz="2000"/>
-            </a:lvl2pPr>
-            <a:lvl3pPr marL="914400" indent="0" algn="ctr">
-              <a:buNone/>
-              <a:defRPr sz="1800"/>
-            </a:lvl3pPr>
-            <a:lvl4pPr marL="1371600" indent="0" algn="ctr">
-              <a:buNone/>
-              <a:defRPr sz="1600"/>
-            </a:lvl4pPr>
-            <a:lvl5pPr marL="1828800" indent="0" algn="ctr">
-              <a:buNone/>
-              <a:defRPr sz="1600"/>
-            </a:lvl5pPr>
-            <a:lvl6pPr marL="2286000" indent="0" algn="ctr">
-              <a:buNone/>
-              <a:defRPr sz="1600"/>
-            </a:lvl6pPr>
-            <a:lvl7pPr marL="2743200" indent="0" algn="ctr">
-              <a:buNone/>
-              <a:defRPr sz="1600"/>
-            </a:lvl7pPr>
-            <a:lvl8pPr marL="3200400" indent="0" algn="ctr">
-              <a:buNone/>
-              <a:defRPr sz="1600"/>
-            </a:lvl8pPr>
-            <a:lvl9pPr marL="3657600" indent="0" algn="ctr">
-              <a:buNone/>
-              <a:defRPr sz="1600"/>
-            </a:lvl9pPr>
           </a:lstStyle>
           <a:p>
-            <a:r>
-              <a:rPr lang="ru-RU"/>
-              <a:t>Образец подзаголовка</a:t>
-            </a:r>
-          </a:p>
-        </p:txBody>
-      </p:sp>
-      <p:sp>
-        <p:nvSpPr>
-          <p:cNvPr id="4" name="Дата 3">
-            <a:extLst>
-              <a:ext uri="{FF2B5EF4-FFF2-40B4-BE49-F238E27FC236}">
-                <a16:creationId xmlns:a16="http://schemas.microsoft.com/office/drawing/2014/main" id="{C9C92DA5-D76A-497A-8171-220B6672FE1E}"/>
-              </a:ext>
-            </a:extLst>
-          </p:cNvPr>
-          <p:cNvSpPr>
-            <a:spLocks noGrp="1"/>
-          </p:cNvSpPr>
-          <p:nvPr>
-            <p:ph type="dt" sz="half" idx="10"/>
+            <a:fld id="{9E016143-E03C-4CFD-AFDC-14E5BDEA754C}" type="datetimeFigureOut">
+              <a:rPr lang="en-US" dirty="0"/>
+              <a:t>4/25/2021</a:t>
+            </a:fld>
+            <a:endParaRPr lang="en-US" dirty="0"/>
+          </a:p>
+        </p:txBody>
+      </p:sp>
+      <p:sp>
+        <p:nvSpPr>
+          <p:cNvPr id="5" name="Footer Placeholder 4"/>
+          <p:cNvSpPr>
+            <a:spLocks noGrp="1"/>
+          </p:cNvSpPr>
+          <p:nvPr>
+            <p:ph type="ftr" sz="quarter" idx="11"/>
           </p:nvPr>
         </p:nvSpPr>
         <p:spPr/>
         <p:txBody>
           <a:bodyPr/>
-          <a:lstStyle/>
-          <a:p>
-            <a:fld id="{85ECA5FE-EB48-470D-90C5-C3424B4B4AAE}" type="datetimeFigureOut">
-              <a:rPr lang="ru-RU" smtClean="0"/>
-              <a:t>25.04.2021</a:t>
-            </a:fld>
-            <a:endParaRPr lang="ru-RU"/>
-          </a:p>
-        </p:txBody>
-      </p:sp>
-      <p:sp>
-        <p:nvSpPr>
-          <p:cNvPr id="5" name="Нижний колонтитул 4">
-            <a:extLst>
-              <a:ext uri="{FF2B5EF4-FFF2-40B4-BE49-F238E27FC236}">
-                <a16:creationId xmlns:a16="http://schemas.microsoft.com/office/drawing/2014/main" id="{D2AFC234-9E3B-4ECD-A83A-4A1BEADE1F5C}"/>
-              </a:ext>
-            </a:extLst>
-          </p:cNvPr>
-          <p:cNvSpPr>
-            <a:spLocks noGrp="1"/>
-          </p:cNvSpPr>
-          <p:nvPr>
-            <p:ph type="ftr" sz="quarter" idx="11"/>
+          <a:lstStyle>
+            <a:lvl1pPr>
+              <a:defRPr>
+                <a:solidFill>
+                  <a:schemeClr val="tx1">
+                    <a:lumMod val="65000"/>
+                  </a:schemeClr>
+                </a:solidFill>
+              </a:defRPr>
+            </a:lvl1pPr>
+          </a:lstStyle>
+          <a:p>
+            <a:endParaRPr lang="en-US" dirty="0"/>
+          </a:p>
+        </p:txBody>
+      </p:sp>
+      <p:sp>
+        <p:nvSpPr>
+          <p:cNvPr id="6" name="Slide Number Placeholder 5"/>
+          <p:cNvSpPr>
+            <a:spLocks noGrp="1"/>
+          </p:cNvSpPr>
+          <p:nvPr>
+            <p:ph type="sldNum" sz="quarter" idx="12"/>
           </p:nvPr>
         </p:nvSpPr>
         <p:spPr/>
         <p:txBody>
           <a:bodyPr/>
-          <a:lstStyle/>
-          <a:p>
-            <a:endParaRPr lang="ru-RU"/>
-          </a:p>
-        </p:txBody>
-      </p:sp>
-      <p:sp>
-        <p:nvSpPr>
-          <p:cNvPr id="6" name="Номер слайда 5">
-            <a:extLst>
-              <a:ext uri="{FF2B5EF4-FFF2-40B4-BE49-F238E27FC236}">
-                <a16:creationId xmlns:a16="http://schemas.microsoft.com/office/drawing/2014/main" id="{F3FD22A6-EB76-4235-96B2-147FC8652E5B}"/>
-              </a:ext>
-            </a:extLst>
-          </p:cNvPr>
-          <p:cNvSpPr>
-            <a:spLocks noGrp="1"/>
-          </p:cNvSpPr>
-          <p:nvPr>
-            <p:ph type="sldNum" sz="quarter" idx="12"/>
-          </p:nvPr>
-        </p:nvSpPr>
-        <p:spPr/>
-        <p:txBody>
-          <a:bodyPr/>
-          <a:lstStyle/>
-          <a:p>
-            <a:fld id="{D205BE4E-8067-4C51-9B5C-5512A86040A1}" type="slidenum">
-              <a:rPr lang="ru-RU" smtClean="0"/>
+          <a:lstStyle>
+            <a:lvl1pPr>
+              <a:defRPr>
+                <a:solidFill>
+                  <a:schemeClr val="tx1">
+                    <a:lumMod val="65000"/>
+                  </a:schemeClr>
+                </a:solidFill>
+              </a:defRPr>
+            </a:lvl1pPr>
+          </a:lstStyle>
+          <a:p>
+            <a:fld id="{4FAB73BC-B049-4115-A692-8D63A059BFB8}" type="slidenum">
+              <a:rPr lang="en-US" dirty="0"/>
+              <a:pPr/>
               <a:t>‹#›</a:t>
             </a:fld>
-            <a:endParaRPr lang="ru-RU"/>
-          </a:p>
-        </p:txBody>
+            <a:endParaRPr lang="en-US" dirty="0"/>
+          </a:p>
+        </p:txBody>
+      </p:sp>
+      <p:sp>
+        <p:nvSpPr>
+          <p:cNvPr id="7" name="Rectangle 6"/>
+          <p:cNvSpPr/>
+          <p:nvPr/>
+        </p:nvSpPr>
+        <p:spPr>
+          <a:xfrm>
+            <a:off x="0" y="0"/>
+            <a:ext cx="457200" cy="6858000"/>
+          </a:xfrm>
+          <a:prstGeom prst="rect">
+            <a:avLst/>
+          </a:prstGeom>
+          <a:solidFill>
+            <a:schemeClr val="accent1"/>
+          </a:solidFill>
+          <a:ln>
+            <a:noFill/>
+          </a:ln>
+        </p:spPr>
+        <p:style>
+          <a:lnRef idx="2">
+            <a:schemeClr val="accent1">
+              <a:shade val="50000"/>
+            </a:schemeClr>
+          </a:lnRef>
+          <a:fillRef idx="1">
+            <a:schemeClr val="accent1"/>
+          </a:fillRef>
+          <a:effectRef idx="0">
+            <a:schemeClr val="accent1"/>
+          </a:effectRef>
+          <a:fontRef idx="minor">
+            <a:schemeClr val="lt1"/>
+          </a:fontRef>
+        </p:style>
       </p:sp>
     </p:spTree>
     <p:extLst>
       <p:ext uri="{BB962C8B-B14F-4D97-AF65-F5344CB8AC3E}">
-        <p14:creationId xmlns:p14="http://schemas.microsoft.com/office/powerpoint/2010/main" val="1957788877"/>
+        <p14:creationId xmlns:p14="http://schemas.microsoft.com/office/powerpoint/2010/main" val="3179520809"/>
       </p:ext>
     </p:extLst>
   </p:cSld>
   <p:clrMapOvr>
-    <a:masterClrMapping/>
+    <a:overrideClrMapping bg1="dk1" tx1="lt1" bg2="dk2" tx2="lt2" accent1="accent1" accent2="accent2" accent3="accent3" accent4="accent4" accent5="accent5" accent6="accent6" hlink="hlink" folHlink="folHlink"/>
   </p:clrMapOvr>
 </p:sldLayout>
 </file>
 
 <file path=ppt/slideLayouts/slideLayout10.xml><?xml version="1.0" encoding="utf-8"?>
 <p:sldLayout xmlns:a="http://schemas.openxmlformats.org/drawingml/2006/main" xmlns:r="http://schemas.openxmlformats.org/officeDocument/2006/relationships" xmlns:p="http://schemas.openxmlformats.org/presentationml/2006/main" type="vertTx" preserve="1">
-  <p:cSld name="Заголовок и вертикальный текст">
+  <p:cSld name="Title and Vertical Text">
     <p:spTree>
       <p:nvGrpSpPr>
         <p:cNvPr id="1" name=""/>
@@ -503,13 +932,7 @@
       </p:grpSpPr>
       <p:sp>
         <p:nvSpPr>
-          <p:cNvPr id="2" name="Заголовок 1">
-            <a:extLst>
-              <a:ext uri="{FF2B5EF4-FFF2-40B4-BE49-F238E27FC236}">
-                <a16:creationId xmlns:a16="http://schemas.microsoft.com/office/drawing/2014/main" id="{6C5FA35D-97D0-4841-8855-CAEB534E3C68}"/>
-              </a:ext>
-            </a:extLst>
-          </p:cNvPr>
+          <p:cNvPr id="2" name="Title 1"/>
           <p:cNvSpPr>
             <a:spLocks noGrp="1"/>
           </p:cNvSpPr>
@@ -523,21 +946,15 @@
           <a:lstStyle/>
           <a:p>
             <a:r>
-              <a:rPr lang="ru-RU"/>
-              <a:t>Образец заголовка</a:t>
-            </a:r>
-          </a:p>
-        </p:txBody>
-      </p:sp>
-      <p:sp>
-        <p:nvSpPr>
-          <p:cNvPr id="3" name="Вертикальный текст 2">
-            <a:extLst>
-              <a:ext uri="{FF2B5EF4-FFF2-40B4-BE49-F238E27FC236}">
-                <a16:creationId xmlns:a16="http://schemas.microsoft.com/office/drawing/2014/main" id="{A6FB623B-7CA0-420F-8E76-0E45F49BC71A}"/>
-              </a:ext>
-            </a:extLst>
-          </p:cNvPr>
+              <a:rPr lang="en-US" dirty="0"/>
+              <a:t>Click to edit Master title style</a:t>
+            </a:r>
+          </a:p>
+        </p:txBody>
+      </p:sp>
+      <p:sp>
+        <p:nvSpPr>
+          <p:cNvPr id="3" name="Vertical Text Placeholder 2"/>
           <p:cNvSpPr>
             <a:spLocks noGrp="1"/>
           </p:cNvSpPr>
@@ -552,49 +969,43 @@
           <a:p>
             <a:pPr lvl="0"/>
             <a:r>
-              <a:rPr lang="ru-RU"/>
-              <a:t>Образец текста</a:t>
+              <a:rPr lang="en-US" dirty="0"/>
+              <a:t>Click to edit Master text styles</a:t>
             </a:r>
           </a:p>
           <a:p>
             <a:pPr lvl="1"/>
             <a:r>
-              <a:rPr lang="ru-RU"/>
-              <a:t>Второй уровень</a:t>
+              <a:rPr lang="en-US" dirty="0"/>
+              <a:t>Second level</a:t>
             </a:r>
           </a:p>
           <a:p>
             <a:pPr lvl="2"/>
             <a:r>
-              <a:rPr lang="ru-RU"/>
-              <a:t>Третий уровень</a:t>
+              <a:rPr lang="en-US" dirty="0"/>
+              <a:t>Third level</a:t>
             </a:r>
           </a:p>
           <a:p>
             <a:pPr lvl="3"/>
             <a:r>
-              <a:rPr lang="ru-RU"/>
-              <a:t>Четвертый уровень</a:t>
+              <a:rPr lang="en-US" dirty="0"/>
+              <a:t>Fourth level</a:t>
             </a:r>
           </a:p>
           <a:p>
             <a:pPr lvl="4"/>
             <a:r>
-              <a:rPr lang="ru-RU"/>
-              <a:t>Пятый уровень</a:t>
-            </a:r>
-          </a:p>
-        </p:txBody>
-      </p:sp>
-      <p:sp>
-        <p:nvSpPr>
-          <p:cNvPr id="4" name="Дата 3">
-            <a:extLst>
-              <a:ext uri="{FF2B5EF4-FFF2-40B4-BE49-F238E27FC236}">
-                <a16:creationId xmlns:a16="http://schemas.microsoft.com/office/drawing/2014/main" id="{13A9B5AF-8866-46D6-8983-AF978A1FD463}"/>
-              </a:ext>
-            </a:extLst>
-          </p:cNvPr>
+              <a:rPr lang="en-US" dirty="0"/>
+              <a:t>Fifth level</a:t>
+            </a:r>
+          </a:p>
+        </p:txBody>
+      </p:sp>
+      <p:sp>
+        <p:nvSpPr>
+          <p:cNvPr id="4" name="Date Placeholder 3"/>
           <p:cNvSpPr>
             <a:spLocks noGrp="1"/>
           </p:cNvSpPr>
@@ -607,23 +1018,17 @@
           <a:bodyPr/>
           <a:lstStyle/>
           <a:p>
-            <a:fld id="{85ECA5FE-EB48-470D-90C5-C3424B4B4AAE}" type="datetimeFigureOut">
-              <a:rPr lang="ru-RU" smtClean="0"/>
-              <a:t>25.04.2021</a:t>
+            <a:fld id="{C033E54A-A8CA-48C1-9504-691B58049D29}" type="datetimeFigureOut">
+              <a:rPr lang="en-US" dirty="0"/>
+              <a:t>4/25/2021</a:t>
             </a:fld>
-            <a:endParaRPr lang="ru-RU"/>
-          </a:p>
-        </p:txBody>
-      </p:sp>
-      <p:sp>
-        <p:nvSpPr>
-          <p:cNvPr id="5" name="Нижний колонтитул 4">
-            <a:extLst>
-              <a:ext uri="{FF2B5EF4-FFF2-40B4-BE49-F238E27FC236}">
-                <a16:creationId xmlns:a16="http://schemas.microsoft.com/office/drawing/2014/main" id="{673E07DD-C1F1-470C-909B-ED6B7A5433EA}"/>
-              </a:ext>
-            </a:extLst>
-          </p:cNvPr>
+            <a:endParaRPr lang="en-US" dirty="0"/>
+          </a:p>
+        </p:txBody>
+      </p:sp>
+      <p:sp>
+        <p:nvSpPr>
+          <p:cNvPr id="5" name="Footer Placeholder 4"/>
           <p:cNvSpPr>
             <a:spLocks noGrp="1"/>
           </p:cNvSpPr>
@@ -636,19 +1041,13 @@
           <a:bodyPr/>
           <a:lstStyle/>
           <a:p>
-            <a:endParaRPr lang="ru-RU"/>
-          </a:p>
-        </p:txBody>
-      </p:sp>
-      <p:sp>
-        <p:nvSpPr>
-          <p:cNvPr id="6" name="Номер слайда 5">
-            <a:extLst>
-              <a:ext uri="{FF2B5EF4-FFF2-40B4-BE49-F238E27FC236}">
-                <a16:creationId xmlns:a16="http://schemas.microsoft.com/office/drawing/2014/main" id="{F6BA681E-D6BB-429C-B2DA-03AC88407E00}"/>
-              </a:ext>
-            </a:extLst>
-          </p:cNvPr>
+            <a:endParaRPr lang="en-US" dirty="0"/>
+          </a:p>
+        </p:txBody>
+      </p:sp>
+      <p:sp>
+        <p:nvSpPr>
+          <p:cNvPr id="6" name="Slide Number Placeholder 5"/>
           <p:cNvSpPr>
             <a:spLocks noGrp="1"/>
           </p:cNvSpPr>
@@ -661,18 +1060,18 @@
           <a:bodyPr/>
           <a:lstStyle/>
           <a:p>
-            <a:fld id="{D205BE4E-8067-4C51-9B5C-5512A86040A1}" type="slidenum">
-              <a:rPr lang="ru-RU" smtClean="0"/>
+            <a:fld id="{4FAB73BC-B049-4115-A692-8D63A059BFB8}" type="slidenum">
+              <a:rPr lang="en-US" dirty="0"/>
               <a:t>‹#›</a:t>
             </a:fld>
-            <a:endParaRPr lang="ru-RU"/>
+            <a:endParaRPr lang="en-US" dirty="0"/>
           </a:p>
         </p:txBody>
       </p:sp>
     </p:spTree>
     <p:extLst>
       <p:ext uri="{BB962C8B-B14F-4D97-AF65-F5344CB8AC3E}">
-        <p14:creationId xmlns:p14="http://schemas.microsoft.com/office/powerpoint/2010/main" val="2244812502"/>
+        <p14:creationId xmlns:p14="http://schemas.microsoft.com/office/powerpoint/2010/main" val="2894247642"/>
       </p:ext>
     </p:extLst>
   </p:cSld>
@@ -684,7 +1083,7 @@
 
 <file path=ppt/slideLayouts/slideLayout11.xml><?xml version="1.0" encoding="utf-8"?>
 <p:sldLayout xmlns:a="http://schemas.openxmlformats.org/drawingml/2006/main" xmlns:r="http://schemas.openxmlformats.org/officeDocument/2006/relationships" xmlns:p="http://schemas.openxmlformats.org/presentationml/2006/main" type="vertTitleAndTx" preserve="1">
-  <p:cSld name="Вертикальный заголовок и текст">
+  <p:cSld name="Vertical Title and Text">
     <p:spTree>
       <p:nvGrpSpPr>
         <p:cNvPr id="1" name=""/>
@@ -701,13 +1100,7 @@
       </p:grpSpPr>
       <p:sp>
         <p:nvSpPr>
-          <p:cNvPr id="2" name="Вертикальный заголовок 1">
-            <a:extLst>
-              <a:ext uri="{FF2B5EF4-FFF2-40B4-BE49-F238E27FC236}">
-                <a16:creationId xmlns:a16="http://schemas.microsoft.com/office/drawing/2014/main" id="{6CFBEE26-7966-409C-9261-2F94413A8850}"/>
-              </a:ext>
-            </a:extLst>
-          </p:cNvPr>
+          <p:cNvPr id="2" name="Vertical Title 1"/>
           <p:cNvSpPr>
             <a:spLocks noGrp="1"/>
           </p:cNvSpPr>
@@ -717,8 +1110,8 @@
         </p:nvSpPr>
         <p:spPr>
           <a:xfrm>
-            <a:off x="8724900" y="365125"/>
-            <a:ext cx="2628900" cy="5811838"/>
+            <a:off x="8648700" y="381000"/>
+            <a:ext cx="2476500" cy="5897562"/>
           </a:xfrm>
         </p:spPr>
         <p:txBody>
@@ -726,21 +1119,15 @@
           <a:lstStyle/>
           <a:p>
             <a:r>
-              <a:rPr lang="ru-RU"/>
-              <a:t>Образец заголовка</a:t>
-            </a:r>
-          </a:p>
-        </p:txBody>
-      </p:sp>
-      <p:sp>
-        <p:nvSpPr>
-          <p:cNvPr id="3" name="Вертикальный текст 2">
-            <a:extLst>
-              <a:ext uri="{FF2B5EF4-FFF2-40B4-BE49-F238E27FC236}">
-                <a16:creationId xmlns:a16="http://schemas.microsoft.com/office/drawing/2014/main" id="{DA55ADBE-64D5-43E9-913E-2A5831DD0B75}"/>
-              </a:ext>
-            </a:extLst>
-          </p:cNvPr>
+              <a:rPr lang="en-US" dirty="0"/>
+              <a:t>Click to edit Master title style</a:t>
+            </a:r>
+          </a:p>
+        </p:txBody>
+      </p:sp>
+      <p:sp>
+        <p:nvSpPr>
+          <p:cNvPr id="3" name="Vertical Text Placeholder 2"/>
           <p:cNvSpPr>
             <a:spLocks noGrp="1"/>
           </p:cNvSpPr>
@@ -750,8 +1137,8 @@
         </p:nvSpPr>
         <p:spPr>
           <a:xfrm>
-            <a:off x="838200" y="365125"/>
-            <a:ext cx="7734300" cy="5811838"/>
+            <a:off x="762000" y="381000"/>
+            <a:ext cx="7734300" cy="5897562"/>
           </a:xfrm>
         </p:spPr>
         <p:txBody>
@@ -760,49 +1147,43 @@
           <a:p>
             <a:pPr lvl="0"/>
             <a:r>
-              <a:rPr lang="ru-RU"/>
-              <a:t>Образец текста</a:t>
+              <a:rPr lang="en-US" dirty="0"/>
+              <a:t>Click to edit Master text styles</a:t>
             </a:r>
           </a:p>
           <a:p>
             <a:pPr lvl="1"/>
             <a:r>
-              <a:rPr lang="ru-RU"/>
-              <a:t>Второй уровень</a:t>
+              <a:rPr lang="en-US" dirty="0"/>
+              <a:t>Second level</a:t>
             </a:r>
           </a:p>
           <a:p>
             <a:pPr lvl="2"/>
             <a:r>
-              <a:rPr lang="ru-RU"/>
-              <a:t>Третий уровень</a:t>
+              <a:rPr lang="en-US" dirty="0"/>
+              <a:t>Third level</a:t>
             </a:r>
           </a:p>
           <a:p>
             <a:pPr lvl="3"/>
             <a:r>
-              <a:rPr lang="ru-RU"/>
-              <a:t>Четвертый уровень</a:t>
+              <a:rPr lang="en-US" dirty="0"/>
+              <a:t>Fourth level</a:t>
             </a:r>
           </a:p>
           <a:p>
             <a:pPr lvl="4"/>
             <a:r>
-              <a:rPr lang="ru-RU"/>
-              <a:t>Пятый уровень</a:t>
-            </a:r>
-          </a:p>
-        </p:txBody>
-      </p:sp>
-      <p:sp>
-        <p:nvSpPr>
-          <p:cNvPr id="4" name="Дата 3">
-            <a:extLst>
-              <a:ext uri="{FF2B5EF4-FFF2-40B4-BE49-F238E27FC236}">
-                <a16:creationId xmlns:a16="http://schemas.microsoft.com/office/drawing/2014/main" id="{34B93FB0-BCEC-457C-835D-EB4BEDAA2898}"/>
-              </a:ext>
-            </a:extLst>
-          </p:cNvPr>
+              <a:rPr lang="en-US" dirty="0"/>
+              <a:t>Fifth level</a:t>
+            </a:r>
+          </a:p>
+        </p:txBody>
+      </p:sp>
+      <p:sp>
+        <p:nvSpPr>
+          <p:cNvPr id="4" name="Date Placeholder 3"/>
           <p:cNvSpPr>
             <a:spLocks noGrp="1"/>
           </p:cNvSpPr>
@@ -815,23 +1196,17 @@
           <a:bodyPr/>
           <a:lstStyle/>
           <a:p>
-            <a:fld id="{85ECA5FE-EB48-470D-90C5-C3424B4B4AAE}" type="datetimeFigureOut">
-              <a:rPr lang="ru-RU" smtClean="0"/>
-              <a:t>25.04.2021</a:t>
+            <a:fld id="{B5F6C806-BBF7-471C-9527-881CE2266695}" type="datetimeFigureOut">
+              <a:rPr lang="en-US" dirty="0"/>
+              <a:t>4/25/2021</a:t>
             </a:fld>
-            <a:endParaRPr lang="ru-RU"/>
-          </a:p>
-        </p:txBody>
-      </p:sp>
-      <p:sp>
-        <p:nvSpPr>
-          <p:cNvPr id="5" name="Нижний колонтитул 4">
-            <a:extLst>
-              <a:ext uri="{FF2B5EF4-FFF2-40B4-BE49-F238E27FC236}">
-                <a16:creationId xmlns:a16="http://schemas.microsoft.com/office/drawing/2014/main" id="{669AE86C-6B80-4C73-9A38-8A555500BAAF}"/>
-              </a:ext>
-            </a:extLst>
-          </p:cNvPr>
+            <a:endParaRPr lang="en-US" dirty="0"/>
+          </a:p>
+        </p:txBody>
+      </p:sp>
+      <p:sp>
+        <p:nvSpPr>
+          <p:cNvPr id="5" name="Footer Placeholder 4"/>
           <p:cNvSpPr>
             <a:spLocks noGrp="1"/>
           </p:cNvSpPr>
@@ -844,19 +1219,13 @@
           <a:bodyPr/>
           <a:lstStyle/>
           <a:p>
-            <a:endParaRPr lang="ru-RU"/>
-          </a:p>
-        </p:txBody>
-      </p:sp>
-      <p:sp>
-        <p:nvSpPr>
-          <p:cNvPr id="6" name="Номер слайда 5">
-            <a:extLst>
-              <a:ext uri="{FF2B5EF4-FFF2-40B4-BE49-F238E27FC236}">
-                <a16:creationId xmlns:a16="http://schemas.microsoft.com/office/drawing/2014/main" id="{83F45607-EB3E-4F24-830B-52BBD112A499}"/>
-              </a:ext>
-            </a:extLst>
-          </p:cNvPr>
+            <a:endParaRPr lang="en-US" dirty="0"/>
+          </a:p>
+        </p:txBody>
+      </p:sp>
+      <p:sp>
+        <p:nvSpPr>
+          <p:cNvPr id="6" name="Slide Number Placeholder 5"/>
           <p:cNvSpPr>
             <a:spLocks noGrp="1"/>
           </p:cNvSpPr>
@@ -869,18 +1238,18 @@
           <a:bodyPr/>
           <a:lstStyle/>
           <a:p>
-            <a:fld id="{D205BE4E-8067-4C51-9B5C-5512A86040A1}" type="slidenum">
-              <a:rPr lang="ru-RU" smtClean="0"/>
+            <a:fld id="{4FAB73BC-B049-4115-A692-8D63A059BFB8}" type="slidenum">
+              <a:rPr lang="en-US" dirty="0"/>
               <a:t>‹#›</a:t>
             </a:fld>
-            <a:endParaRPr lang="ru-RU"/>
+            <a:endParaRPr lang="en-US" dirty="0"/>
           </a:p>
         </p:txBody>
       </p:sp>
     </p:spTree>
     <p:extLst>
       <p:ext uri="{BB962C8B-B14F-4D97-AF65-F5344CB8AC3E}">
-        <p14:creationId xmlns:p14="http://schemas.microsoft.com/office/powerpoint/2010/main" val="87273958"/>
+        <p14:creationId xmlns:p14="http://schemas.microsoft.com/office/powerpoint/2010/main" val="1429107502"/>
       </p:ext>
     </p:extLst>
   </p:cSld>
@@ -892,7 +1261,7 @@
 
 <file path=ppt/slideLayouts/slideLayout2.xml><?xml version="1.0" encoding="utf-8"?>
 <p:sldLayout xmlns:a="http://schemas.openxmlformats.org/drawingml/2006/main" xmlns:r="http://schemas.openxmlformats.org/officeDocument/2006/relationships" xmlns:p="http://schemas.openxmlformats.org/presentationml/2006/main" type="obj" preserve="1">
-  <p:cSld name="Заголовок и объект">
+  <p:cSld name="Title and Content">
     <p:spTree>
       <p:nvGrpSpPr>
         <p:cNvPr id="1" name=""/>
@@ -909,13 +1278,7 @@
       </p:grpSpPr>
       <p:sp>
         <p:nvSpPr>
-          <p:cNvPr id="2" name="Заголовок 1">
-            <a:extLst>
-              <a:ext uri="{FF2B5EF4-FFF2-40B4-BE49-F238E27FC236}">
-                <a16:creationId xmlns:a16="http://schemas.microsoft.com/office/drawing/2014/main" id="{3B0E5DE6-463C-4A81-A00D-14068953837B}"/>
-              </a:ext>
-            </a:extLst>
-          </p:cNvPr>
+          <p:cNvPr id="2" name="Title 1"/>
           <p:cNvSpPr>
             <a:spLocks noGrp="1"/>
           </p:cNvSpPr>
@@ -929,21 +1292,15 @@
           <a:lstStyle/>
           <a:p>
             <a:r>
-              <a:rPr lang="ru-RU"/>
-              <a:t>Образец заголовка</a:t>
-            </a:r>
-          </a:p>
-        </p:txBody>
-      </p:sp>
-      <p:sp>
-        <p:nvSpPr>
-          <p:cNvPr id="3" name="Объект 2">
-            <a:extLst>
-              <a:ext uri="{FF2B5EF4-FFF2-40B4-BE49-F238E27FC236}">
-                <a16:creationId xmlns:a16="http://schemas.microsoft.com/office/drawing/2014/main" id="{A47C40BA-1134-41C7-A119-976C7AB9BA46}"/>
-              </a:ext>
-            </a:extLst>
-          </p:cNvPr>
+              <a:rPr lang="en-US" dirty="0"/>
+              <a:t>Click to edit Master title style</a:t>
+            </a:r>
+          </a:p>
+        </p:txBody>
+      </p:sp>
+      <p:sp>
+        <p:nvSpPr>
+          <p:cNvPr id="3" name="Content Placeholder 2"/>
           <p:cNvSpPr>
             <a:spLocks noGrp="1"/>
           </p:cNvSpPr>
@@ -958,49 +1315,43 @@
           <a:p>
             <a:pPr lvl="0"/>
             <a:r>
-              <a:rPr lang="ru-RU"/>
-              <a:t>Образец текста</a:t>
+              <a:rPr lang="en-US" dirty="0"/>
+              <a:t>Click to edit Master text styles</a:t>
             </a:r>
           </a:p>
           <a:p>
             <a:pPr lvl="1"/>
             <a:r>
-              <a:rPr lang="ru-RU"/>
-              <a:t>Второй уровень</a:t>
+              <a:rPr lang="en-US" dirty="0"/>
+              <a:t>Second level</a:t>
             </a:r>
           </a:p>
           <a:p>
             <a:pPr lvl="2"/>
             <a:r>
-              <a:rPr lang="ru-RU"/>
-              <a:t>Третий уровень</a:t>
+              <a:rPr lang="en-US" dirty="0"/>
+              <a:t>Third level</a:t>
             </a:r>
           </a:p>
           <a:p>
             <a:pPr lvl="3"/>
             <a:r>
-              <a:rPr lang="ru-RU"/>
-              <a:t>Четвертый уровень</a:t>
+              <a:rPr lang="en-US" dirty="0"/>
+              <a:t>Fourth level</a:t>
             </a:r>
           </a:p>
           <a:p>
             <a:pPr lvl="4"/>
             <a:r>
-              <a:rPr lang="ru-RU"/>
-              <a:t>Пятый уровень</a:t>
-            </a:r>
-          </a:p>
-        </p:txBody>
-      </p:sp>
-      <p:sp>
-        <p:nvSpPr>
-          <p:cNvPr id="4" name="Дата 3">
-            <a:extLst>
-              <a:ext uri="{FF2B5EF4-FFF2-40B4-BE49-F238E27FC236}">
-                <a16:creationId xmlns:a16="http://schemas.microsoft.com/office/drawing/2014/main" id="{DBD1EECF-AAE7-4E38-BAE7-CF51727B627F}"/>
-              </a:ext>
-            </a:extLst>
-          </p:cNvPr>
+              <a:rPr lang="en-US" dirty="0"/>
+              <a:t>Fifth level</a:t>
+            </a:r>
+          </a:p>
+        </p:txBody>
+      </p:sp>
+      <p:sp>
+        <p:nvSpPr>
+          <p:cNvPr id="4" name="Date Placeholder 3"/>
           <p:cNvSpPr>
             <a:spLocks noGrp="1"/>
           </p:cNvSpPr>
@@ -1013,23 +1364,17 @@
           <a:bodyPr/>
           <a:lstStyle/>
           <a:p>
-            <a:fld id="{85ECA5FE-EB48-470D-90C5-C3424B4B4AAE}" type="datetimeFigureOut">
-              <a:rPr lang="ru-RU" smtClean="0"/>
-              <a:t>25.04.2021</a:t>
+            <a:fld id="{78C94063-DF36-4330-A365-08DA1FA5B7D6}" type="datetimeFigureOut">
+              <a:rPr lang="en-US" dirty="0"/>
+              <a:t>4/25/2021</a:t>
             </a:fld>
-            <a:endParaRPr lang="ru-RU"/>
-          </a:p>
-        </p:txBody>
-      </p:sp>
-      <p:sp>
-        <p:nvSpPr>
-          <p:cNvPr id="5" name="Нижний колонтитул 4">
-            <a:extLst>
-              <a:ext uri="{FF2B5EF4-FFF2-40B4-BE49-F238E27FC236}">
-                <a16:creationId xmlns:a16="http://schemas.microsoft.com/office/drawing/2014/main" id="{80285553-D93C-4DCA-8BD8-AF20B605F6C0}"/>
-              </a:ext>
-            </a:extLst>
-          </p:cNvPr>
+            <a:endParaRPr lang="en-US" dirty="0"/>
+          </a:p>
+        </p:txBody>
+      </p:sp>
+      <p:sp>
+        <p:nvSpPr>
+          <p:cNvPr id="5" name="Footer Placeholder 4"/>
           <p:cNvSpPr>
             <a:spLocks noGrp="1"/>
           </p:cNvSpPr>
@@ -1042,19 +1387,13 @@
           <a:bodyPr/>
           <a:lstStyle/>
           <a:p>
-            <a:endParaRPr lang="ru-RU"/>
-          </a:p>
-        </p:txBody>
-      </p:sp>
-      <p:sp>
-        <p:nvSpPr>
-          <p:cNvPr id="6" name="Номер слайда 5">
-            <a:extLst>
-              <a:ext uri="{FF2B5EF4-FFF2-40B4-BE49-F238E27FC236}">
-                <a16:creationId xmlns:a16="http://schemas.microsoft.com/office/drawing/2014/main" id="{C4892C08-44E6-4AD6-938C-17AF585D8B96}"/>
-              </a:ext>
-            </a:extLst>
-          </p:cNvPr>
+            <a:endParaRPr lang="en-US" dirty="0"/>
+          </a:p>
+        </p:txBody>
+      </p:sp>
+      <p:sp>
+        <p:nvSpPr>
+          <p:cNvPr id="6" name="Slide Number Placeholder 5"/>
           <p:cNvSpPr>
             <a:spLocks noGrp="1"/>
           </p:cNvSpPr>
@@ -1067,18 +1406,18 @@
           <a:bodyPr/>
           <a:lstStyle/>
           <a:p>
-            <a:fld id="{D205BE4E-8067-4C51-9B5C-5512A86040A1}" type="slidenum">
-              <a:rPr lang="ru-RU" smtClean="0"/>
+            <a:fld id="{4FAB73BC-B049-4115-A692-8D63A059BFB8}" type="slidenum">
+              <a:rPr lang="en-US" dirty="0"/>
               <a:t>‹#›</a:t>
             </a:fld>
-            <a:endParaRPr lang="ru-RU"/>
+            <a:endParaRPr lang="en-US" dirty="0"/>
           </a:p>
         </p:txBody>
       </p:sp>
     </p:spTree>
     <p:extLst>
       <p:ext uri="{BB962C8B-B14F-4D97-AF65-F5344CB8AC3E}">
-        <p14:creationId xmlns:p14="http://schemas.microsoft.com/office/powerpoint/2010/main" val="3245013928"/>
+        <p14:creationId xmlns:p14="http://schemas.microsoft.com/office/powerpoint/2010/main" val="1729622328"/>
       </p:ext>
     </p:extLst>
   </p:cSld>
@@ -1090,7 +1429,7 @@
 
 <file path=ppt/slideLayouts/slideLayout3.xml><?xml version="1.0" encoding="utf-8"?>
 <p:sldLayout xmlns:a="http://schemas.openxmlformats.org/drawingml/2006/main" xmlns:r="http://schemas.openxmlformats.org/officeDocument/2006/relationships" xmlns:p="http://schemas.openxmlformats.org/presentationml/2006/main" type="secHead" preserve="1">
-  <p:cSld name="Заголовок раздела">
+  <p:cSld name="Section Header">
     <p:spTree>
       <p:nvGrpSpPr>
         <p:cNvPr id="1" name=""/>
@@ -1107,13 +1446,7 @@
       </p:grpSpPr>
       <p:sp>
         <p:nvSpPr>
-          <p:cNvPr id="2" name="Заголовок 1">
-            <a:extLst>
-              <a:ext uri="{FF2B5EF4-FFF2-40B4-BE49-F238E27FC236}">
-                <a16:creationId xmlns:a16="http://schemas.microsoft.com/office/drawing/2014/main" id="{67622698-8D29-4F77-AFBC-3FA0ABDE01F9}"/>
-              </a:ext>
-            </a:extLst>
-          </p:cNvPr>
+          <p:cNvPr id="2" name="Title 1"/>
           <p:cNvSpPr>
             <a:spLocks noGrp="1"/>
           </p:cNvSpPr>
@@ -1123,34 +1456,33 @@
         </p:nvSpPr>
         <p:spPr>
           <a:xfrm>
-            <a:off x="831850" y="1709738"/>
-            <a:ext cx="10515600" cy="2852737"/>
+            <a:off x="1261872" y="758952"/>
+            <a:ext cx="9418320" cy="4041648"/>
           </a:xfrm>
         </p:spPr>
         <p:txBody>
-          <a:bodyPr anchor="b"/>
+          <a:bodyPr anchor="b">
+            <a:normAutofit/>
+          </a:bodyPr>
           <a:lstStyle>
             <a:lvl1pPr>
-              <a:defRPr sz="6000"/>
+              <a:lnSpc>
+                <a:spcPct val="85000"/>
+              </a:lnSpc>
+              <a:defRPr sz="7200" b="0"/>
             </a:lvl1pPr>
           </a:lstStyle>
           <a:p>
             <a:r>
-              <a:rPr lang="ru-RU"/>
-              <a:t>Образец заголовка</a:t>
-            </a:r>
-          </a:p>
-        </p:txBody>
-      </p:sp>
-      <p:sp>
-        <p:nvSpPr>
-          <p:cNvPr id="3" name="Текст 2">
-            <a:extLst>
-              <a:ext uri="{FF2B5EF4-FFF2-40B4-BE49-F238E27FC236}">
-                <a16:creationId xmlns:a16="http://schemas.microsoft.com/office/drawing/2014/main" id="{72816C64-E8B2-4A40-9708-12D2FD9A976E}"/>
-              </a:ext>
-            </a:extLst>
-          </p:cNvPr>
+              <a:rPr lang="en-US" dirty="0"/>
+              <a:t>Click to edit Master title style</a:t>
+            </a:r>
+          </a:p>
+        </p:txBody>
+      </p:sp>
+      <p:sp>
+        <p:nvSpPr>
+          <p:cNvPr id="3" name="Text Placeholder 2"/>
           <p:cNvSpPr>
             <a:spLocks noGrp="1"/>
           </p:cNvSpPr>
@@ -1160,26 +1492,29 @@
         </p:nvSpPr>
         <p:spPr>
           <a:xfrm>
-            <a:off x="831850" y="4589463"/>
-            <a:ext cx="10515600" cy="1500187"/>
+            <a:off x="1261872" y="4800600"/>
+            <a:ext cx="9418320" cy="1691640"/>
           </a:xfrm>
         </p:spPr>
         <p:txBody>
-          <a:bodyPr/>
+          <a:bodyPr anchor="t">
+            <a:normAutofit/>
+          </a:bodyPr>
           <a:lstStyle>
             <a:lvl1pPr marL="0" indent="0">
               <a:buNone/>
-              <a:defRPr sz="2400">
+              <a:defRPr sz="2200">
                 <a:solidFill>
                   <a:schemeClr val="tx1">
-                    <a:tint val="75000"/>
+                    <a:lumMod val="65000"/>
+                    <a:lumOff val="35000"/>
                   </a:schemeClr>
                 </a:solidFill>
               </a:defRPr>
             </a:lvl1pPr>
             <a:lvl2pPr marL="457200" indent="0">
               <a:buNone/>
-              <a:defRPr sz="2000">
+              <a:defRPr sz="1800">
                 <a:solidFill>
                   <a:schemeClr val="tx1">
                     <a:tint val="75000"/>
@@ -1189,7 +1524,7 @@
             </a:lvl2pPr>
             <a:lvl3pPr marL="914400" indent="0">
               <a:buNone/>
-              <a:defRPr sz="1800">
+              <a:defRPr sz="1600">
                 <a:solidFill>
                   <a:schemeClr val="tx1">
                     <a:tint val="75000"/>
@@ -1199,7 +1534,7 @@
             </a:lvl3pPr>
             <a:lvl4pPr marL="1371600" indent="0">
               <a:buNone/>
-              <a:defRPr sz="1600">
+              <a:defRPr sz="1400">
                 <a:solidFill>
                   <a:schemeClr val="tx1">
                     <a:tint val="75000"/>
@@ -1209,7 +1544,7 @@
             </a:lvl4pPr>
             <a:lvl5pPr marL="1828800" indent="0">
               <a:buNone/>
-              <a:defRPr sz="1600">
+              <a:defRPr sz="1400">
                 <a:solidFill>
                   <a:schemeClr val="tx1">
                     <a:tint val="75000"/>
@@ -1219,7 +1554,7 @@
             </a:lvl5pPr>
             <a:lvl6pPr marL="2286000" indent="0">
               <a:buNone/>
-              <a:defRPr sz="1600">
+              <a:defRPr sz="1400">
                 <a:solidFill>
                   <a:schemeClr val="tx1">
                     <a:tint val="75000"/>
@@ -1229,7 +1564,7 @@
             </a:lvl6pPr>
             <a:lvl7pPr marL="2743200" indent="0">
               <a:buNone/>
-              <a:defRPr sz="1600">
+              <a:defRPr sz="1400">
                 <a:solidFill>
                   <a:schemeClr val="tx1">
                     <a:tint val="75000"/>
@@ -1239,7 +1574,7 @@
             </a:lvl7pPr>
             <a:lvl8pPr marL="3200400" indent="0">
               <a:buNone/>
-              <a:defRPr sz="1600">
+              <a:defRPr sz="1400">
                 <a:solidFill>
                   <a:schemeClr val="tx1">
                     <a:tint val="75000"/>
@@ -1249,7 +1584,7 @@
             </a:lvl8pPr>
             <a:lvl9pPr marL="3657600" indent="0">
               <a:buNone/>
-              <a:defRPr sz="1600">
+              <a:defRPr sz="1400">
                 <a:solidFill>
                   <a:schemeClr val="tx1">
                     <a:tint val="75000"/>
@@ -1261,21 +1596,15 @@
           <a:p>
             <a:pPr lvl="0"/>
             <a:r>
-              <a:rPr lang="ru-RU"/>
-              <a:t>Образец текста</a:t>
-            </a:r>
-          </a:p>
-        </p:txBody>
-      </p:sp>
-      <p:sp>
-        <p:nvSpPr>
-          <p:cNvPr id="4" name="Дата 3">
-            <a:extLst>
-              <a:ext uri="{FF2B5EF4-FFF2-40B4-BE49-F238E27FC236}">
-                <a16:creationId xmlns:a16="http://schemas.microsoft.com/office/drawing/2014/main" id="{F7929662-26C2-4CDB-8606-1D6AF88E5EBF}"/>
-              </a:ext>
-            </a:extLst>
-          </p:cNvPr>
+              <a:rPr lang="en-US" dirty="0"/>
+              <a:t>Click to edit Master text styles</a:t>
+            </a:r>
+          </a:p>
+        </p:txBody>
+      </p:sp>
+      <p:sp>
+        <p:nvSpPr>
+          <p:cNvPr id="4" name="Date Placeholder 3"/>
           <p:cNvSpPr>
             <a:spLocks noGrp="1"/>
           </p:cNvSpPr>
@@ -1288,23 +1617,17 @@
           <a:bodyPr/>
           <a:lstStyle/>
           <a:p>
-            <a:fld id="{85ECA5FE-EB48-470D-90C5-C3424B4B4AAE}" type="datetimeFigureOut">
-              <a:rPr lang="ru-RU" smtClean="0"/>
-              <a:t>25.04.2021</a:t>
+            <a:fld id="{908A7C6C-0F39-4D70-8E8D-FE5B9C95FA73}" type="datetimeFigureOut">
+              <a:rPr lang="en-US" dirty="0"/>
+              <a:t>4/25/2021</a:t>
             </a:fld>
-            <a:endParaRPr lang="ru-RU"/>
-          </a:p>
-        </p:txBody>
-      </p:sp>
-      <p:sp>
-        <p:nvSpPr>
-          <p:cNvPr id="5" name="Нижний колонтитул 4">
-            <a:extLst>
-              <a:ext uri="{FF2B5EF4-FFF2-40B4-BE49-F238E27FC236}">
-                <a16:creationId xmlns:a16="http://schemas.microsoft.com/office/drawing/2014/main" id="{93B045AD-95BC-40A7-A549-DFEF65ABEF67}"/>
-              </a:ext>
-            </a:extLst>
-          </p:cNvPr>
+            <a:endParaRPr lang="en-US" dirty="0"/>
+          </a:p>
+        </p:txBody>
+      </p:sp>
+      <p:sp>
+        <p:nvSpPr>
+          <p:cNvPr id="5" name="Footer Placeholder 4"/>
           <p:cNvSpPr>
             <a:spLocks noGrp="1"/>
           </p:cNvSpPr>
@@ -1317,19 +1640,13 @@
           <a:bodyPr/>
           <a:lstStyle/>
           <a:p>
-            <a:endParaRPr lang="ru-RU"/>
-          </a:p>
-        </p:txBody>
-      </p:sp>
-      <p:sp>
-        <p:nvSpPr>
-          <p:cNvPr id="6" name="Номер слайда 5">
-            <a:extLst>
-              <a:ext uri="{FF2B5EF4-FFF2-40B4-BE49-F238E27FC236}">
-                <a16:creationId xmlns:a16="http://schemas.microsoft.com/office/drawing/2014/main" id="{DC0072BB-9031-42EE-A465-F466385FC47B}"/>
-              </a:ext>
-            </a:extLst>
-          </p:cNvPr>
+            <a:endParaRPr lang="en-US" dirty="0"/>
+          </a:p>
+        </p:txBody>
+      </p:sp>
+      <p:sp>
+        <p:nvSpPr>
+          <p:cNvPr id="6" name="Slide Number Placeholder 5"/>
           <p:cNvSpPr>
             <a:spLocks noGrp="1"/>
           </p:cNvSpPr>
@@ -1342,18 +1659,56 @@
           <a:bodyPr/>
           <a:lstStyle/>
           <a:p>
-            <a:fld id="{D205BE4E-8067-4C51-9B5C-5512A86040A1}" type="slidenum">
-              <a:rPr lang="ru-RU" smtClean="0"/>
+            <a:fld id="{4FAB73BC-B049-4115-A692-8D63A059BFB8}" type="slidenum">
+              <a:rPr lang="en-US" dirty="0"/>
               <a:t>‹#›</a:t>
             </a:fld>
-            <a:endParaRPr lang="ru-RU"/>
-          </a:p>
-        </p:txBody>
+            <a:endParaRPr lang="en-US" dirty="0"/>
+          </a:p>
+        </p:txBody>
+      </p:sp>
+      <p:sp>
+        <p:nvSpPr>
+          <p:cNvPr id="7" name="Rectangle 6"/>
+          <p:cNvSpPr/>
+          <p:nvPr/>
+        </p:nvSpPr>
+        <p:spPr>
+          <a:xfrm>
+            <a:off x="0" y="0"/>
+            <a:ext cx="457200" cy="6858000"/>
+          </a:xfrm>
+          <a:prstGeom prst="rect">
+            <a:avLst/>
+          </a:prstGeom>
+          <a:solidFill>
+            <a:schemeClr val="accent1"/>
+          </a:solidFill>
+          <a:ln>
+            <a:noFill/>
+          </a:ln>
+        </p:spPr>
+        <p:style>
+          <a:lnRef idx="2">
+            <a:schemeClr val="accent1">
+              <a:shade val="50000"/>
+            </a:schemeClr>
+          </a:lnRef>
+          <a:fillRef idx="1">
+            <a:schemeClr val="accent1"/>
+          </a:fillRef>
+          <a:effectRef idx="0">
+            <a:schemeClr val="accent1"/>
+          </a:effectRef>
+          <a:fontRef idx="minor">
+            <a:schemeClr val="lt1"/>
+          </a:fontRef>
+        </p:style>
       </p:sp>
     </p:spTree>
     <p:extLst>
       <p:ext uri="{BB962C8B-B14F-4D97-AF65-F5344CB8AC3E}">
-        <p14:creationId xmlns:p14="http://schemas.microsoft.com/office/powerpoint/2010/main" val="2354028036"/>
+        <p14:creationId xmlns:p14="http://schemas.microsoft.com/office/powerpoint/2010/main" val="2759396345"/>
       </p:ext>
     </p:extLst>
   </p:cSld>
@@ -1365,7 +1720,7 @@
 
 <file path=ppt/slideLayouts/slideLayout4.xml><?xml version="1.0" encoding="utf-8"?>
 <p:sldLayout xmlns:a="http://schemas.openxmlformats.org/drawingml/2006/main" xmlns:r="http://schemas.openxmlformats.org/officeDocument/2006/relationships" xmlns:p="http://schemas.openxmlformats.org/presentationml/2006/main" type="twoObj" preserve="1">
-  <p:cSld name="Два объекта">
+  <p:cSld name="Two Content">
     <p:spTree>
       <p:nvGrpSpPr>
         <p:cNvPr id="1" name=""/>
@@ -1382,13 +1737,7 @@
       </p:grpSpPr>
       <p:sp>
         <p:nvSpPr>
-          <p:cNvPr id="2" name="Заголовок 1">
-            <a:extLst>
-              <a:ext uri="{FF2B5EF4-FFF2-40B4-BE49-F238E27FC236}">
-                <a16:creationId xmlns:a16="http://schemas.microsoft.com/office/drawing/2014/main" id="{EB6839F2-6D3F-470C-847D-70DB42E06B29}"/>
-              </a:ext>
-            </a:extLst>
-          </p:cNvPr>
+          <p:cNvPr id="2" name="Title 1"/>
           <p:cNvSpPr>
             <a:spLocks noGrp="1"/>
           </p:cNvSpPr>
@@ -1402,21 +1751,15 @@
           <a:lstStyle/>
           <a:p>
             <a:r>
-              <a:rPr lang="ru-RU"/>
-              <a:t>Образец заголовка</a:t>
-            </a:r>
-          </a:p>
-        </p:txBody>
-      </p:sp>
-      <p:sp>
-        <p:nvSpPr>
-          <p:cNvPr id="3" name="Объект 2">
-            <a:extLst>
-              <a:ext uri="{FF2B5EF4-FFF2-40B4-BE49-F238E27FC236}">
-                <a16:creationId xmlns:a16="http://schemas.microsoft.com/office/drawing/2014/main" id="{2011E6C8-3D5E-4010-A2A6-CE67702038AE}"/>
-              </a:ext>
-            </a:extLst>
-          </p:cNvPr>
+              <a:rPr lang="en-US" dirty="0"/>
+              <a:t>Click to edit Master title style</a:t>
+            </a:r>
+          </a:p>
+        </p:txBody>
+      </p:sp>
+      <p:sp>
+        <p:nvSpPr>
+          <p:cNvPr id="3" name="Content Placeholder 2"/>
           <p:cNvSpPr>
             <a:spLocks noGrp="1"/>
           </p:cNvSpPr>
@@ -1426,59 +1769,81 @@
         </p:nvSpPr>
         <p:spPr>
           <a:xfrm>
-            <a:off x="838200" y="1825625"/>
-            <a:ext cx="5181600" cy="4351338"/>
+            <a:off x="1261872" y="1828800"/>
+            <a:ext cx="4480560" cy="4351337"/>
           </a:xfrm>
         </p:spPr>
         <p:txBody>
           <a:bodyPr/>
-          <a:lstStyle/>
+          <a:lstStyle>
+            <a:lvl1pPr>
+              <a:defRPr sz="1800"/>
+            </a:lvl1pPr>
+            <a:lvl2pPr>
+              <a:defRPr sz="1600"/>
+            </a:lvl2pPr>
+            <a:lvl3pPr>
+              <a:defRPr sz="1400"/>
+            </a:lvl3pPr>
+            <a:lvl4pPr>
+              <a:defRPr sz="1400"/>
+            </a:lvl4pPr>
+            <a:lvl5pPr>
+              <a:defRPr sz="1400"/>
+            </a:lvl5pPr>
+            <a:lvl6pPr>
+              <a:defRPr sz="1400"/>
+            </a:lvl6pPr>
+            <a:lvl7pPr>
+              <a:defRPr sz="1400"/>
+            </a:lvl7pPr>
+            <a:lvl8pPr>
+              <a:defRPr sz="1400"/>
+            </a:lvl8pPr>
+            <a:lvl9pPr>
+              <a:defRPr sz="1400"/>
+            </a:lvl9pPr>
+          </a:lstStyle>
           <a:p>
             <a:pPr lvl="0"/>
             <a:r>
-              <a:rPr lang="ru-RU"/>
-              <a:t>Образец текста</a:t>
+              <a:rPr lang="en-US" dirty="0"/>
+              <a:t>Click to edit Master text styles</a:t>
             </a:r>
           </a:p>
           <a:p>
             <a:pPr lvl="1"/>
             <a:r>
-              <a:rPr lang="ru-RU"/>
-              <a:t>Второй уровень</a:t>
+              <a:rPr lang="en-US" dirty="0"/>
+              <a:t>Second level</a:t>
             </a:r>
           </a:p>
           <a:p>
             <a:pPr lvl="2"/>
             <a:r>
-              <a:rPr lang="ru-RU"/>
-              <a:t>Третий уровень</a:t>
+              <a:rPr lang="en-US" dirty="0"/>
+              <a:t>Third level</a:t>
             </a:r>
           </a:p>
           <a:p>
             <a:pPr lvl="3"/>
             <a:r>
-              <a:rPr lang="ru-RU"/>
-              <a:t>Четвертый уровень</a:t>
+              <a:rPr lang="en-US" dirty="0"/>
+              <a:t>Fourth level</a:t>
             </a:r>
           </a:p>
           <a:p>
             <a:pPr lvl="4"/>
             <a:r>
-              <a:rPr lang="ru-RU"/>
-              <a:t>Пятый уровень</a:t>
-            </a:r>
-          </a:p>
-        </p:txBody>
-      </p:sp>
-      <p:sp>
-        <p:nvSpPr>
-          <p:cNvPr id="4" name="Объект 3">
-            <a:extLst>
-              <a:ext uri="{FF2B5EF4-FFF2-40B4-BE49-F238E27FC236}">
-                <a16:creationId xmlns:a16="http://schemas.microsoft.com/office/drawing/2014/main" id="{176EF067-9B25-416F-980A-D1B6786A3859}"/>
-              </a:ext>
-            </a:extLst>
-          </p:cNvPr>
+              <a:rPr lang="en-US" dirty="0"/>
+              <a:t>Fifth level</a:t>
+            </a:r>
+          </a:p>
+        </p:txBody>
+      </p:sp>
+      <p:sp>
+        <p:nvSpPr>
+          <p:cNvPr id="4" name="Content Placeholder 3"/>
           <p:cNvSpPr>
             <a:spLocks noGrp="1"/>
           </p:cNvSpPr>
@@ -1488,59 +1853,81 @@
         </p:nvSpPr>
         <p:spPr>
           <a:xfrm>
-            <a:off x="6172200" y="1825625"/>
-            <a:ext cx="5181600" cy="4351338"/>
+            <a:off x="6126480" y="1828800"/>
+            <a:ext cx="4480560" cy="4351337"/>
           </a:xfrm>
         </p:spPr>
         <p:txBody>
           <a:bodyPr/>
-          <a:lstStyle/>
+          <a:lstStyle>
+            <a:lvl1pPr>
+              <a:defRPr sz="1800"/>
+            </a:lvl1pPr>
+            <a:lvl2pPr>
+              <a:defRPr sz="1600"/>
+            </a:lvl2pPr>
+            <a:lvl3pPr>
+              <a:defRPr sz="1400"/>
+            </a:lvl3pPr>
+            <a:lvl4pPr>
+              <a:defRPr sz="1400"/>
+            </a:lvl4pPr>
+            <a:lvl5pPr>
+              <a:defRPr sz="1400"/>
+            </a:lvl5pPr>
+            <a:lvl6pPr>
+              <a:defRPr sz="1400"/>
+            </a:lvl6pPr>
+            <a:lvl7pPr>
+              <a:defRPr sz="1400"/>
+            </a:lvl7pPr>
+            <a:lvl8pPr>
+              <a:defRPr sz="1400"/>
+            </a:lvl8pPr>
+            <a:lvl9pPr>
+              <a:defRPr sz="1400"/>
+            </a:lvl9pPr>
+          </a:lstStyle>
           <a:p>
             <a:pPr lvl="0"/>
             <a:r>
-              <a:rPr lang="ru-RU"/>
-              <a:t>Образец текста</a:t>
+              <a:rPr lang="en-US" dirty="0"/>
+              <a:t>Click to edit Master text styles</a:t>
             </a:r>
           </a:p>
           <a:p>
             <a:pPr lvl="1"/>
             <a:r>
-              <a:rPr lang="ru-RU"/>
-              <a:t>Второй уровень</a:t>
+              <a:rPr lang="en-US" dirty="0"/>
+              <a:t>Second level</a:t>
             </a:r>
           </a:p>
           <a:p>
             <a:pPr lvl="2"/>
             <a:r>
-              <a:rPr lang="ru-RU"/>
-              <a:t>Третий уровень</a:t>
+              <a:rPr lang="en-US" dirty="0"/>
+              <a:t>Third level</a:t>
             </a:r>
           </a:p>
           <a:p>
             <a:pPr lvl="3"/>
             <a:r>
-              <a:rPr lang="ru-RU"/>
-              <a:t>Четвертый уровень</a:t>
+              <a:rPr lang="en-US" dirty="0"/>
+              <a:t>Fourth level</a:t>
             </a:r>
           </a:p>
           <a:p>
             <a:pPr lvl="4"/>
             <a:r>
-              <a:rPr lang="ru-RU"/>
-              <a:t>Пятый уровень</a:t>
-            </a:r>
-          </a:p>
-        </p:txBody>
-      </p:sp>
-      <p:sp>
-        <p:nvSpPr>
-          <p:cNvPr id="5" name="Дата 4">
-            <a:extLst>
-              <a:ext uri="{FF2B5EF4-FFF2-40B4-BE49-F238E27FC236}">
-                <a16:creationId xmlns:a16="http://schemas.microsoft.com/office/drawing/2014/main" id="{6323576E-B7DC-42F3-9948-4D1A2BEB335F}"/>
-              </a:ext>
-            </a:extLst>
-          </p:cNvPr>
+              <a:rPr lang="en-US" dirty="0"/>
+              <a:t>Fifth level</a:t>
+            </a:r>
+          </a:p>
+        </p:txBody>
+      </p:sp>
+      <p:sp>
+        <p:nvSpPr>
+          <p:cNvPr id="5" name="Date Placeholder 4"/>
           <p:cNvSpPr>
             <a:spLocks noGrp="1"/>
           </p:cNvSpPr>
@@ -1553,23 +1940,17 @@
           <a:bodyPr/>
           <a:lstStyle/>
           <a:p>
-            <a:fld id="{85ECA5FE-EB48-470D-90C5-C3424B4B4AAE}" type="datetimeFigureOut">
-              <a:rPr lang="ru-RU" smtClean="0"/>
-              <a:t>25.04.2021</a:t>
+            <a:fld id="{DFCFA4AC-08CC-42CE-BD01-C191750A04EC}" type="datetimeFigureOut">
+              <a:rPr lang="en-US" dirty="0"/>
+              <a:t>4/25/2021</a:t>
             </a:fld>
-            <a:endParaRPr lang="ru-RU"/>
-          </a:p>
-        </p:txBody>
-      </p:sp>
-      <p:sp>
-        <p:nvSpPr>
-          <p:cNvPr id="6" name="Нижний колонтитул 5">
-            <a:extLst>
-              <a:ext uri="{FF2B5EF4-FFF2-40B4-BE49-F238E27FC236}">
-                <a16:creationId xmlns:a16="http://schemas.microsoft.com/office/drawing/2014/main" id="{880957D9-DE44-42CB-A2EE-4535175992F2}"/>
-              </a:ext>
-            </a:extLst>
-          </p:cNvPr>
+            <a:endParaRPr lang="en-US" dirty="0"/>
+          </a:p>
+        </p:txBody>
+      </p:sp>
+      <p:sp>
+        <p:nvSpPr>
+          <p:cNvPr id="6" name="Footer Placeholder 5"/>
           <p:cNvSpPr>
             <a:spLocks noGrp="1"/>
           </p:cNvSpPr>
@@ -1582,19 +1963,13 @@
           <a:bodyPr/>
           <a:lstStyle/>
           <a:p>
-            <a:endParaRPr lang="ru-RU"/>
-          </a:p>
-        </p:txBody>
-      </p:sp>
-      <p:sp>
-        <p:nvSpPr>
-          <p:cNvPr id="7" name="Номер слайда 6">
-            <a:extLst>
-              <a:ext uri="{FF2B5EF4-FFF2-40B4-BE49-F238E27FC236}">
-                <a16:creationId xmlns:a16="http://schemas.microsoft.com/office/drawing/2014/main" id="{64F85450-9D27-47C9-8C6A-7E18568BD88C}"/>
-              </a:ext>
-            </a:extLst>
-          </p:cNvPr>
+            <a:endParaRPr lang="en-US" dirty="0"/>
+          </a:p>
+        </p:txBody>
+      </p:sp>
+      <p:sp>
+        <p:nvSpPr>
+          <p:cNvPr id="7" name="Slide Number Placeholder 6"/>
           <p:cNvSpPr>
             <a:spLocks noGrp="1"/>
           </p:cNvSpPr>
@@ -1607,18 +1982,18 @@
           <a:bodyPr/>
           <a:lstStyle/>
           <a:p>
-            <a:fld id="{D205BE4E-8067-4C51-9B5C-5512A86040A1}" type="slidenum">
-              <a:rPr lang="ru-RU" smtClean="0"/>
+            <a:fld id="{4FAB73BC-B049-4115-A692-8D63A059BFB8}" type="slidenum">
+              <a:rPr lang="en-US" dirty="0"/>
               <a:t>‹#›</a:t>
             </a:fld>
-            <a:endParaRPr lang="ru-RU"/>
+            <a:endParaRPr lang="en-US" dirty="0"/>
           </a:p>
         </p:txBody>
       </p:sp>
     </p:spTree>
     <p:extLst>
       <p:ext uri="{BB962C8B-B14F-4D97-AF65-F5344CB8AC3E}">
-        <p14:creationId xmlns:p14="http://schemas.microsoft.com/office/powerpoint/2010/main" val="1303257838"/>
+        <p14:creationId xmlns:p14="http://schemas.microsoft.com/office/powerpoint/2010/main" val="2131086302"/>
       </p:ext>
     </p:extLst>
   </p:cSld>
@@ -1630,7 +2005,7 @@
 
 <file path=ppt/slideLayouts/slideLayout5.xml><?xml version="1.0" encoding="utf-8"?>
 <p:sldLayout xmlns:a="http://schemas.openxmlformats.org/drawingml/2006/main" xmlns:r="http://schemas.openxmlformats.org/officeDocument/2006/relationships" xmlns:p="http://schemas.openxmlformats.org/presentationml/2006/main" type="twoTxTwoObj" preserve="1">
-  <p:cSld name="Сравнение">
+  <p:cSld name="Comparison">
     <p:spTree>
       <p:nvGrpSpPr>
         <p:cNvPr id="1" name=""/>
@@ -1647,65 +2022,57 @@
       </p:grpSpPr>
       <p:sp>
         <p:nvSpPr>
-          <p:cNvPr id="2" name="Заголовок 1">
-            <a:extLst>
-              <a:ext uri="{FF2B5EF4-FFF2-40B4-BE49-F238E27FC236}">
-                <a16:creationId xmlns:a16="http://schemas.microsoft.com/office/drawing/2014/main" id="{F03247ED-E6E2-4C06-B4FA-92AF9CCD86B0}"/>
-              </a:ext>
-            </a:extLst>
-          </p:cNvPr>
+          <p:cNvPr id="10" name="Title 9"/>
           <p:cNvSpPr>
             <a:spLocks noGrp="1"/>
           </p:cNvSpPr>
           <p:nvPr>
             <p:ph type="title"/>
+          </p:nvPr>
+        </p:nvSpPr>
+        <p:spPr/>
+        <p:txBody>
+          <a:bodyPr/>
+          <a:lstStyle/>
+          <a:p>
+            <a:r>
+              <a:rPr lang="en-US" dirty="0"/>
+              <a:t>Click to edit Master title style</a:t>
+            </a:r>
+          </a:p>
+        </p:txBody>
+      </p:sp>
+      <p:sp>
+        <p:nvSpPr>
+          <p:cNvPr id="3" name="Text Placeholder 2"/>
+          <p:cNvSpPr>
+            <a:spLocks noGrp="1"/>
+          </p:cNvSpPr>
+          <p:nvPr>
+            <p:ph type="body" idx="1"/>
           </p:nvPr>
         </p:nvSpPr>
         <p:spPr>
           <a:xfrm>
-            <a:off x="839788" y="365125"/>
-            <a:ext cx="10515600" cy="1325563"/>
+            <a:off x="1261872" y="1713655"/>
+            <a:ext cx="4480560" cy="731520"/>
           </a:xfrm>
         </p:spPr>
         <p:txBody>
-          <a:bodyPr/>
-          <a:lstStyle/>
-          <a:p>
-            <a:r>
-              <a:rPr lang="ru-RU"/>
-              <a:t>Образец заголовка</a:t>
-            </a:r>
-          </a:p>
-        </p:txBody>
-      </p:sp>
-      <p:sp>
-        <p:nvSpPr>
-          <p:cNvPr id="3" name="Текст 2">
-            <a:extLst>
-              <a:ext uri="{FF2B5EF4-FFF2-40B4-BE49-F238E27FC236}">
-                <a16:creationId xmlns:a16="http://schemas.microsoft.com/office/drawing/2014/main" id="{A2B7BC08-39DA-441B-B218-297058B05612}"/>
-              </a:ext>
-            </a:extLst>
-          </p:cNvPr>
-          <p:cNvSpPr>
-            <a:spLocks noGrp="1"/>
-          </p:cNvSpPr>
-          <p:nvPr>
-            <p:ph type="body" idx="1"/>
-          </p:nvPr>
-        </p:nvSpPr>
-        <p:spPr>
-          <a:xfrm>
-            <a:off x="839788" y="1681163"/>
-            <a:ext cx="5157787" cy="823912"/>
-          </a:xfrm>
-        </p:spPr>
-        <p:txBody>
-          <a:bodyPr anchor="b"/>
+          <a:bodyPr anchor="b">
+            <a:normAutofit/>
+          </a:bodyPr>
           <a:lstStyle>
             <a:lvl1pPr marL="0" indent="0">
-              <a:buNone/>
-              <a:defRPr sz="2400" b="1"/>
+              <a:spcBef>
+                <a:spcPts val="0"/>
+              </a:spcBef>
+              <a:buNone/>
+              <a:defRPr sz="2000" b="0">
+                <a:solidFill>
+                  <a:schemeClr val="tx2"/>
+                </a:solidFill>
+              </a:defRPr>
             </a:lvl1pPr>
             <a:lvl2pPr marL="457200" indent="0">
               <a:buNone/>
@@ -1743,21 +2110,15 @@
           <a:p>
             <a:pPr lvl="0"/>
             <a:r>
-              <a:rPr lang="ru-RU"/>
-              <a:t>Образец текста</a:t>
-            </a:r>
-          </a:p>
-        </p:txBody>
-      </p:sp>
-      <p:sp>
-        <p:nvSpPr>
-          <p:cNvPr id="4" name="Объект 3">
-            <a:extLst>
-              <a:ext uri="{FF2B5EF4-FFF2-40B4-BE49-F238E27FC236}">
-                <a16:creationId xmlns:a16="http://schemas.microsoft.com/office/drawing/2014/main" id="{540C03C0-ECD8-4C92-A8EB-FAFCDF2A9500}"/>
-              </a:ext>
-            </a:extLst>
-          </p:cNvPr>
+              <a:rPr lang="en-US" dirty="0"/>
+              <a:t>Click to edit Master text styles</a:t>
+            </a:r>
+          </a:p>
+        </p:txBody>
+      </p:sp>
+      <p:sp>
+        <p:nvSpPr>
+          <p:cNvPr id="4" name="Content Placeholder 3"/>
           <p:cNvSpPr>
             <a:spLocks noGrp="1"/>
           </p:cNvSpPr>
@@ -1767,59 +2128,81 @@
         </p:nvSpPr>
         <p:spPr>
           <a:xfrm>
-            <a:off x="839788" y="2505075"/>
-            <a:ext cx="5157787" cy="3684588"/>
+            <a:off x="1261872" y="2507550"/>
+            <a:ext cx="4480560" cy="3664650"/>
           </a:xfrm>
         </p:spPr>
         <p:txBody>
           <a:bodyPr/>
-          <a:lstStyle/>
+          <a:lstStyle>
+            <a:lvl1pPr>
+              <a:defRPr sz="1800"/>
+            </a:lvl1pPr>
+            <a:lvl2pPr>
+              <a:defRPr sz="1600"/>
+            </a:lvl2pPr>
+            <a:lvl3pPr>
+              <a:defRPr sz="1400"/>
+            </a:lvl3pPr>
+            <a:lvl4pPr>
+              <a:defRPr sz="1400"/>
+            </a:lvl4pPr>
+            <a:lvl5pPr>
+              <a:defRPr sz="1400"/>
+            </a:lvl5pPr>
+            <a:lvl6pPr>
+              <a:defRPr sz="1400"/>
+            </a:lvl6pPr>
+            <a:lvl7pPr>
+              <a:defRPr sz="1400"/>
+            </a:lvl7pPr>
+            <a:lvl8pPr>
+              <a:defRPr sz="1400"/>
+            </a:lvl8pPr>
+            <a:lvl9pPr>
+              <a:defRPr sz="1400"/>
+            </a:lvl9pPr>
+          </a:lstStyle>
           <a:p>
             <a:pPr lvl="0"/>
             <a:r>
-              <a:rPr lang="ru-RU"/>
-              <a:t>Образец текста</a:t>
+              <a:rPr lang="en-US" dirty="0"/>
+              <a:t>Click to edit Master text styles</a:t>
             </a:r>
           </a:p>
           <a:p>
             <a:pPr lvl="1"/>
             <a:r>
-              <a:rPr lang="ru-RU"/>
-              <a:t>Второй уровень</a:t>
+              <a:rPr lang="en-US" dirty="0"/>
+              <a:t>Second level</a:t>
             </a:r>
           </a:p>
           <a:p>
             <a:pPr lvl="2"/>
             <a:r>
-              <a:rPr lang="ru-RU"/>
-              <a:t>Третий уровень</a:t>
+              <a:rPr lang="en-US" dirty="0"/>
+              <a:t>Third level</a:t>
             </a:r>
           </a:p>
           <a:p>
             <a:pPr lvl="3"/>
             <a:r>
-              <a:rPr lang="ru-RU"/>
-              <a:t>Четвертый уровень</a:t>
+              <a:rPr lang="en-US" dirty="0"/>
+              <a:t>Fourth level</a:t>
             </a:r>
           </a:p>
           <a:p>
             <a:pPr lvl="4"/>
             <a:r>
-              <a:rPr lang="ru-RU"/>
-              <a:t>Пятый уровень</a:t>
-            </a:r>
-          </a:p>
-        </p:txBody>
-      </p:sp>
-      <p:sp>
-        <p:nvSpPr>
-          <p:cNvPr id="5" name="Текст 4">
-            <a:extLst>
-              <a:ext uri="{FF2B5EF4-FFF2-40B4-BE49-F238E27FC236}">
-                <a16:creationId xmlns:a16="http://schemas.microsoft.com/office/drawing/2014/main" id="{398A7C15-D987-4B54-821C-34956B176208}"/>
-              </a:ext>
-            </a:extLst>
-          </p:cNvPr>
+              <a:rPr lang="en-US" dirty="0"/>
+              <a:t>Fifth level</a:t>
+            </a:r>
+          </a:p>
+        </p:txBody>
+      </p:sp>
+      <p:sp>
+        <p:nvSpPr>
+          <p:cNvPr id="5" name="Text Placeholder 4"/>
           <p:cNvSpPr>
             <a:spLocks noGrp="1"/>
           </p:cNvSpPr>
@@ -1829,16 +2212,31 @@
         </p:nvSpPr>
         <p:spPr>
           <a:xfrm>
-            <a:off x="6172200" y="1681163"/>
-            <a:ext cx="5183188" cy="823912"/>
+            <a:off x="6126480" y="1713655"/>
+            <a:ext cx="4480560" cy="731520"/>
           </a:xfrm>
         </p:spPr>
         <p:txBody>
-          <a:bodyPr anchor="b"/>
+          <a:bodyPr anchor="b">
+            <a:normAutofit/>
+          </a:bodyPr>
           <a:lstStyle>
             <a:lvl1pPr marL="0" indent="0">
-              <a:buNone/>
-              <a:defRPr sz="2400" b="1"/>
+              <a:lnSpc>
+                <a:spcPct val="95000"/>
+              </a:lnSpc>
+              <a:spcBef>
+                <a:spcPts val="0"/>
+              </a:spcBef>
+              <a:buNone/>
+              <a:defRPr lang="en-US" sz="2000" b="0" kern="1200" dirty="0">
+                <a:solidFill>
+                  <a:schemeClr val="tx2"/>
+                </a:solidFill>
+                <a:latin typeface="+mn-lt"/>
+                <a:ea typeface="+mn-ea"/>
+                <a:cs typeface="+mn-cs"/>
+              </a:defRPr>
             </a:lvl1pPr>
             <a:lvl2pPr marL="457200" indent="0">
               <a:buNone/>
@@ -1874,23 +2272,26 @@
             </a:lvl9pPr>
           </a:lstStyle>
           <a:p>
-            <a:pPr lvl="0"/>
-            <a:r>
-              <a:rPr lang="ru-RU"/>
-              <a:t>Образец текста</a:t>
-            </a:r>
-          </a:p>
-        </p:txBody>
-      </p:sp>
-      <p:sp>
-        <p:nvSpPr>
-          <p:cNvPr id="6" name="Объект 5">
-            <a:extLst>
-              <a:ext uri="{FF2B5EF4-FFF2-40B4-BE49-F238E27FC236}">
-                <a16:creationId xmlns:a16="http://schemas.microsoft.com/office/drawing/2014/main" id="{A10FAEB3-3A54-4645-A094-C96F8E5256C7}"/>
-              </a:ext>
-            </a:extLst>
-          </p:cNvPr>
+            <a:pPr marL="0" lvl="0" indent="0" algn="l" defTabSz="914400" rtl="0" eaLnBrk="1" latinLnBrk="0" hangingPunct="1">
+              <a:lnSpc>
+                <a:spcPct val="90000"/>
+              </a:lnSpc>
+              <a:spcBef>
+                <a:spcPts val="2000"/>
+              </a:spcBef>
+              <a:buFontTx/>
+              <a:buNone/>
+            </a:pPr>
+            <a:r>
+              <a:rPr lang="en-US" dirty="0"/>
+              <a:t>Click to edit Master text styles</a:t>
+            </a:r>
+          </a:p>
+        </p:txBody>
+      </p:sp>
+      <p:sp>
+        <p:nvSpPr>
+          <p:cNvPr id="6" name="Content Placeholder 5"/>
           <p:cNvSpPr>
             <a:spLocks noGrp="1"/>
           </p:cNvSpPr>
@@ -1900,59 +2301,81 @@
         </p:nvSpPr>
         <p:spPr>
           <a:xfrm>
-            <a:off x="6172200" y="2505075"/>
-            <a:ext cx="5183188" cy="3684588"/>
+            <a:off x="6126480" y="2507550"/>
+            <a:ext cx="4480560" cy="3664650"/>
           </a:xfrm>
         </p:spPr>
         <p:txBody>
           <a:bodyPr/>
-          <a:lstStyle/>
+          <a:lstStyle>
+            <a:lvl1pPr>
+              <a:defRPr sz="1800"/>
+            </a:lvl1pPr>
+            <a:lvl2pPr>
+              <a:defRPr sz="1600"/>
+            </a:lvl2pPr>
+            <a:lvl3pPr>
+              <a:defRPr sz="1400"/>
+            </a:lvl3pPr>
+            <a:lvl4pPr>
+              <a:defRPr sz="1400"/>
+            </a:lvl4pPr>
+            <a:lvl5pPr>
+              <a:defRPr sz="1400"/>
+            </a:lvl5pPr>
+            <a:lvl6pPr>
+              <a:defRPr sz="1400"/>
+            </a:lvl6pPr>
+            <a:lvl7pPr>
+              <a:defRPr sz="1400"/>
+            </a:lvl7pPr>
+            <a:lvl8pPr>
+              <a:defRPr sz="1400"/>
+            </a:lvl8pPr>
+            <a:lvl9pPr>
+              <a:defRPr sz="1400"/>
+            </a:lvl9pPr>
+          </a:lstStyle>
           <a:p>
             <a:pPr lvl="0"/>
             <a:r>
-              <a:rPr lang="ru-RU"/>
-              <a:t>Образец текста</a:t>
+              <a:rPr lang="en-US" dirty="0"/>
+              <a:t>Click to edit Master text styles</a:t>
             </a:r>
           </a:p>
           <a:p>
             <a:pPr lvl="1"/>
             <a:r>
-              <a:rPr lang="ru-RU"/>
-              <a:t>Второй уровень</a:t>
+              <a:rPr lang="en-US" dirty="0"/>
+              <a:t>Second level</a:t>
             </a:r>
           </a:p>
           <a:p>
             <a:pPr lvl="2"/>
             <a:r>
-              <a:rPr lang="ru-RU"/>
-              <a:t>Третий уровень</a:t>
+              <a:rPr lang="en-US" dirty="0"/>
+              <a:t>Third level</a:t>
             </a:r>
           </a:p>
           <a:p>
             <a:pPr lvl="3"/>
             <a:r>
-              <a:rPr lang="ru-RU"/>
-              <a:t>Четвертый уровень</a:t>
+              <a:rPr lang="en-US" dirty="0"/>
+              <a:t>Fourth level</a:t>
             </a:r>
           </a:p>
           <a:p>
             <a:pPr lvl="4"/>
             <a:r>
-              <a:rPr lang="ru-RU"/>
-              <a:t>Пятый уровень</a:t>
-            </a:r>
-          </a:p>
-        </p:txBody>
-      </p:sp>
-      <p:sp>
-        <p:nvSpPr>
-          <p:cNvPr id="7" name="Дата 6">
-            <a:extLst>
-              <a:ext uri="{FF2B5EF4-FFF2-40B4-BE49-F238E27FC236}">
-                <a16:creationId xmlns:a16="http://schemas.microsoft.com/office/drawing/2014/main" id="{14847DE4-73B0-4092-A08A-31922D6BDC4E}"/>
-              </a:ext>
-            </a:extLst>
-          </p:cNvPr>
+              <a:rPr lang="en-US" dirty="0"/>
+              <a:t>Fifth level</a:t>
+            </a:r>
+          </a:p>
+        </p:txBody>
+      </p:sp>
+      <p:sp>
+        <p:nvSpPr>
+          <p:cNvPr id="7" name="Date Placeholder 6"/>
           <p:cNvSpPr>
             <a:spLocks noGrp="1"/>
           </p:cNvSpPr>
@@ -1965,23 +2388,17 @@
           <a:bodyPr/>
           <a:lstStyle/>
           <a:p>
-            <a:fld id="{85ECA5FE-EB48-470D-90C5-C3424B4B4AAE}" type="datetimeFigureOut">
-              <a:rPr lang="ru-RU" smtClean="0"/>
-              <a:t>25.04.2021</a:t>
+            <a:fld id="{1BA7A723-92A7-435B-B681-F25B092FEFEB}" type="datetimeFigureOut">
+              <a:rPr lang="en-US" dirty="0"/>
+              <a:t>4/25/2021</a:t>
             </a:fld>
-            <a:endParaRPr lang="ru-RU"/>
-          </a:p>
-        </p:txBody>
-      </p:sp>
-      <p:sp>
-        <p:nvSpPr>
-          <p:cNvPr id="8" name="Нижний колонтитул 7">
-            <a:extLst>
-              <a:ext uri="{FF2B5EF4-FFF2-40B4-BE49-F238E27FC236}">
-                <a16:creationId xmlns:a16="http://schemas.microsoft.com/office/drawing/2014/main" id="{F0920B8C-4B5B-4020-807F-1D861D1526D1}"/>
-              </a:ext>
-            </a:extLst>
-          </p:cNvPr>
+            <a:endParaRPr lang="en-US" dirty="0"/>
+          </a:p>
+        </p:txBody>
+      </p:sp>
+      <p:sp>
+        <p:nvSpPr>
+          <p:cNvPr id="8" name="Footer Placeholder 7"/>
           <p:cNvSpPr>
             <a:spLocks noGrp="1"/>
           </p:cNvSpPr>
@@ -1994,19 +2411,13 @@
           <a:bodyPr/>
           <a:lstStyle/>
           <a:p>
-            <a:endParaRPr lang="ru-RU"/>
-          </a:p>
-        </p:txBody>
-      </p:sp>
-      <p:sp>
-        <p:nvSpPr>
-          <p:cNvPr id="9" name="Номер слайда 8">
-            <a:extLst>
-              <a:ext uri="{FF2B5EF4-FFF2-40B4-BE49-F238E27FC236}">
-                <a16:creationId xmlns:a16="http://schemas.microsoft.com/office/drawing/2014/main" id="{CB0C759A-FDBD-4347-B400-869ADB104B7D}"/>
-              </a:ext>
-            </a:extLst>
-          </p:cNvPr>
+            <a:endParaRPr lang="en-US" dirty="0"/>
+          </a:p>
+        </p:txBody>
+      </p:sp>
+      <p:sp>
+        <p:nvSpPr>
+          <p:cNvPr id="9" name="Slide Number Placeholder 8"/>
           <p:cNvSpPr>
             <a:spLocks noGrp="1"/>
           </p:cNvSpPr>
@@ -2019,18 +2430,18 @@
           <a:bodyPr/>
           <a:lstStyle/>
           <a:p>
-            <a:fld id="{D205BE4E-8067-4C51-9B5C-5512A86040A1}" type="slidenum">
-              <a:rPr lang="ru-RU" smtClean="0"/>
+            <a:fld id="{4FAB73BC-B049-4115-A692-8D63A059BFB8}" type="slidenum">
+              <a:rPr lang="en-US" dirty="0"/>
               <a:t>‹#›</a:t>
             </a:fld>
-            <a:endParaRPr lang="ru-RU"/>
+            <a:endParaRPr lang="en-US" dirty="0"/>
           </a:p>
         </p:txBody>
       </p:sp>
     </p:spTree>
     <p:extLst>
       <p:ext uri="{BB962C8B-B14F-4D97-AF65-F5344CB8AC3E}">
-        <p14:creationId xmlns:p14="http://schemas.microsoft.com/office/powerpoint/2010/main" val="1096700611"/>
+        <p14:creationId xmlns:p14="http://schemas.microsoft.com/office/powerpoint/2010/main" val="3822759131"/>
       </p:ext>
     </p:extLst>
   </p:cSld>
@@ -2042,7 +2453,7 @@
 
 <file path=ppt/slideLayouts/slideLayout6.xml><?xml version="1.0" encoding="utf-8"?>
 <p:sldLayout xmlns:a="http://schemas.openxmlformats.org/drawingml/2006/main" xmlns:r="http://schemas.openxmlformats.org/officeDocument/2006/relationships" xmlns:p="http://schemas.openxmlformats.org/presentationml/2006/main" type="titleOnly" preserve="1">
-  <p:cSld name="Только заголовок">
+  <p:cSld name="Title Only">
     <p:spTree>
       <p:nvGrpSpPr>
         <p:cNvPr id="1" name=""/>
@@ -2059,13 +2470,7 @@
       </p:grpSpPr>
       <p:sp>
         <p:nvSpPr>
-          <p:cNvPr id="2" name="Заголовок 1">
-            <a:extLst>
-              <a:ext uri="{FF2B5EF4-FFF2-40B4-BE49-F238E27FC236}">
-                <a16:creationId xmlns:a16="http://schemas.microsoft.com/office/drawing/2014/main" id="{8E70CE73-D51F-45F8-A603-D3ED252F2A91}"/>
-              </a:ext>
-            </a:extLst>
-          </p:cNvPr>
+          <p:cNvPr id="6" name="Title 5"/>
           <p:cNvSpPr>
             <a:spLocks noGrp="1"/>
           </p:cNvSpPr>
@@ -2079,21 +2484,15 @@
           <a:lstStyle/>
           <a:p>
             <a:r>
-              <a:rPr lang="ru-RU"/>
-              <a:t>Образец заголовка</a:t>
-            </a:r>
-          </a:p>
-        </p:txBody>
-      </p:sp>
-      <p:sp>
-        <p:nvSpPr>
-          <p:cNvPr id="3" name="Дата 2">
-            <a:extLst>
-              <a:ext uri="{FF2B5EF4-FFF2-40B4-BE49-F238E27FC236}">
-                <a16:creationId xmlns:a16="http://schemas.microsoft.com/office/drawing/2014/main" id="{9DE23F42-9751-410A-9DB3-E0A811EDDEE4}"/>
-              </a:ext>
-            </a:extLst>
-          </p:cNvPr>
+              <a:rPr lang="en-US" dirty="0"/>
+              <a:t>Click to edit Master title style</a:t>
+            </a:r>
+          </a:p>
+        </p:txBody>
+      </p:sp>
+      <p:sp>
+        <p:nvSpPr>
+          <p:cNvPr id="3" name="Date Placeholder 2"/>
           <p:cNvSpPr>
             <a:spLocks noGrp="1"/>
           </p:cNvSpPr>
@@ -2106,23 +2505,17 @@
           <a:bodyPr/>
           <a:lstStyle/>
           <a:p>
-            <a:fld id="{85ECA5FE-EB48-470D-90C5-C3424B4B4AAE}" type="datetimeFigureOut">
-              <a:rPr lang="ru-RU" smtClean="0"/>
-              <a:t>25.04.2021</a:t>
+            <a:fld id="{4F170639-886C-4FCF-9EAB-ABB5DA3F3F4A}" type="datetimeFigureOut">
+              <a:rPr lang="en-US" dirty="0"/>
+              <a:t>4/25/2021</a:t>
             </a:fld>
-            <a:endParaRPr lang="ru-RU"/>
-          </a:p>
-        </p:txBody>
-      </p:sp>
-      <p:sp>
-        <p:nvSpPr>
-          <p:cNvPr id="4" name="Нижний колонтитул 3">
-            <a:extLst>
-              <a:ext uri="{FF2B5EF4-FFF2-40B4-BE49-F238E27FC236}">
-                <a16:creationId xmlns:a16="http://schemas.microsoft.com/office/drawing/2014/main" id="{D4B5C157-56E8-4B05-A14B-BD8534006DF9}"/>
-              </a:ext>
-            </a:extLst>
-          </p:cNvPr>
+            <a:endParaRPr lang="en-US" dirty="0"/>
+          </a:p>
+        </p:txBody>
+      </p:sp>
+      <p:sp>
+        <p:nvSpPr>
+          <p:cNvPr id="4" name="Footer Placeholder 3"/>
           <p:cNvSpPr>
             <a:spLocks noGrp="1"/>
           </p:cNvSpPr>
@@ -2135,19 +2528,13 @@
           <a:bodyPr/>
           <a:lstStyle/>
           <a:p>
-            <a:endParaRPr lang="ru-RU"/>
-          </a:p>
-        </p:txBody>
-      </p:sp>
-      <p:sp>
-        <p:nvSpPr>
-          <p:cNvPr id="5" name="Номер слайда 4">
-            <a:extLst>
-              <a:ext uri="{FF2B5EF4-FFF2-40B4-BE49-F238E27FC236}">
-                <a16:creationId xmlns:a16="http://schemas.microsoft.com/office/drawing/2014/main" id="{33EBA4F3-5E0F-426E-81CD-18D770DBC308}"/>
-              </a:ext>
-            </a:extLst>
-          </p:cNvPr>
+            <a:endParaRPr lang="en-US" dirty="0"/>
+          </a:p>
+        </p:txBody>
+      </p:sp>
+      <p:sp>
+        <p:nvSpPr>
+          <p:cNvPr id="5" name="Slide Number Placeholder 4"/>
           <p:cNvSpPr>
             <a:spLocks noGrp="1"/>
           </p:cNvSpPr>
@@ -2160,18 +2547,18 @@
           <a:bodyPr/>
           <a:lstStyle/>
           <a:p>
-            <a:fld id="{D205BE4E-8067-4C51-9B5C-5512A86040A1}" type="slidenum">
-              <a:rPr lang="ru-RU" smtClean="0"/>
+            <a:fld id="{4FAB73BC-B049-4115-A692-8D63A059BFB8}" type="slidenum">
+              <a:rPr lang="en-US" dirty="0"/>
               <a:t>‹#›</a:t>
             </a:fld>
-            <a:endParaRPr lang="ru-RU"/>
+            <a:endParaRPr lang="en-US" dirty="0"/>
           </a:p>
         </p:txBody>
       </p:sp>
     </p:spTree>
     <p:extLst>
       <p:ext uri="{BB962C8B-B14F-4D97-AF65-F5344CB8AC3E}">
-        <p14:creationId xmlns:p14="http://schemas.microsoft.com/office/powerpoint/2010/main" val="3610177621"/>
+        <p14:creationId xmlns:p14="http://schemas.microsoft.com/office/powerpoint/2010/main" val="1002139143"/>
       </p:ext>
     </p:extLst>
   </p:cSld>
@@ -2183,7 +2570,7 @@
 
 <file path=ppt/slideLayouts/slideLayout7.xml><?xml version="1.0" encoding="utf-8"?>
 <p:sldLayout xmlns:a="http://schemas.openxmlformats.org/drawingml/2006/main" xmlns:r="http://schemas.openxmlformats.org/officeDocument/2006/relationships" xmlns:p="http://schemas.openxmlformats.org/presentationml/2006/main" type="blank" preserve="1">
-  <p:cSld name="Пустой слайд">
+  <p:cSld name="Blank">
     <p:spTree>
       <p:nvGrpSpPr>
         <p:cNvPr id="1" name=""/>
@@ -2200,13 +2587,7 @@
       </p:grpSpPr>
       <p:sp>
         <p:nvSpPr>
-          <p:cNvPr id="2" name="Дата 1">
-            <a:extLst>
-              <a:ext uri="{FF2B5EF4-FFF2-40B4-BE49-F238E27FC236}">
-                <a16:creationId xmlns:a16="http://schemas.microsoft.com/office/drawing/2014/main" id="{39C9B543-57A3-4C22-91EA-BEAC7E37092C}"/>
-              </a:ext>
-            </a:extLst>
-          </p:cNvPr>
+          <p:cNvPr id="2" name="Date Placeholder 1"/>
           <p:cNvSpPr>
             <a:spLocks noGrp="1"/>
           </p:cNvSpPr>
@@ -2219,23 +2600,17 @@
           <a:bodyPr/>
           <a:lstStyle/>
           <a:p>
-            <a:fld id="{85ECA5FE-EB48-470D-90C5-C3424B4B4AAE}" type="datetimeFigureOut">
-              <a:rPr lang="ru-RU" smtClean="0"/>
-              <a:t>25.04.2021</a:t>
+            <a:fld id="{22230651-31F4-45D2-98AE-A2108F41BC07}" type="datetimeFigureOut">
+              <a:rPr lang="en-US" dirty="0"/>
+              <a:t>4/25/2021</a:t>
             </a:fld>
-            <a:endParaRPr lang="ru-RU"/>
-          </a:p>
-        </p:txBody>
-      </p:sp>
-      <p:sp>
-        <p:nvSpPr>
-          <p:cNvPr id="3" name="Нижний колонтитул 2">
-            <a:extLst>
-              <a:ext uri="{FF2B5EF4-FFF2-40B4-BE49-F238E27FC236}">
-                <a16:creationId xmlns:a16="http://schemas.microsoft.com/office/drawing/2014/main" id="{E8456D5A-6128-4C27-BE37-BB865A1A28AC}"/>
-              </a:ext>
-            </a:extLst>
-          </p:cNvPr>
+            <a:endParaRPr lang="en-US" dirty="0"/>
+          </a:p>
+        </p:txBody>
+      </p:sp>
+      <p:sp>
+        <p:nvSpPr>
+          <p:cNvPr id="3" name="Footer Placeholder 2"/>
           <p:cNvSpPr>
             <a:spLocks noGrp="1"/>
           </p:cNvSpPr>
@@ -2248,19 +2623,13 @@
           <a:bodyPr/>
           <a:lstStyle/>
           <a:p>
-            <a:endParaRPr lang="ru-RU"/>
-          </a:p>
-        </p:txBody>
-      </p:sp>
-      <p:sp>
-        <p:nvSpPr>
-          <p:cNvPr id="4" name="Номер слайда 3">
-            <a:extLst>
-              <a:ext uri="{FF2B5EF4-FFF2-40B4-BE49-F238E27FC236}">
-                <a16:creationId xmlns:a16="http://schemas.microsoft.com/office/drawing/2014/main" id="{DCDA275A-6006-4DC1-A91E-516BF7E7B583}"/>
-              </a:ext>
-            </a:extLst>
-          </p:cNvPr>
+            <a:endParaRPr lang="en-US" dirty="0"/>
+          </a:p>
+        </p:txBody>
+      </p:sp>
+      <p:sp>
+        <p:nvSpPr>
+          <p:cNvPr id="4" name="Slide Number Placeholder 3"/>
           <p:cNvSpPr>
             <a:spLocks noGrp="1"/>
           </p:cNvSpPr>
@@ -2273,18 +2642,18 @@
           <a:bodyPr/>
           <a:lstStyle/>
           <a:p>
-            <a:fld id="{D205BE4E-8067-4C51-9B5C-5512A86040A1}" type="slidenum">
-              <a:rPr lang="ru-RU" smtClean="0"/>
+            <a:fld id="{4FAB73BC-B049-4115-A692-8D63A059BFB8}" type="slidenum">
+              <a:rPr lang="en-US" dirty="0"/>
               <a:t>‹#›</a:t>
             </a:fld>
-            <a:endParaRPr lang="ru-RU"/>
+            <a:endParaRPr lang="en-US" dirty="0"/>
           </a:p>
         </p:txBody>
       </p:sp>
     </p:spTree>
     <p:extLst>
       <p:ext uri="{BB962C8B-B14F-4D97-AF65-F5344CB8AC3E}">
-        <p14:creationId xmlns:p14="http://schemas.microsoft.com/office/powerpoint/2010/main" val="1633449245"/>
+        <p14:creationId xmlns:p14="http://schemas.microsoft.com/office/powerpoint/2010/main" val="1313269760"/>
       </p:ext>
     </p:extLst>
   </p:cSld>
@@ -2296,7 +2665,7 @@
 
 <file path=ppt/slideLayouts/slideLayout8.xml><?xml version="1.0" encoding="utf-8"?>
 <p:sldLayout xmlns:a="http://schemas.openxmlformats.org/drawingml/2006/main" xmlns:r="http://schemas.openxmlformats.org/officeDocument/2006/relationships" xmlns:p="http://schemas.openxmlformats.org/presentationml/2006/main" type="objTx" preserve="1">
-  <p:cSld name="Объект с подписью">
+  <p:cSld name="Content with Caption">
     <p:spTree>
       <p:nvGrpSpPr>
         <p:cNvPr id="1" name=""/>
@@ -2313,13 +2682,7 @@
       </p:grpSpPr>
       <p:sp>
         <p:nvSpPr>
-          <p:cNvPr id="2" name="Заголовок 1">
-            <a:extLst>
-              <a:ext uri="{FF2B5EF4-FFF2-40B4-BE49-F238E27FC236}">
-                <a16:creationId xmlns:a16="http://schemas.microsoft.com/office/drawing/2014/main" id="{89016EB5-D846-4DCF-99E3-D3BE6FEBF5CF}"/>
-              </a:ext>
-            </a:extLst>
-          </p:cNvPr>
+          <p:cNvPr id="2" name="Title 1"/>
           <p:cNvSpPr>
             <a:spLocks noGrp="1"/>
           </p:cNvSpPr>
@@ -2329,34 +2692,30 @@
         </p:nvSpPr>
         <p:spPr>
           <a:xfrm>
-            <a:off x="839788" y="457200"/>
-            <a:ext cx="3932237" cy="1600200"/>
+            <a:off x="841248" y="457200"/>
+            <a:ext cx="3200400" cy="1600197"/>
           </a:xfrm>
         </p:spPr>
         <p:txBody>
-          <a:bodyPr anchor="b"/>
+          <a:bodyPr anchor="b">
+            <a:normAutofit/>
+          </a:bodyPr>
           <a:lstStyle>
             <a:lvl1pPr>
-              <a:defRPr sz="3200"/>
+              <a:defRPr sz="3200" b="0" baseline="0"/>
             </a:lvl1pPr>
           </a:lstStyle>
           <a:p>
             <a:r>
-              <a:rPr lang="ru-RU"/>
-              <a:t>Образец заголовка</a:t>
-            </a:r>
-          </a:p>
-        </p:txBody>
-      </p:sp>
-      <p:sp>
-        <p:nvSpPr>
-          <p:cNvPr id="3" name="Объект 2">
-            <a:extLst>
-              <a:ext uri="{FF2B5EF4-FFF2-40B4-BE49-F238E27FC236}">
-                <a16:creationId xmlns:a16="http://schemas.microsoft.com/office/drawing/2014/main" id="{95591896-DFE1-45A2-A91E-D77CCCA1BD6C}"/>
-              </a:ext>
-            </a:extLst>
-          </p:cNvPr>
+              <a:rPr lang="en-US" dirty="0"/>
+              <a:t>Click to edit Master title style</a:t>
+            </a:r>
+          </a:p>
+        </p:txBody>
+      </p:sp>
+      <p:sp>
+        <p:nvSpPr>
+          <p:cNvPr id="3" name="Content Placeholder 2"/>
           <p:cNvSpPr>
             <a:spLocks noGrp="1"/>
           </p:cNvSpPr>
@@ -2366,87 +2725,81 @@
         </p:nvSpPr>
         <p:spPr>
           <a:xfrm>
-            <a:off x="5183188" y="987425"/>
-            <a:ext cx="6172200" cy="4873625"/>
+            <a:off x="4504267" y="685800"/>
+            <a:ext cx="6079066" cy="5486400"/>
           </a:xfrm>
         </p:spPr>
         <p:txBody>
           <a:bodyPr/>
           <a:lstStyle>
             <a:lvl1pPr>
-              <a:defRPr sz="3200"/>
+              <a:defRPr sz="2000"/>
             </a:lvl1pPr>
             <a:lvl2pPr>
-              <a:defRPr sz="2800"/>
+              <a:defRPr sz="1800"/>
             </a:lvl2pPr>
             <a:lvl3pPr>
-              <a:defRPr sz="2400"/>
+              <a:defRPr sz="1600"/>
             </a:lvl3pPr>
             <a:lvl4pPr>
-              <a:defRPr sz="2000"/>
+              <a:defRPr sz="1400"/>
             </a:lvl4pPr>
             <a:lvl5pPr>
-              <a:defRPr sz="2000"/>
+              <a:defRPr sz="1400"/>
             </a:lvl5pPr>
             <a:lvl6pPr>
-              <a:defRPr sz="2000"/>
+              <a:defRPr sz="1400"/>
             </a:lvl6pPr>
             <a:lvl7pPr>
-              <a:defRPr sz="2000"/>
+              <a:defRPr sz="1400"/>
             </a:lvl7pPr>
             <a:lvl8pPr>
-              <a:defRPr sz="2000"/>
+              <a:defRPr sz="1400"/>
             </a:lvl8pPr>
             <a:lvl9pPr>
-              <a:defRPr sz="2000"/>
+              <a:defRPr sz="1400"/>
             </a:lvl9pPr>
           </a:lstStyle>
           <a:p>
             <a:pPr lvl="0"/>
             <a:r>
-              <a:rPr lang="ru-RU"/>
-              <a:t>Образец текста</a:t>
+              <a:rPr lang="en-US" dirty="0"/>
+              <a:t>Click to edit Master text styles</a:t>
             </a:r>
           </a:p>
           <a:p>
             <a:pPr lvl="1"/>
             <a:r>
-              <a:rPr lang="ru-RU"/>
-              <a:t>Второй уровень</a:t>
+              <a:rPr lang="en-US" dirty="0"/>
+              <a:t>Second level</a:t>
             </a:r>
           </a:p>
           <a:p>
             <a:pPr lvl="2"/>
             <a:r>
-              <a:rPr lang="ru-RU"/>
-              <a:t>Третий уровень</a:t>
+              <a:rPr lang="en-US" dirty="0"/>
+              <a:t>Third level</a:t>
             </a:r>
           </a:p>
           <a:p>
             <a:pPr lvl="3"/>
             <a:r>
-              <a:rPr lang="ru-RU"/>
-              <a:t>Четвертый уровень</a:t>
+              <a:rPr lang="en-US" dirty="0"/>
+              <a:t>Fourth level</a:t>
             </a:r>
           </a:p>
           <a:p>
             <a:pPr lvl="4"/>
             <a:r>
-              <a:rPr lang="ru-RU"/>
-              <a:t>Пятый уровень</a:t>
-            </a:r>
-          </a:p>
-        </p:txBody>
-      </p:sp>
-      <p:sp>
-        <p:nvSpPr>
-          <p:cNvPr id="4" name="Текст 3">
-            <a:extLst>
-              <a:ext uri="{FF2B5EF4-FFF2-40B4-BE49-F238E27FC236}">
-                <a16:creationId xmlns:a16="http://schemas.microsoft.com/office/drawing/2014/main" id="{3EB840A5-00C8-4237-9A24-10FEC33B3A2E}"/>
-              </a:ext>
-            </a:extLst>
-          </p:cNvPr>
+              <a:rPr lang="en-US" dirty="0"/>
+              <a:t>Fifth level</a:t>
+            </a:r>
+          </a:p>
+        </p:txBody>
+      </p:sp>
+      <p:sp>
+        <p:nvSpPr>
+          <p:cNvPr id="4" name="Text Placeholder 3"/>
           <p:cNvSpPr>
             <a:spLocks noGrp="1"/>
           </p:cNvSpPr>
@@ -2456,68 +2809,70 @@
         </p:nvSpPr>
         <p:spPr>
           <a:xfrm>
-            <a:off x="839788" y="2057400"/>
-            <a:ext cx="3932237" cy="3811588"/>
+            <a:off x="841248" y="2099734"/>
+            <a:ext cx="3200400" cy="3810001"/>
           </a:xfrm>
         </p:spPr>
         <p:txBody>
-          <a:bodyPr/>
+          <a:bodyPr>
+            <a:normAutofit/>
+          </a:bodyPr>
           <a:lstStyle>
             <a:lvl1pPr marL="0" indent="0">
-              <a:buNone/>
-              <a:defRPr sz="1600"/>
+              <a:lnSpc>
+                <a:spcPct val="114000"/>
+              </a:lnSpc>
+              <a:spcBef>
+                <a:spcPts val="800"/>
+              </a:spcBef>
+              <a:buNone/>
+              <a:defRPr sz="1300"/>
             </a:lvl1pPr>
             <a:lvl2pPr marL="457200" indent="0">
               <a:buNone/>
-              <a:defRPr sz="1400"/>
+              <a:defRPr sz="1200"/>
             </a:lvl2pPr>
             <a:lvl3pPr marL="914400" indent="0">
               <a:buNone/>
-              <a:defRPr sz="1200"/>
+              <a:defRPr sz="1000"/>
             </a:lvl3pPr>
             <a:lvl4pPr marL="1371600" indent="0">
               <a:buNone/>
-              <a:defRPr sz="1000"/>
+              <a:defRPr sz="900"/>
             </a:lvl4pPr>
             <a:lvl5pPr marL="1828800" indent="0">
               <a:buNone/>
-              <a:defRPr sz="1000"/>
+              <a:defRPr sz="900"/>
             </a:lvl5pPr>
             <a:lvl6pPr marL="2286000" indent="0">
               <a:buNone/>
-              <a:defRPr sz="1000"/>
+              <a:defRPr sz="900"/>
             </a:lvl6pPr>
             <a:lvl7pPr marL="2743200" indent="0">
               <a:buNone/>
-              <a:defRPr sz="1000"/>
+              <a:defRPr sz="900"/>
             </a:lvl7pPr>
             <a:lvl8pPr marL="3200400" indent="0">
               <a:buNone/>
-              <a:defRPr sz="1000"/>
+              <a:defRPr sz="900"/>
             </a:lvl8pPr>
             <a:lvl9pPr marL="3657600" indent="0">
               <a:buNone/>
-              <a:defRPr sz="1000"/>
+              <a:defRPr sz="900"/>
             </a:lvl9pPr>
           </a:lstStyle>
           <a:p>
             <a:pPr lvl="0"/>
             <a:r>
-              <a:rPr lang="ru-RU"/>
-              <a:t>Образец текста</a:t>
-            </a:r>
-          </a:p>
-        </p:txBody>
-      </p:sp>
-      <p:sp>
-        <p:nvSpPr>
-          <p:cNvPr id="5" name="Дата 4">
-            <a:extLst>
-              <a:ext uri="{FF2B5EF4-FFF2-40B4-BE49-F238E27FC236}">
-                <a16:creationId xmlns:a16="http://schemas.microsoft.com/office/drawing/2014/main" id="{E99345AA-0E89-48D5-9A4F-6B1189D7B1C3}"/>
-              </a:ext>
-            </a:extLst>
-          </p:cNvPr>
+              <a:rPr lang="en-US" dirty="0"/>
+              <a:t>Click to edit Master text styles</a:t>
+            </a:r>
+          </a:p>
+        </p:txBody>
+      </p:sp>
+      <p:sp>
+        <p:nvSpPr>
+          <p:cNvPr id="5" name="Date Placeholder 4"/>
           <p:cNvSpPr>
             <a:spLocks noGrp="1"/>
           </p:cNvSpPr>
@@ -2530,23 +2885,17 @@
           <a:bodyPr/>
           <a:lstStyle/>
           <a:p>
-            <a:fld id="{85ECA5FE-EB48-470D-90C5-C3424B4B4AAE}" type="datetimeFigureOut">
-              <a:rPr lang="ru-RU" smtClean="0"/>
-              <a:t>25.04.2021</a:t>
+            <a:fld id="{6F53789A-C914-4DB1-8815-80B5EC7335C5}" type="datetimeFigureOut">
+              <a:rPr lang="en-US" dirty="0"/>
+              <a:t>4/25/2021</a:t>
             </a:fld>
-            <a:endParaRPr lang="ru-RU"/>
-          </a:p>
-        </p:txBody>
-      </p:sp>
-      <p:sp>
-        <p:nvSpPr>
-          <p:cNvPr id="6" name="Нижний колонтитул 5">
-            <a:extLst>
-              <a:ext uri="{FF2B5EF4-FFF2-40B4-BE49-F238E27FC236}">
-                <a16:creationId xmlns:a16="http://schemas.microsoft.com/office/drawing/2014/main" id="{37306275-9D94-4A07-B543-768C13C93A55}"/>
-              </a:ext>
-            </a:extLst>
-          </p:cNvPr>
+            <a:endParaRPr lang="en-US" dirty="0"/>
+          </a:p>
+        </p:txBody>
+      </p:sp>
+      <p:sp>
+        <p:nvSpPr>
+          <p:cNvPr id="6" name="Footer Placeholder 5"/>
           <p:cNvSpPr>
             <a:spLocks noGrp="1"/>
           </p:cNvSpPr>
@@ -2559,19 +2908,13 @@
           <a:bodyPr/>
           <a:lstStyle/>
           <a:p>
-            <a:endParaRPr lang="ru-RU"/>
-          </a:p>
-        </p:txBody>
-      </p:sp>
-      <p:sp>
-        <p:nvSpPr>
-          <p:cNvPr id="7" name="Номер слайда 6">
-            <a:extLst>
-              <a:ext uri="{FF2B5EF4-FFF2-40B4-BE49-F238E27FC236}">
-                <a16:creationId xmlns:a16="http://schemas.microsoft.com/office/drawing/2014/main" id="{D131497A-9CAA-491A-A168-7A6F210BEF66}"/>
-              </a:ext>
-            </a:extLst>
-          </p:cNvPr>
+            <a:endParaRPr lang="en-US" dirty="0"/>
+          </a:p>
+        </p:txBody>
+      </p:sp>
+      <p:sp>
+        <p:nvSpPr>
+          <p:cNvPr id="7" name="Slide Number Placeholder 6"/>
           <p:cNvSpPr>
             <a:spLocks noGrp="1"/>
           </p:cNvSpPr>
@@ -2584,18 +2927,18 @@
           <a:bodyPr/>
           <a:lstStyle/>
           <a:p>
-            <a:fld id="{D205BE4E-8067-4C51-9B5C-5512A86040A1}" type="slidenum">
-              <a:rPr lang="ru-RU" smtClean="0"/>
+            <a:fld id="{4FAB73BC-B049-4115-A692-8D63A059BFB8}" type="slidenum">
+              <a:rPr lang="en-US" dirty="0"/>
               <a:t>‹#›</a:t>
             </a:fld>
-            <a:endParaRPr lang="ru-RU"/>
+            <a:endParaRPr lang="en-US" dirty="0"/>
           </a:p>
         </p:txBody>
       </p:sp>
     </p:spTree>
     <p:extLst>
       <p:ext uri="{BB962C8B-B14F-4D97-AF65-F5344CB8AC3E}">
-        <p14:creationId xmlns:p14="http://schemas.microsoft.com/office/powerpoint/2010/main" val="3944807260"/>
+        <p14:creationId xmlns:p14="http://schemas.microsoft.com/office/powerpoint/2010/main" val="1370155405"/>
       </p:ext>
     </p:extLst>
   </p:cSld>
@@ -2607,7 +2950,7 @@
 
 <file path=ppt/slideLayouts/slideLayout9.xml><?xml version="1.0" encoding="utf-8"?>
 <p:sldLayout xmlns:a="http://schemas.openxmlformats.org/drawingml/2006/main" xmlns:r="http://schemas.openxmlformats.org/officeDocument/2006/relationships" xmlns:p="http://schemas.openxmlformats.org/presentationml/2006/main" type="picTx" preserve="1">
-  <p:cSld name="Рисунок с подписью">
+  <p:cSld name="Picture with Caption">
     <p:spTree>
       <p:nvGrpSpPr>
         <p:cNvPr id="1" name=""/>
@@ -2624,52 +2967,84 @@
       </p:grpSpPr>
       <p:sp>
         <p:nvSpPr>
-          <p:cNvPr id="2" name="Заголовок 1">
-            <a:extLst>
-              <a:ext uri="{FF2B5EF4-FFF2-40B4-BE49-F238E27FC236}">
-                <a16:creationId xmlns:a16="http://schemas.microsoft.com/office/drawing/2014/main" id="{28E6BF8D-B223-4278-9BF1-8C52128502A7}"/>
-              </a:ext>
-            </a:extLst>
-          </p:cNvPr>
-          <p:cNvSpPr>
-            <a:spLocks noGrp="1"/>
-          </p:cNvSpPr>
-          <p:nvPr>
-            <p:ph type="title"/>
-          </p:nvPr>
+          <p:cNvPr id="8" name="Rectangle 7"/>
+          <p:cNvSpPr/>
+          <p:nvPr/>
         </p:nvSpPr>
         <p:spPr>
           <a:xfrm>
-            <a:off x="839788" y="457200"/>
-            <a:ext cx="3932237" cy="1600200"/>
+            <a:off x="0" y="5105400"/>
+            <a:ext cx="11292840" cy="1752600"/>
+          </a:xfrm>
+          <a:prstGeom prst="rect">
+            <a:avLst/>
+          </a:prstGeom>
+          <a:solidFill>
+            <a:srgbClr val="000000"/>
+          </a:solidFill>
+          <a:ln>
+            <a:noFill/>
+          </a:ln>
+        </p:spPr>
+        <p:style>
+          <a:lnRef idx="2">
+            <a:schemeClr val="accent1">
+              <a:shade val="50000"/>
+            </a:schemeClr>
+          </a:lnRef>
+          <a:fillRef idx="1">
+            <a:schemeClr val="accent1"/>
+          </a:fillRef>
+          <a:effectRef idx="0">
+            <a:schemeClr val="accent1"/>
+          </a:effectRef>
+          <a:fontRef idx="minor">
+            <a:schemeClr val="lt1"/>
+          </a:fontRef>
+        </p:style>
+      </p:sp>
+      <p:sp>
+        <p:nvSpPr>
+          <p:cNvPr id="2" name="Title 1"/>
+          <p:cNvSpPr>
+            <a:spLocks noGrp="1"/>
+          </p:cNvSpPr>
+          <p:nvPr>
+            <p:ph type="title"/>
+          </p:nvPr>
+        </p:nvSpPr>
+        <p:spPr>
+          <a:xfrm>
+            <a:off x="914400" y="5257800"/>
+            <a:ext cx="9982200" cy="914400"/>
           </a:xfrm>
         </p:spPr>
         <p:txBody>
-          <a:bodyPr anchor="b"/>
+          <a:bodyPr anchor="b">
+            <a:normAutofit/>
+          </a:bodyPr>
           <a:lstStyle>
             <a:lvl1pPr>
-              <a:defRPr sz="3200"/>
+              <a:defRPr sz="2800" b="0">
+                <a:solidFill>
+                  <a:schemeClr val="bg1"/>
+                </a:solidFill>
+              </a:defRPr>
             </a:lvl1pPr>
           </a:lstStyle>
           <a:p>
             <a:r>
-              <a:rPr lang="ru-RU"/>
-              <a:t>Образец заголовка</a:t>
-            </a:r>
-          </a:p>
-        </p:txBody>
-      </p:sp>
-      <p:sp>
-        <p:nvSpPr>
-          <p:cNvPr id="3" name="Рисунок 2">
-            <a:extLst>
-              <a:ext uri="{FF2B5EF4-FFF2-40B4-BE49-F238E27FC236}">
-                <a16:creationId xmlns:a16="http://schemas.microsoft.com/office/drawing/2014/main" id="{43A89F5B-AF3C-4DDA-A0F6-5FBDE175C834}"/>
-              </a:ext>
-            </a:extLst>
-          </p:cNvPr>
-          <p:cNvSpPr>
-            <a:spLocks noGrp="1"/>
+              <a:rPr lang="en-US" dirty="0"/>
+              <a:t>Click to edit Master title style</a:t>
+            </a:r>
+          </a:p>
+        </p:txBody>
+      </p:sp>
+      <p:sp>
+        <p:nvSpPr>
+          <p:cNvPr id="3" name="Picture Placeholder 2"/>
+          <p:cNvSpPr>
+            <a:spLocks noGrp="1" noChangeAspect="1"/>
           </p:cNvSpPr>
           <p:nvPr>
             <p:ph type="pic" idx="1"/>
@@ -2677,16 +3052,26 @@
         </p:nvSpPr>
         <p:spPr>
           <a:xfrm>
-            <a:off x="5183188" y="987425"/>
-            <a:ext cx="6172200" cy="4873625"/>
+            <a:off x="0" y="0"/>
+            <a:ext cx="11292840" cy="5128923"/>
           </a:xfrm>
+          <a:blipFill>
+            <a:blip r:embed="rId2"/>
+            <a:stretch>
+              <a:fillRect/>
+            </a:stretch>
+          </a:blipFill>
         </p:spPr>
         <p:txBody>
-          <a:bodyPr/>
+          <a:bodyPr anchor="t"/>
           <a:lstStyle>
             <a:lvl1pPr marL="0" indent="0">
               <a:buNone/>
-              <a:defRPr sz="3200"/>
+              <a:defRPr sz="3200">
+                <a:solidFill>
+                  <a:schemeClr val="bg1"/>
+                </a:solidFill>
+              </a:defRPr>
             </a:lvl1pPr>
             <a:lvl2pPr marL="457200" indent="0">
               <a:buNone/>
@@ -2722,19 +3107,13 @@
             </a:lvl9pPr>
           </a:lstStyle>
           <a:p>
-            <a:endParaRPr lang="ru-RU"/>
-          </a:p>
-        </p:txBody>
-      </p:sp>
-      <p:sp>
-        <p:nvSpPr>
-          <p:cNvPr id="4" name="Текст 3">
-            <a:extLst>
-              <a:ext uri="{FF2B5EF4-FFF2-40B4-BE49-F238E27FC236}">
-                <a16:creationId xmlns:a16="http://schemas.microsoft.com/office/drawing/2014/main" id="{A84D5CB7-9FFD-41A4-A4FA-FED5D8F6A9AB}"/>
-              </a:ext>
-            </a:extLst>
-          </p:cNvPr>
+            <a:endParaRPr lang="en-US" dirty="0"/>
+          </a:p>
+        </p:txBody>
+      </p:sp>
+      <p:sp>
+        <p:nvSpPr>
+          <p:cNvPr id="4" name="Text Placeholder 3"/>
           <p:cNvSpPr>
             <a:spLocks noGrp="1"/>
           </p:cNvSpPr>
@@ -2744,68 +3123,76 @@
         </p:nvSpPr>
         <p:spPr>
           <a:xfrm>
-            <a:off x="839788" y="2057400"/>
-            <a:ext cx="3932237" cy="3811588"/>
+            <a:off x="914400" y="6108589"/>
+            <a:ext cx="9982200" cy="597011"/>
           </a:xfrm>
         </p:spPr>
         <p:txBody>
-          <a:bodyPr/>
+          <a:bodyPr>
+            <a:normAutofit/>
+          </a:bodyPr>
           <a:lstStyle>
             <a:lvl1pPr marL="0" indent="0">
-              <a:buNone/>
-              <a:defRPr sz="1600"/>
+              <a:lnSpc>
+                <a:spcPct val="100000"/>
+              </a:lnSpc>
+              <a:spcBef>
+                <a:spcPts val="800"/>
+              </a:spcBef>
+              <a:buNone/>
+              <a:defRPr sz="1300">
+                <a:solidFill>
+                  <a:schemeClr val="bg1">
+                    <a:lumMod val="85000"/>
+                  </a:schemeClr>
+                </a:solidFill>
+              </a:defRPr>
             </a:lvl1pPr>
             <a:lvl2pPr marL="457200" indent="0">
               <a:buNone/>
-              <a:defRPr sz="1400"/>
+              <a:defRPr sz="1200"/>
             </a:lvl2pPr>
             <a:lvl3pPr marL="914400" indent="0">
               <a:buNone/>
-              <a:defRPr sz="1200"/>
+              <a:defRPr sz="1000"/>
             </a:lvl3pPr>
             <a:lvl4pPr marL="1371600" indent="0">
               <a:buNone/>
-              <a:defRPr sz="1000"/>
+              <a:defRPr sz="900"/>
             </a:lvl4pPr>
             <a:lvl5pPr marL="1828800" indent="0">
               <a:buNone/>
-              <a:defRPr sz="1000"/>
+              <a:defRPr sz="900"/>
             </a:lvl5pPr>
             <a:lvl6pPr marL="2286000" indent="0">
               <a:buNone/>
-              <a:defRPr sz="1000"/>
+              <a:defRPr sz="900"/>
             </a:lvl6pPr>
             <a:lvl7pPr marL="2743200" indent="0">
               <a:buNone/>
-              <a:defRPr sz="1000"/>
+              <a:defRPr sz="900"/>
             </a:lvl7pPr>
             <a:lvl8pPr marL="3200400" indent="0">
               <a:buNone/>
-              <a:defRPr sz="1000"/>
+              <a:defRPr sz="900"/>
             </a:lvl8pPr>
             <a:lvl9pPr marL="3657600" indent="0">
               <a:buNone/>
-              <a:defRPr sz="1000"/>
+              <a:defRPr sz="900"/>
             </a:lvl9pPr>
           </a:lstStyle>
           <a:p>
             <a:pPr lvl="0"/>
             <a:r>
-              <a:rPr lang="ru-RU"/>
-              <a:t>Образец текста</a:t>
-            </a:r>
-          </a:p>
-        </p:txBody>
-      </p:sp>
-      <p:sp>
-        <p:nvSpPr>
-          <p:cNvPr id="5" name="Дата 4">
-            <a:extLst>
-              <a:ext uri="{FF2B5EF4-FFF2-40B4-BE49-F238E27FC236}">
-                <a16:creationId xmlns:a16="http://schemas.microsoft.com/office/drawing/2014/main" id="{DFB1F45B-1992-40FC-B1A2-C07068E0D58E}"/>
-              </a:ext>
-            </a:extLst>
-          </p:cNvPr>
+              <a:rPr lang="en-US" dirty="0"/>
+              <a:t>Click to edit Master text styles</a:t>
+            </a:r>
+          </a:p>
+        </p:txBody>
+      </p:sp>
+      <p:sp>
+        <p:nvSpPr>
+          <p:cNvPr id="5" name="Date Placeholder 4"/>
           <p:cNvSpPr>
             <a:spLocks noGrp="1"/>
           </p:cNvSpPr>
@@ -2818,23 +3205,17 @@
           <a:bodyPr/>
           <a:lstStyle/>
           <a:p>
-            <a:fld id="{85ECA5FE-EB48-470D-90C5-C3424B4B4AAE}" type="datetimeFigureOut">
-              <a:rPr lang="ru-RU" smtClean="0"/>
-              <a:t>25.04.2021</a:t>
+            <a:fld id="{5E6440AA-91A0-436F-8FDB-C0F939DCAE21}" type="datetimeFigureOut">
+              <a:rPr lang="en-US" dirty="0"/>
+              <a:t>4/25/2021</a:t>
             </a:fld>
-            <a:endParaRPr lang="ru-RU"/>
-          </a:p>
-        </p:txBody>
-      </p:sp>
-      <p:sp>
-        <p:nvSpPr>
-          <p:cNvPr id="6" name="Нижний колонтитул 5">
-            <a:extLst>
-              <a:ext uri="{FF2B5EF4-FFF2-40B4-BE49-F238E27FC236}">
-                <a16:creationId xmlns:a16="http://schemas.microsoft.com/office/drawing/2014/main" id="{6B14B1CC-2307-4C6F-A6C7-0DB20AD88375}"/>
-              </a:ext>
-            </a:extLst>
-          </p:cNvPr>
+            <a:endParaRPr lang="en-US" dirty="0"/>
+          </a:p>
+        </p:txBody>
+      </p:sp>
+      <p:sp>
+        <p:nvSpPr>
+          <p:cNvPr id="6" name="Footer Placeholder 5"/>
           <p:cNvSpPr>
             <a:spLocks noGrp="1"/>
           </p:cNvSpPr>
@@ -2847,19 +3228,13 @@
           <a:bodyPr/>
           <a:lstStyle/>
           <a:p>
-            <a:endParaRPr lang="ru-RU"/>
-          </a:p>
-        </p:txBody>
-      </p:sp>
-      <p:sp>
-        <p:nvSpPr>
-          <p:cNvPr id="7" name="Номер слайда 6">
-            <a:extLst>
-              <a:ext uri="{FF2B5EF4-FFF2-40B4-BE49-F238E27FC236}">
-                <a16:creationId xmlns:a16="http://schemas.microsoft.com/office/drawing/2014/main" id="{4856E3AC-86A5-41B2-8307-99412D163294}"/>
-              </a:ext>
-            </a:extLst>
-          </p:cNvPr>
+            <a:endParaRPr lang="en-US" dirty="0"/>
+          </a:p>
+        </p:txBody>
+      </p:sp>
+      <p:sp>
+        <p:nvSpPr>
+          <p:cNvPr id="7" name="Slide Number Placeholder 6"/>
           <p:cNvSpPr>
             <a:spLocks noGrp="1"/>
           </p:cNvSpPr>
@@ -2872,18 +3247,18 @@
           <a:bodyPr/>
           <a:lstStyle/>
           <a:p>
-            <a:fld id="{D205BE4E-8067-4C51-9B5C-5512A86040A1}" type="slidenum">
-              <a:rPr lang="ru-RU" smtClean="0"/>
+            <a:fld id="{4FAB73BC-B049-4115-A692-8D63A059BFB8}" type="slidenum">
+              <a:rPr lang="en-US" dirty="0"/>
               <a:t>‹#›</a:t>
             </a:fld>
-            <a:endParaRPr lang="ru-RU"/>
+            <a:endParaRPr lang="en-US" dirty="0"/>
           </a:p>
         </p:txBody>
       </p:sp>
     </p:spTree>
     <p:extLst>
       <p:ext uri="{BB962C8B-B14F-4D97-AF65-F5344CB8AC3E}">
-        <p14:creationId xmlns:p14="http://schemas.microsoft.com/office/powerpoint/2010/main" val="3711764913"/>
+        <p14:creationId xmlns:p14="http://schemas.microsoft.com/office/powerpoint/2010/main" val="4010443610"/>
       </p:ext>
     </p:extLst>
   </p:cSld>
@@ -2917,51 +3292,79 @@
       </p:grpSpPr>
       <p:sp>
         <p:nvSpPr>
-          <p:cNvPr id="2" name="Заголовок 1">
-            <a:extLst>
-              <a:ext uri="{FF2B5EF4-FFF2-40B4-BE49-F238E27FC236}">
-                <a16:creationId xmlns:a16="http://schemas.microsoft.com/office/drawing/2014/main" id="{1248ED2B-8B47-4102-A1D5-03E2B48C7689}"/>
-              </a:ext>
-            </a:extLst>
-          </p:cNvPr>
-          <p:cNvSpPr>
-            <a:spLocks noGrp="1"/>
-          </p:cNvSpPr>
-          <p:nvPr>
-            <p:ph type="title"/>
-          </p:nvPr>
+          <p:cNvPr id="7" name="Rectangle 6"/>
+          <p:cNvSpPr/>
+          <p:nvPr/>
         </p:nvSpPr>
         <p:spPr>
           <a:xfrm>
-            <a:off x="838200" y="365125"/>
-            <a:ext cx="10515600" cy="1325563"/>
+            <a:off x="11292840" y="0"/>
+            <a:ext cx="914400" cy="6858000"/>
+          </a:xfrm>
+          <a:prstGeom prst="rect">
+            <a:avLst/>
+          </a:prstGeom>
+          <a:solidFill>
+            <a:schemeClr val="tx2">
+              <a:lumMod val="75000"/>
+            </a:schemeClr>
+          </a:solidFill>
+          <a:ln>
+            <a:noFill/>
+          </a:ln>
+        </p:spPr>
+        <p:style>
+          <a:lnRef idx="2">
+            <a:schemeClr val="accent1">
+              <a:shade val="50000"/>
+            </a:schemeClr>
+          </a:lnRef>
+          <a:fillRef idx="1">
+            <a:schemeClr val="accent1"/>
+          </a:fillRef>
+          <a:effectRef idx="0">
+            <a:schemeClr val="accent1"/>
+          </a:effectRef>
+          <a:fontRef idx="minor">
+            <a:schemeClr val="lt1"/>
+          </a:fontRef>
+        </p:style>
+      </p:sp>
+      <p:sp>
+        <p:nvSpPr>
+          <p:cNvPr id="2" name="Title Placeholder 1"/>
+          <p:cNvSpPr>
+            <a:spLocks noGrp="1"/>
+          </p:cNvSpPr>
+          <p:nvPr>
+            <p:ph type="title"/>
+          </p:nvPr>
+        </p:nvSpPr>
+        <p:spPr>
+          <a:xfrm>
+            <a:off x="1261872" y="365760"/>
+            <a:ext cx="9692640" cy="1325562"/>
           </a:xfrm>
           <a:prstGeom prst="rect">
             <a:avLst/>
           </a:prstGeom>
         </p:spPr>
         <p:txBody>
-          <a:bodyPr vert="horz" lIns="91440" tIns="45720" rIns="91440" bIns="45720" rtlCol="0" anchor="ctr">
+          <a:bodyPr vert="horz" lIns="91440" tIns="45720" rIns="91440" bIns="45720" rtlCol="0" anchor="b">
             <a:normAutofit/>
           </a:bodyPr>
           <a:lstStyle/>
           <a:p>
             <a:r>
-              <a:rPr lang="ru-RU"/>
-              <a:t>Образец заголовка</a:t>
-            </a:r>
-          </a:p>
-        </p:txBody>
-      </p:sp>
-      <p:sp>
-        <p:nvSpPr>
-          <p:cNvPr id="3" name="Текст 2">
-            <a:extLst>
-              <a:ext uri="{FF2B5EF4-FFF2-40B4-BE49-F238E27FC236}">
-                <a16:creationId xmlns:a16="http://schemas.microsoft.com/office/drawing/2014/main" id="{8BD611FB-195F-45E3-9572-777993CD49FA}"/>
-              </a:ext>
-            </a:extLst>
-          </p:cNvPr>
+              <a:rPr lang="en-US" dirty="0"/>
+              <a:t>Click to edit Master title style</a:t>
+            </a:r>
+          </a:p>
+        </p:txBody>
+      </p:sp>
+      <p:sp>
+        <p:nvSpPr>
+          <p:cNvPr id="3" name="Text Placeholder 2"/>
           <p:cNvSpPr>
             <a:spLocks noGrp="1"/>
           </p:cNvSpPr>
@@ -2971,8 +3374,8 @@
         </p:nvSpPr>
         <p:spPr>
           <a:xfrm>
-            <a:off x="838200" y="1825625"/>
-            <a:ext cx="10515600" cy="4351338"/>
+            <a:off x="1261872" y="1828800"/>
+            <a:ext cx="8595360" cy="4351337"/>
           </a:xfrm>
           <a:prstGeom prst="rect">
             <a:avLst/>
@@ -2986,49 +3389,43 @@
           <a:p>
             <a:pPr lvl="0"/>
             <a:r>
-              <a:rPr lang="ru-RU"/>
-              <a:t>Образец текста</a:t>
+              <a:rPr lang="en-US" dirty="0"/>
+              <a:t>Click to edit Master text styles</a:t>
             </a:r>
           </a:p>
           <a:p>
             <a:pPr lvl="1"/>
             <a:r>
-              <a:rPr lang="ru-RU"/>
-              <a:t>Второй уровень</a:t>
+              <a:rPr lang="en-US" dirty="0"/>
+              <a:t>Second level</a:t>
             </a:r>
           </a:p>
           <a:p>
             <a:pPr lvl="2"/>
             <a:r>
-              <a:rPr lang="ru-RU"/>
-              <a:t>Третий уровень</a:t>
+              <a:rPr lang="en-US" dirty="0"/>
+              <a:t>Third level</a:t>
             </a:r>
           </a:p>
           <a:p>
             <a:pPr lvl="3"/>
             <a:r>
-              <a:rPr lang="ru-RU"/>
-              <a:t>Четвертый уровень</a:t>
+              <a:rPr lang="en-US" dirty="0"/>
+              <a:t>Fourth level</a:t>
             </a:r>
           </a:p>
           <a:p>
             <a:pPr lvl="4"/>
             <a:r>
-              <a:rPr lang="ru-RU"/>
-              <a:t>Пятый уровень</a:t>
-            </a:r>
-          </a:p>
-        </p:txBody>
-      </p:sp>
-      <p:sp>
-        <p:nvSpPr>
-          <p:cNvPr id="4" name="Дата 3">
-            <a:extLst>
-              <a:ext uri="{FF2B5EF4-FFF2-40B4-BE49-F238E27FC236}">
-                <a16:creationId xmlns:a16="http://schemas.microsoft.com/office/drawing/2014/main" id="{C8CE975A-23AF-4C2A-8B2B-04F75A59D8FC}"/>
-              </a:ext>
-            </a:extLst>
-          </p:cNvPr>
+              <a:rPr lang="en-US" dirty="0"/>
+              <a:t>Fifth level</a:t>
+            </a:r>
+          </a:p>
+        </p:txBody>
+      </p:sp>
+      <p:sp>
+        <p:nvSpPr>
+          <p:cNvPr id="4" name="Date Placeholder 3"/>
           <p:cNvSpPr>
             <a:spLocks noGrp="1"/>
           </p:cNvSpPr>
@@ -3037,9 +3434,9 @@
           </p:nvPr>
         </p:nvSpPr>
         <p:spPr>
-          <a:xfrm>
-            <a:off x="838200" y="6356350"/>
-            <a:ext cx="2743200" cy="365125"/>
+          <a:xfrm rot="16200000">
+            <a:off x="10797542" y="998537"/>
+            <a:ext cx="1904999" cy="365125"/>
           </a:xfrm>
           <a:prstGeom prst="rect">
             <a:avLst/>
@@ -3048,34 +3445,29 @@
         <p:txBody>
           <a:bodyPr vert="horz" lIns="91440" tIns="45720" rIns="91440" bIns="45720" rtlCol="0" anchor="ctr"/>
           <a:lstStyle>
-            <a:lvl1pPr algn="l">
-              <a:defRPr sz="1200">
+            <a:lvl1pPr algn="r">
+              <a:defRPr sz="1050" b="0">
                 <a:solidFill>
-                  <a:schemeClr val="tx1">
-                    <a:tint val="75000"/>
+                  <a:schemeClr val="tx2">
+                    <a:lumMod val="20000"/>
+                    <a:lumOff val="80000"/>
                   </a:schemeClr>
                 </a:solidFill>
               </a:defRPr>
             </a:lvl1pPr>
           </a:lstStyle>
           <a:p>
-            <a:fld id="{85ECA5FE-EB48-470D-90C5-C3424B4B4AAE}" type="datetimeFigureOut">
-              <a:rPr lang="ru-RU" smtClean="0"/>
-              <a:t>25.04.2021</a:t>
+            <a:fld id="{0E59FD0C-5451-4CA0-86AF-E70AE3279989}" type="datetimeFigureOut">
+              <a:rPr lang="en-US" dirty="0"/>
+              <a:t>4/25/2021</a:t>
             </a:fld>
-            <a:endParaRPr lang="ru-RU"/>
-          </a:p>
-        </p:txBody>
-      </p:sp>
-      <p:sp>
-        <p:nvSpPr>
-          <p:cNvPr id="5" name="Нижний колонтитул 4">
-            <a:extLst>
-              <a:ext uri="{FF2B5EF4-FFF2-40B4-BE49-F238E27FC236}">
-                <a16:creationId xmlns:a16="http://schemas.microsoft.com/office/drawing/2014/main" id="{BDE34A61-AD3E-43CB-B380-85AE2B69E343}"/>
-              </a:ext>
-            </a:extLst>
-          </p:cNvPr>
+            <a:endParaRPr lang="en-US" dirty="0"/>
+          </a:p>
+        </p:txBody>
+      </p:sp>
+      <p:sp>
+        <p:nvSpPr>
+          <p:cNvPr id="5" name="Footer Placeholder 4"/>
           <p:cNvSpPr>
             <a:spLocks noGrp="1"/>
           </p:cNvSpPr>
@@ -3084,9 +3476,9 @@
           </p:nvPr>
         </p:nvSpPr>
         <p:spPr>
-          <a:xfrm>
-            <a:off x="4038600" y="6356350"/>
-            <a:ext cx="4114800" cy="365125"/>
+          <a:xfrm rot="16200000">
+            <a:off x="9959341" y="4046537"/>
+            <a:ext cx="3581400" cy="365125"/>
           </a:xfrm>
           <a:prstGeom prst="rect">
             <a:avLst/>
@@ -3095,30 +3487,25 @@
         <p:txBody>
           <a:bodyPr vert="horz" lIns="91440" tIns="45720" rIns="91440" bIns="45720" rtlCol="0" anchor="ctr"/>
           <a:lstStyle>
-            <a:lvl1pPr algn="ctr">
-              <a:defRPr sz="1200">
+            <a:lvl1pPr algn="l">
+              <a:defRPr sz="1050">
                 <a:solidFill>
-                  <a:schemeClr val="tx1">
-                    <a:tint val="75000"/>
+                  <a:schemeClr val="tx2">
+                    <a:lumMod val="20000"/>
+                    <a:lumOff val="80000"/>
                   </a:schemeClr>
                 </a:solidFill>
               </a:defRPr>
             </a:lvl1pPr>
           </a:lstStyle>
           <a:p>
-            <a:endParaRPr lang="ru-RU"/>
-          </a:p>
-        </p:txBody>
-      </p:sp>
-      <p:sp>
-        <p:nvSpPr>
-          <p:cNvPr id="6" name="Номер слайда 5">
-            <a:extLst>
-              <a:ext uri="{FF2B5EF4-FFF2-40B4-BE49-F238E27FC236}">
-                <a16:creationId xmlns:a16="http://schemas.microsoft.com/office/drawing/2014/main" id="{9C4D8848-F15C-4786-93E9-8104717C6462}"/>
-              </a:ext>
-            </a:extLst>
-          </p:cNvPr>
+            <a:endParaRPr lang="en-US" dirty="0"/>
+          </a:p>
+        </p:txBody>
+      </p:sp>
+      <p:sp>
+        <p:nvSpPr>
+          <p:cNvPr id="6" name="Slide Number Placeholder 5"/>
           <p:cNvSpPr>
             <a:spLocks noGrp="1"/>
           </p:cNvSpPr>
@@ -3128,56 +3515,61 @@
         </p:nvSpPr>
         <p:spPr>
           <a:xfrm>
-            <a:off x="8610600" y="6356350"/>
-            <a:ext cx="2743200" cy="365125"/>
+            <a:off x="11292840" y="6172200"/>
+            <a:ext cx="914400" cy="593725"/>
           </a:xfrm>
           <a:prstGeom prst="rect">
             <a:avLst/>
           </a:prstGeom>
         </p:spPr>
         <p:txBody>
-          <a:bodyPr vert="horz" lIns="91440" tIns="45720" rIns="91440" bIns="45720" rtlCol="0" anchor="ctr"/>
+          <a:bodyPr vert="horz" lIns="45720" tIns="45720" rIns="45720" bIns="45720" rtlCol="0" anchor="ctr">
+            <a:normAutofit/>
+          </a:bodyPr>
           <a:lstStyle>
-            <a:lvl1pPr algn="r">
-              <a:defRPr sz="1200">
+            <a:lvl1pPr algn="ctr">
+              <a:defRPr sz="3600">
                 <a:solidFill>
-                  <a:schemeClr val="tx1">
-                    <a:tint val="75000"/>
+                  <a:schemeClr val="tx2">
+                    <a:lumMod val="60000"/>
+                    <a:lumOff val="40000"/>
                   </a:schemeClr>
                 </a:solidFill>
               </a:defRPr>
             </a:lvl1pPr>
           </a:lstStyle>
           <a:p>
-            <a:fld id="{D205BE4E-8067-4C51-9B5C-5512A86040A1}" type="slidenum">
-              <a:rPr lang="ru-RU" smtClean="0"/>
+            <a:fld id="{4FAB73BC-B049-4115-A692-8D63A059BFB8}" type="slidenum">
+              <a:rPr lang="en-US" dirty="0"/>
+              <a:pPr/>
               <a:t>‹#›</a:t>
             </a:fld>
-            <a:endParaRPr lang="ru-RU"/>
+            <a:endParaRPr lang="en-US" dirty="0"/>
           </a:p>
         </p:txBody>
       </p:sp>
     </p:spTree>
     <p:extLst>
       <p:ext uri="{BB962C8B-B14F-4D97-AF65-F5344CB8AC3E}">
-        <p14:creationId xmlns:p14="http://schemas.microsoft.com/office/powerpoint/2010/main" val="2952368899"/>
+        <p14:creationId xmlns:p14="http://schemas.microsoft.com/office/powerpoint/2010/main" val="3164224613"/>
       </p:ext>
     </p:extLst>
   </p:cSld>
   <p:clrMap bg1="lt1" tx1="dk1" bg2="lt2" tx2="dk2" accent1="accent1" accent2="accent2" accent3="accent3" accent4="accent4" accent5="accent5" accent6="accent6" hlink="hlink" folHlink="folHlink"/>
   <p:sldLayoutIdLst>
-    <p:sldLayoutId id="2147483649" r:id="rId1"/>
-    <p:sldLayoutId id="2147483650" r:id="rId2"/>
-    <p:sldLayoutId id="2147483651" r:id="rId3"/>
-    <p:sldLayoutId id="2147483652" r:id="rId4"/>
-    <p:sldLayoutId id="2147483653" r:id="rId5"/>
-    <p:sldLayoutId id="2147483654" r:id="rId6"/>
-    <p:sldLayoutId id="2147483655" r:id="rId7"/>
-    <p:sldLayoutId id="2147483656" r:id="rId8"/>
-    <p:sldLayoutId id="2147483657" r:id="rId9"/>
-    <p:sldLayoutId id="2147483658" r:id="rId10"/>
-    <p:sldLayoutId id="2147483659" r:id="rId11"/>
+    <p:sldLayoutId id="2147483661" r:id="rId1"/>
+    <p:sldLayoutId id="2147483662" r:id="rId2"/>
+    <p:sldLayoutId id="2147483663" r:id="rId3"/>
+    <p:sldLayoutId id="2147483664" r:id="rId4"/>
+    <p:sldLayoutId id="2147483665" r:id="rId5"/>
+    <p:sldLayoutId id="2147483666" r:id="rId6"/>
+    <p:sldLayoutId id="2147483667" r:id="rId7"/>
+    <p:sldLayoutId id="2147483668" r:id="rId8"/>
+    <p:sldLayoutId id="2147483669" r:id="rId9"/>
+    <p:sldLayoutId id="2147483670" r:id="rId10"/>
+    <p:sldLayoutId id="2147483671" r:id="rId11"/>
   </p:sldLayoutIdLst>
+  <p:hf sldNum="0" hdr="0" ftr="0" dt="0"/>
   <p:txStyles>
     <p:titleStyle>
       <a:lvl1pPr algn="l" defTabSz="914400" rtl="0" eaLnBrk="1" latinLnBrk="0" hangingPunct="1">
@@ -3188,7 +3580,7 @@
           <a:spcPct val="0"/>
         </a:spcBef>
         <a:buNone/>
-        <a:defRPr sz="4400" kern="1200">
+        <a:defRPr sz="4400" kern="1200" spc="-50" baseline="0">
           <a:solidFill>
             <a:schemeClr val="tx1"/>
           </a:solidFill>
@@ -3199,16 +3591,23 @@
       </a:lvl1pPr>
     </p:titleStyle>
     <p:bodyStyle>
-      <a:lvl1pPr marL="228600" indent="-228600" algn="l" defTabSz="914400" rtl="0" eaLnBrk="1" latinLnBrk="0" hangingPunct="1">
+      <a:lvl1pPr marL="182880" indent="-182880" algn="l" defTabSz="914400" rtl="0" eaLnBrk="1" latinLnBrk="0" hangingPunct="1">
         <a:lnSpc>
-          <a:spcPct val="90000"/>
+          <a:spcPct val="95000"/>
         </a:lnSpc>
         <a:spcBef>
-          <a:spcPts val="1000"/>
+          <a:spcPts val="1400"/>
         </a:spcBef>
-        <a:buFont typeface="Arial" panose="020B0604020202020204" pitchFamily="34" charset="0"/>
+        <a:spcAft>
+          <a:spcPts val="200"/>
+        </a:spcAft>
+        <a:buClr>
+          <a:schemeClr val="accent1"/>
+        </a:buClr>
+        <a:buSzPct val="80000"/>
+        <a:buFont typeface="Arial" pitchFamily="34" charset="0"/>
         <a:buChar char="•"/>
-        <a:defRPr sz="2800" kern="1200">
+        <a:defRPr sz="1800" kern="1200" spc="10" baseline="0">
           <a:solidFill>
             <a:schemeClr val="tx1"/>
           </a:solidFill>
@@ -3217,144 +3616,216 @@
           <a:cs typeface="+mn-cs"/>
         </a:defRPr>
       </a:lvl1pPr>
-      <a:lvl2pPr marL="685800" indent="-228600" algn="l" defTabSz="914400" rtl="0" eaLnBrk="1" latinLnBrk="0" hangingPunct="1">
+      <a:lvl2pPr marL="457200" indent="-182880" algn="l" defTabSz="914400" rtl="0" eaLnBrk="1" latinLnBrk="0" hangingPunct="1">
         <a:lnSpc>
           <a:spcPct val="90000"/>
         </a:lnSpc>
         <a:spcBef>
-          <a:spcPts val="500"/>
+          <a:spcPts val="300"/>
         </a:spcBef>
-        <a:buFont typeface="Arial" panose="020B0604020202020204" pitchFamily="34" charset="0"/>
-        <a:buChar char="•"/>
-        <a:defRPr sz="2400" kern="1200">
+        <a:spcAft>
+          <a:spcPts val="300"/>
+        </a:spcAft>
+        <a:buClr>
+          <a:schemeClr val="accent1"/>
+        </a:buClr>
+        <a:buFont typeface="Wingdings 2" pitchFamily="18" charset="2"/>
+        <a:buChar char=""/>
+        <a:defRPr sz="1600" kern="1200">
           <a:solidFill>
-            <a:schemeClr val="tx1"/>
+            <a:schemeClr val="tx1">
+              <a:lumMod val="85000"/>
+              <a:lumOff val="15000"/>
+            </a:schemeClr>
           </a:solidFill>
           <a:latin typeface="+mn-lt"/>
           <a:ea typeface="+mn-ea"/>
           <a:cs typeface="+mn-cs"/>
         </a:defRPr>
       </a:lvl2pPr>
-      <a:lvl3pPr marL="1143000" indent="-228600" algn="l" defTabSz="914400" rtl="0" eaLnBrk="1" latinLnBrk="0" hangingPunct="1">
+      <a:lvl3pPr marL="731520" indent="-182880" algn="l" defTabSz="914400" rtl="0" eaLnBrk="1" latinLnBrk="0" hangingPunct="1">
         <a:lnSpc>
           <a:spcPct val="90000"/>
         </a:lnSpc>
         <a:spcBef>
-          <a:spcPts val="500"/>
+          <a:spcPts val="300"/>
         </a:spcBef>
-        <a:buFont typeface="Arial" panose="020B0604020202020204" pitchFamily="34" charset="0"/>
-        <a:buChar char="•"/>
-        <a:defRPr sz="2000" kern="1200">
+        <a:spcAft>
+          <a:spcPts val="300"/>
+        </a:spcAft>
+        <a:buClr>
+          <a:schemeClr val="accent1"/>
+        </a:buClr>
+        <a:buFont typeface="Wingdings 2" pitchFamily="18" charset="2"/>
+        <a:buChar char=""/>
+        <a:defRPr sz="1400" kern="1200">
           <a:solidFill>
-            <a:schemeClr val="tx1"/>
+            <a:schemeClr val="tx1">
+              <a:lumMod val="85000"/>
+              <a:lumOff val="15000"/>
+            </a:schemeClr>
           </a:solidFill>
           <a:latin typeface="+mn-lt"/>
           <a:ea typeface="+mn-ea"/>
           <a:cs typeface="+mn-cs"/>
         </a:defRPr>
       </a:lvl3pPr>
-      <a:lvl4pPr marL="1600200" indent="-228600" algn="l" defTabSz="914400" rtl="0" eaLnBrk="1" latinLnBrk="0" hangingPunct="1">
+      <a:lvl4pPr marL="1005840" indent="-182880" algn="l" defTabSz="914400" rtl="0" eaLnBrk="1" latinLnBrk="0" hangingPunct="1">
         <a:lnSpc>
           <a:spcPct val="90000"/>
         </a:lnSpc>
         <a:spcBef>
-          <a:spcPts val="500"/>
+          <a:spcPts val="300"/>
         </a:spcBef>
-        <a:buFont typeface="Arial" panose="020B0604020202020204" pitchFamily="34" charset="0"/>
-        <a:buChar char="•"/>
-        <a:defRPr sz="1800" kern="1200">
+        <a:spcAft>
+          <a:spcPts val="300"/>
+        </a:spcAft>
+        <a:buClr>
+          <a:schemeClr val="accent1"/>
+        </a:buClr>
+        <a:buFont typeface="Wingdings 2" pitchFamily="18" charset="2"/>
+        <a:buChar char=""/>
+        <a:defRPr sz="1400" kern="1200">
           <a:solidFill>
-            <a:schemeClr val="tx1"/>
+            <a:schemeClr val="tx1">
+              <a:lumMod val="85000"/>
+              <a:lumOff val="15000"/>
+            </a:schemeClr>
           </a:solidFill>
           <a:latin typeface="+mn-lt"/>
           <a:ea typeface="+mn-ea"/>
           <a:cs typeface="+mn-cs"/>
         </a:defRPr>
       </a:lvl4pPr>
-      <a:lvl5pPr marL="2057400" indent="-228600" algn="l" defTabSz="914400" rtl="0" eaLnBrk="1" latinLnBrk="0" hangingPunct="1">
+      <a:lvl5pPr marL="1280160" indent="-182880" algn="l" defTabSz="914400" rtl="0" eaLnBrk="1" latinLnBrk="0" hangingPunct="1">
         <a:lnSpc>
           <a:spcPct val="90000"/>
         </a:lnSpc>
         <a:spcBef>
-          <a:spcPts val="500"/>
+          <a:spcPts val="300"/>
         </a:spcBef>
-        <a:buFont typeface="Arial" panose="020B0604020202020204" pitchFamily="34" charset="0"/>
-        <a:buChar char="•"/>
-        <a:defRPr sz="1800" kern="1200">
+        <a:spcAft>
+          <a:spcPts val="300"/>
+        </a:spcAft>
+        <a:buClr>
+          <a:schemeClr val="accent1"/>
+        </a:buClr>
+        <a:buFont typeface="Wingdings 2" pitchFamily="18" charset="2"/>
+        <a:buChar char=""/>
+        <a:defRPr sz="1400" kern="1200">
           <a:solidFill>
-            <a:schemeClr val="tx1"/>
+            <a:schemeClr val="tx1">
+              <a:lumMod val="85000"/>
+              <a:lumOff val="15000"/>
+            </a:schemeClr>
           </a:solidFill>
           <a:latin typeface="+mn-lt"/>
           <a:ea typeface="+mn-ea"/>
           <a:cs typeface="+mn-cs"/>
         </a:defRPr>
       </a:lvl5pPr>
-      <a:lvl6pPr marL="2514600" indent="-228600" algn="l" defTabSz="914400" rtl="0" eaLnBrk="1" latinLnBrk="0" hangingPunct="1">
+      <a:lvl6pPr marL="1600000" indent="-228600" algn="l" defTabSz="914400" rtl="0" eaLnBrk="1" latinLnBrk="0" hangingPunct="1">
         <a:lnSpc>
           <a:spcPct val="90000"/>
         </a:lnSpc>
         <a:spcBef>
-          <a:spcPts val="500"/>
+          <a:spcPts val="300"/>
         </a:spcBef>
-        <a:buFont typeface="Arial" panose="020B0604020202020204" pitchFamily="34" charset="0"/>
-        <a:buChar char="•"/>
-        <a:defRPr sz="1800" kern="1200">
+        <a:spcAft>
+          <a:spcPts val="300"/>
+        </a:spcAft>
+        <a:buClr>
+          <a:schemeClr val="accent1"/>
+        </a:buClr>
+        <a:buFont typeface="Wingdings 2" pitchFamily="18" charset="2"/>
+        <a:buChar char=""/>
+        <a:defRPr sz="1400" kern="1200">
           <a:solidFill>
-            <a:schemeClr val="tx1"/>
+            <a:schemeClr val="tx1">
+              <a:lumMod val="85000"/>
+              <a:lumOff val="15000"/>
+            </a:schemeClr>
           </a:solidFill>
           <a:latin typeface="+mn-lt"/>
           <a:ea typeface="+mn-ea"/>
           <a:cs typeface="+mn-cs"/>
         </a:defRPr>
       </a:lvl6pPr>
-      <a:lvl7pPr marL="2971800" indent="-228600" algn="l" defTabSz="914400" rtl="0" eaLnBrk="1" latinLnBrk="0" hangingPunct="1">
+      <a:lvl7pPr marL="1900000" indent="-228600" algn="l" defTabSz="914400" rtl="0" eaLnBrk="1" latinLnBrk="0" hangingPunct="1">
         <a:lnSpc>
           <a:spcPct val="90000"/>
         </a:lnSpc>
         <a:spcBef>
-          <a:spcPts val="500"/>
+          <a:spcPts val="300"/>
         </a:spcBef>
-        <a:buFont typeface="Arial" panose="020B0604020202020204" pitchFamily="34" charset="0"/>
-        <a:buChar char="•"/>
-        <a:defRPr sz="1800" kern="1200">
+        <a:spcAft>
+          <a:spcPts val="300"/>
+        </a:spcAft>
+        <a:buClr>
+          <a:schemeClr val="accent1"/>
+        </a:buClr>
+        <a:buFont typeface="Wingdings 2" pitchFamily="18" charset="2"/>
+        <a:buChar char=""/>
+        <a:defRPr sz="1400" kern="1200">
           <a:solidFill>
-            <a:schemeClr val="tx1"/>
+            <a:schemeClr val="tx1">
+              <a:lumMod val="85000"/>
+              <a:lumOff val="15000"/>
+            </a:schemeClr>
           </a:solidFill>
           <a:latin typeface="+mn-lt"/>
           <a:ea typeface="+mn-ea"/>
           <a:cs typeface="+mn-cs"/>
         </a:defRPr>
       </a:lvl7pPr>
-      <a:lvl8pPr marL="3429000" indent="-228600" algn="l" defTabSz="914400" rtl="0" eaLnBrk="1" latinLnBrk="0" hangingPunct="1">
+      <a:lvl8pPr marL="2200000" indent="-228600" algn="l" defTabSz="914400" rtl="0" eaLnBrk="1" latinLnBrk="0" hangingPunct="1">
         <a:lnSpc>
           <a:spcPct val="90000"/>
         </a:lnSpc>
         <a:spcBef>
-          <a:spcPts val="500"/>
+          <a:spcPts val="300"/>
         </a:spcBef>
-        <a:buFont typeface="Arial" panose="020B0604020202020204" pitchFamily="34" charset="0"/>
-        <a:buChar char="•"/>
-        <a:defRPr sz="1800" kern="1200">
+        <a:spcAft>
+          <a:spcPts val="300"/>
+        </a:spcAft>
+        <a:buClr>
+          <a:schemeClr val="accent1"/>
+        </a:buClr>
+        <a:buFont typeface="Wingdings 2" pitchFamily="18" charset="2"/>
+        <a:buChar char=""/>
+        <a:defRPr sz="1400" kern="1200">
           <a:solidFill>
-            <a:schemeClr val="tx1"/>
+            <a:schemeClr val="tx1">
+              <a:lumMod val="85000"/>
+              <a:lumOff val="15000"/>
+            </a:schemeClr>
           </a:solidFill>
           <a:latin typeface="+mn-lt"/>
           <a:ea typeface="+mn-ea"/>
           <a:cs typeface="+mn-cs"/>
         </a:defRPr>
       </a:lvl8pPr>
-      <a:lvl9pPr marL="3886200" indent="-228600" algn="l" defTabSz="914400" rtl="0" eaLnBrk="1" latinLnBrk="0" hangingPunct="1">
+      <a:lvl9pPr marL="2500000" indent="-228600" algn="l" defTabSz="914400" rtl="0" eaLnBrk="1" latinLnBrk="0" hangingPunct="1">
         <a:lnSpc>
           <a:spcPct val="90000"/>
         </a:lnSpc>
         <a:spcBef>
-          <a:spcPts val="500"/>
+          <a:spcPts val="300"/>
         </a:spcBef>
-        <a:buFont typeface="Arial" panose="020B0604020202020204" pitchFamily="34" charset="0"/>
-        <a:buChar char="•"/>
-        <a:defRPr sz="1800" kern="1200">
+        <a:spcAft>
+          <a:spcPts val="300"/>
+        </a:spcAft>
+        <a:buClr>
+          <a:schemeClr val="accent1"/>
+        </a:buClr>
+        <a:buFont typeface="Wingdings 2" pitchFamily="18" charset="2"/>
+        <a:buChar char=""/>
+        <a:defRPr sz="1400" kern="1200">
           <a:solidFill>
-            <a:schemeClr val="tx1"/>
+            <a:schemeClr val="tx1">
+              <a:lumMod val="85000"/>
+              <a:lumOff val="15000"/>
+            </a:schemeClr>
           </a:solidFill>
           <a:latin typeface="+mn-lt"/>
           <a:ea typeface="+mn-ea"/>
@@ -3364,7 +3835,7 @@
     </p:bodyStyle>
     <p:otherStyle>
       <a:defPPr>
-        <a:defRPr lang="ru-RU"/>
+        <a:defRPr lang="en-US"/>
       </a:defPPr>
       <a:lvl1pPr marL="0" algn="l" defTabSz="914400" rtl="0" eaLnBrk="1" latinLnBrk="0" hangingPunct="1">
         <a:defRPr sz="1800" kern="1200">
@@ -3492,8 +3963,8 @@
         </p:nvSpPr>
         <p:spPr>
           <a:xfrm>
-            <a:off x="4639382" y="2420888"/>
-            <a:ext cx="2913233" cy="1446550"/>
+            <a:off x="4067882" y="2049413"/>
+            <a:ext cx="3675233" cy="1456075"/>
           </a:xfrm>
           <a:prstGeom prst="rect">
             <a:avLst/>
@@ -3501,7 +3972,7 @@
           <a:noFill/>
         </p:spPr>
         <p:txBody>
-          <a:bodyPr wrap="none" lIns="91440" tIns="45720" rIns="91440" bIns="45720" rtlCol="0" anchor="t">
+          <a:bodyPr wrap="square" lIns="91440" tIns="45720" rIns="91440" bIns="45720" rtlCol="0" anchor="t">
             <a:spAutoFit/>
           </a:bodyPr>
           <a:lstStyle/>
@@ -3769,8 +4240,8 @@
         </p:nvSpPr>
         <p:spPr>
           <a:xfrm>
-            <a:off x="2504761" y="1899193"/>
-            <a:ext cx="7931530" cy="830997"/>
+            <a:off x="456886" y="1899193"/>
+            <a:ext cx="8864980" cy="830997"/>
           </a:xfrm>
           <a:prstGeom prst="rect">
             <a:avLst/>
@@ -3778,7 +4249,7 @@
           <a:noFill/>
         </p:spPr>
         <p:txBody>
-          <a:bodyPr wrap="none" lIns="91440" tIns="45720" rIns="91440" bIns="45720" rtlCol="0" anchor="t">
+          <a:bodyPr wrap="square" lIns="91440" tIns="45720" rIns="91440" bIns="45720" rtlCol="0" anchor="t">
             <a:spAutoFit/>
           </a:bodyPr>
           <a:lstStyle/>
@@ -3885,10 +4356,102 @@
       </p:grpSpPr>
       <p:sp>
         <p:nvSpPr>
-          <p:cNvPr id="7" name="TextBox 6">
+          <p:cNvPr id="2" name="Заголовок 1">
             <a:extLst>
               <a:ext uri="{FF2B5EF4-FFF2-40B4-BE49-F238E27FC236}">
-                <a16:creationId xmlns:a16="http://schemas.microsoft.com/office/drawing/2014/main" id="{C7ED1D1D-2386-48BB-937B-B0F00448169D}"/>
+                <a16:creationId xmlns:a16="http://schemas.microsoft.com/office/drawing/2014/main" id="{A4B93CEF-4C3B-46DA-ADA2-2D9BB5B15EDC}"/>
+              </a:ext>
+            </a:extLst>
+          </p:cNvPr>
+          <p:cNvSpPr>
+            <a:spLocks noGrp="1"/>
+          </p:cNvSpPr>
+          <p:nvPr>
+            <p:ph type="title"/>
+          </p:nvPr>
+        </p:nvSpPr>
+        <p:spPr>
+          <a:xfrm>
+            <a:off x="242697" y="2918460"/>
+            <a:ext cx="3606165" cy="1325562"/>
+          </a:xfrm>
+        </p:spPr>
+        <p:txBody>
+          <a:bodyPr>
+            <a:normAutofit/>
+          </a:bodyPr>
+          <a:lstStyle/>
+          <a:p>
+            <a:r>
+              <a:rPr lang="ru-RU" sz="4000" dirty="0"/>
+              <a:t>Регистрация</a:t>
+            </a:r>
+          </a:p>
+        </p:txBody>
+      </p:sp>
+      <p:pic>
+        <p:nvPicPr>
+          <p:cNvPr id="4" name="Рисунок 4">
+            <a:extLst>
+              <a:ext uri="{FF2B5EF4-FFF2-40B4-BE49-F238E27FC236}">
+                <a16:creationId xmlns:a16="http://schemas.microsoft.com/office/drawing/2014/main" id="{A67D9F5B-260B-4D43-A3BA-83144E24492F}"/>
+              </a:ext>
+            </a:extLst>
+          </p:cNvPr>
+          <p:cNvPicPr>
+            <a:picLocks noGrp="1" noChangeAspect="1"/>
+          </p:cNvPicPr>
+          <p:nvPr>
+            <p:ph idx="1"/>
+          </p:nvPr>
+        </p:nvPicPr>
+        <p:blipFill rotWithShape="1">
+          <a:blip r:embed="rId2"/>
+          <a:srcRect l="2011" t="9881" b="3325"/>
+          <a:stretch/>
+        </p:blipFill>
+        <p:spPr>
+          <a:xfrm>
+            <a:off x="3164" y="0"/>
+            <a:ext cx="6959937" cy="3482304"/>
+          </a:xfrm>
+        </p:spPr>
+      </p:pic>
+      <p:pic>
+        <p:nvPicPr>
+          <p:cNvPr id="5" name="Рисунок 5">
+            <a:extLst>
+              <a:ext uri="{FF2B5EF4-FFF2-40B4-BE49-F238E27FC236}">
+                <a16:creationId xmlns:a16="http://schemas.microsoft.com/office/drawing/2014/main" id="{C55AD753-5ACF-49D9-BB33-9AF3C57DD2F3}"/>
+              </a:ext>
+            </a:extLst>
+          </p:cNvPr>
+          <p:cNvPicPr>
+            <a:picLocks noChangeAspect="1"/>
+          </p:cNvPicPr>
+          <p:nvPr/>
+        </p:nvPicPr>
+        <p:blipFill rotWithShape="1">
+          <a:blip r:embed="rId3"/>
+          <a:srcRect l="2114" t="9624" b="3286"/>
+          <a:stretch/>
+        </p:blipFill>
+        <p:spPr>
+          <a:xfrm>
+            <a:off x="4543425" y="3324225"/>
+            <a:ext cx="6753226" cy="3533780"/>
+          </a:xfrm>
+          <a:prstGeom prst="rect">
+            <a:avLst/>
+          </a:prstGeom>
+        </p:spPr>
+      </p:pic>
+      <p:sp>
+        <p:nvSpPr>
+          <p:cNvPr id="6" name="TextBox 5">
+            <a:extLst>
+              <a:ext uri="{FF2B5EF4-FFF2-40B4-BE49-F238E27FC236}">
+                <a16:creationId xmlns:a16="http://schemas.microsoft.com/office/drawing/2014/main" id="{1FA779B4-21C8-4ACA-8ECF-F4FBE74832AA}"/>
               </a:ext>
             </a:extLst>
           </p:cNvPr>
@@ -3897,8 +4460,8 @@
         </p:nvSpPr>
         <p:spPr>
           <a:xfrm>
-            <a:off x="4561821" y="414388"/>
-            <a:ext cx="2786340" cy="646331"/>
+            <a:off x="6257925" y="5048250"/>
+            <a:ext cx="4371975" cy="1323439"/>
           </a:xfrm>
           <a:prstGeom prst="rect">
             <a:avLst/>
@@ -3906,279 +4469,29 @@
           <a:noFill/>
         </p:spPr>
         <p:txBody>
-          <a:bodyPr wrap="none" rtlCol="0">
+          <a:bodyPr rot="0" spcFirstLastPara="0" vertOverflow="overflow" horzOverflow="overflow" vert="horz" wrap="square" lIns="91440" tIns="45720" rIns="91440" bIns="45720" numCol="1" spcCol="0" rtlCol="0" fromWordArt="0" anchor="t" anchorCtr="0" forceAA="0" compatLnSpc="1">
+            <a:prstTxWarp prst="textNoShape">
+              <a:avLst/>
+            </a:prstTxWarp>
             <a:spAutoFit/>
           </a:bodyPr>
           <a:lstStyle/>
           <a:p>
             <a:r>
-              <a:rPr lang="ru-RU" sz="3600" dirty="0">
-                <a:latin typeface="Roboto" panose="02000000000000000000" pitchFamily="2" charset="0"/>
-                <a:ea typeface="Roboto" panose="02000000000000000000" pitchFamily="2" charset="0"/>
-              </a:rPr>
-              <a:t>Реализация</a:t>
-            </a:r>
-          </a:p>
-        </p:txBody>
-      </p:sp>
-      <p:sp>
-        <p:nvSpPr>
-          <p:cNvPr id="8" name="TextBox 7">
-            <a:extLst>
-              <a:ext uri="{FF2B5EF4-FFF2-40B4-BE49-F238E27FC236}">
-                <a16:creationId xmlns:a16="http://schemas.microsoft.com/office/drawing/2014/main" id="{47775581-ED5D-4929-B900-343AEB23F3D9}"/>
-              </a:ext>
-            </a:extLst>
-          </p:cNvPr>
-          <p:cNvSpPr txBox="1"/>
-          <p:nvPr/>
-        </p:nvSpPr>
-        <p:spPr>
-          <a:xfrm>
-            <a:off x="1127448" y="1378836"/>
-            <a:ext cx="6315703" cy="523220"/>
-          </a:xfrm>
-          <a:prstGeom prst="rect">
-            <a:avLst/>
-          </a:prstGeom>
-          <a:noFill/>
-        </p:spPr>
-        <p:txBody>
-          <a:bodyPr wrap="none" rtlCol="0">
-            <a:spAutoFit/>
-          </a:bodyPr>
-          <a:lstStyle/>
-          <a:p>
-            <a:r>
-              <a:rPr lang="ru-RU" sz="2800" dirty="0"/>
-              <a:t>В проекте реализованы такие функции</a:t>
-            </a:r>
-            <a:r>
-              <a:rPr lang="en-US" sz="2800" dirty="0"/>
-              <a:t>:</a:t>
-            </a:r>
-            <a:r>
-              <a:rPr lang="ru-RU" sz="2800" dirty="0"/>
-              <a:t> </a:t>
-            </a:r>
-          </a:p>
-        </p:txBody>
-      </p:sp>
-      <p:sp>
-        <p:nvSpPr>
-          <p:cNvPr id="9" name="TextBox 8">
-            <a:extLst>
-              <a:ext uri="{FF2B5EF4-FFF2-40B4-BE49-F238E27FC236}">
-                <a16:creationId xmlns:a16="http://schemas.microsoft.com/office/drawing/2014/main" id="{1286AC54-E283-42DB-BA03-8983940F1C80}"/>
-              </a:ext>
-            </a:extLst>
-          </p:cNvPr>
-          <p:cNvSpPr txBox="1"/>
-          <p:nvPr/>
-        </p:nvSpPr>
-        <p:spPr>
-          <a:xfrm>
-            <a:off x="3863752" y="2852936"/>
-            <a:ext cx="184731" cy="369332"/>
-          </a:xfrm>
-          <a:prstGeom prst="rect">
-            <a:avLst/>
-          </a:prstGeom>
-          <a:noFill/>
-        </p:spPr>
-        <p:txBody>
-          <a:bodyPr wrap="none" rtlCol="0">
-            <a:spAutoFit/>
-          </a:bodyPr>
-          <a:lstStyle/>
-          <a:p>
-            <a:endParaRPr lang="ru-RU" dirty="0"/>
-          </a:p>
-        </p:txBody>
-      </p:sp>
-      <p:sp>
-        <p:nvSpPr>
-          <p:cNvPr id="10" name="TextBox 9">
-            <a:extLst>
-              <a:ext uri="{FF2B5EF4-FFF2-40B4-BE49-F238E27FC236}">
-                <a16:creationId xmlns:a16="http://schemas.microsoft.com/office/drawing/2014/main" id="{34AA0637-1654-49F9-918F-90E4CA8D2D07}"/>
-              </a:ext>
-            </a:extLst>
-          </p:cNvPr>
-          <p:cNvSpPr txBox="1"/>
-          <p:nvPr/>
-        </p:nvSpPr>
-        <p:spPr>
-          <a:xfrm>
-            <a:off x="3431704" y="1861321"/>
-            <a:ext cx="5046574" cy="2677656"/>
-          </a:xfrm>
-          <a:prstGeom prst="rect">
-            <a:avLst/>
-          </a:prstGeom>
-          <a:noFill/>
-        </p:spPr>
-        <p:txBody>
-          <a:bodyPr wrap="none" rtlCol="0">
-            <a:spAutoFit/>
-          </a:bodyPr>
-          <a:lstStyle/>
-          <a:p>
-            <a:pPr marL="342900" indent="-342900">
-              <a:buFont typeface="+mj-lt"/>
-              <a:buAutoNum type="arabicPeriod"/>
-            </a:pPr>
-            <a:r>
-              <a:rPr lang="ru-RU" sz="2400" dirty="0"/>
-              <a:t>* Добавление продукта.</a:t>
-            </a:r>
-          </a:p>
-          <a:p>
-            <a:pPr marL="342900" indent="-342900">
-              <a:buFont typeface="+mj-lt"/>
-              <a:buAutoNum type="arabicPeriod"/>
-            </a:pPr>
-            <a:r>
-              <a:rPr lang="en-US" sz="2400" dirty="0"/>
-              <a:t>* </a:t>
-            </a:r>
-            <a:r>
-              <a:rPr lang="ru-RU" sz="2400" dirty="0"/>
-              <a:t>Обновление продукта.</a:t>
-            </a:r>
-          </a:p>
-          <a:p>
-            <a:pPr marL="342900" indent="-342900">
-              <a:buFont typeface="+mj-lt"/>
-              <a:buAutoNum type="arabicPeriod"/>
-            </a:pPr>
-            <a:r>
-              <a:rPr lang="ru-RU" sz="2400" dirty="0"/>
-              <a:t>* Удаление продукта.</a:t>
-            </a:r>
-          </a:p>
-          <a:p>
-            <a:pPr marL="342900" indent="-342900">
-              <a:buFont typeface="+mj-lt"/>
-              <a:buAutoNum type="arabicPeriod"/>
-            </a:pPr>
-            <a:r>
-              <a:rPr lang="ru-RU" sz="2400" dirty="0"/>
-              <a:t>**Проведение транзакции.</a:t>
-            </a:r>
-          </a:p>
-          <a:p>
-            <a:pPr marL="342900" indent="-342900">
-              <a:buFont typeface="+mj-lt"/>
-              <a:buAutoNum type="arabicPeriod"/>
-            </a:pPr>
-            <a:r>
-              <a:rPr lang="ru-RU" sz="2400" dirty="0"/>
-              <a:t>Просмотр личного кабинета.</a:t>
-            </a:r>
-          </a:p>
-          <a:p>
-            <a:pPr marL="342900" indent="-342900">
-              <a:buFont typeface="+mj-lt"/>
-              <a:buAutoNum type="arabicPeriod"/>
-            </a:pPr>
-            <a:r>
-              <a:rPr lang="ru-RU" sz="2400" dirty="0"/>
-              <a:t>Покупка.</a:t>
-            </a:r>
-          </a:p>
-          <a:p>
-            <a:pPr marL="342900" indent="-342900">
-              <a:buFont typeface="+mj-lt"/>
-              <a:buAutoNum type="arabicPeriod"/>
-            </a:pPr>
-            <a:r>
-              <a:rPr lang="ru-RU" sz="2400" dirty="0"/>
-              <a:t>Ведение статистики пользователя.</a:t>
-            </a:r>
-          </a:p>
-        </p:txBody>
-      </p:sp>
-      <p:sp>
-        <p:nvSpPr>
-          <p:cNvPr id="11" name="TextBox 10">
-            <a:extLst>
-              <a:ext uri="{FF2B5EF4-FFF2-40B4-BE49-F238E27FC236}">
-                <a16:creationId xmlns:a16="http://schemas.microsoft.com/office/drawing/2014/main" id="{63B506FA-35D3-4FA2-9494-1CCBBC7160D7}"/>
-              </a:ext>
-            </a:extLst>
-          </p:cNvPr>
-          <p:cNvSpPr txBox="1"/>
-          <p:nvPr/>
-        </p:nvSpPr>
-        <p:spPr>
-          <a:xfrm>
-            <a:off x="1127448" y="4504834"/>
-            <a:ext cx="6809878" cy="369332"/>
-          </a:xfrm>
-          <a:prstGeom prst="rect">
-            <a:avLst/>
-          </a:prstGeom>
-          <a:noFill/>
-        </p:spPr>
-        <p:txBody>
-          <a:bodyPr wrap="none" rtlCol="0">
-            <a:spAutoFit/>
-          </a:bodyPr>
-          <a:lstStyle/>
-          <a:p>
-            <a:r>
-              <a:rPr lang="ru-RU" dirty="0"/>
-              <a:t>* - некоторые функции могут использовать только администраторы</a:t>
-            </a:r>
-          </a:p>
-        </p:txBody>
-      </p:sp>
-      <p:sp>
-        <p:nvSpPr>
-          <p:cNvPr id="12" name="TextBox 11">
-            <a:extLst>
-              <a:ext uri="{FF2B5EF4-FFF2-40B4-BE49-F238E27FC236}">
-                <a16:creationId xmlns:a16="http://schemas.microsoft.com/office/drawing/2014/main" id="{4701E9F9-6904-4B46-8847-555B5A697B59}"/>
-              </a:ext>
-            </a:extLst>
-          </p:cNvPr>
-          <p:cNvSpPr txBox="1"/>
-          <p:nvPr/>
-        </p:nvSpPr>
-        <p:spPr>
-          <a:xfrm>
-            <a:off x="1127448" y="4874166"/>
-            <a:ext cx="6989477" cy="646331"/>
-          </a:xfrm>
-          <a:prstGeom prst="rect">
-            <a:avLst/>
-          </a:prstGeom>
-          <a:noFill/>
-        </p:spPr>
-        <p:txBody>
-          <a:bodyPr wrap="none" rtlCol="0">
-            <a:spAutoFit/>
-          </a:bodyPr>
-          <a:lstStyle/>
-          <a:p>
-            <a:r>
-              <a:rPr lang="ru-RU" dirty="0"/>
-              <a:t>** - транзакцией является выбор требующихся продуктов(больше 0) </a:t>
-            </a:r>
-          </a:p>
-          <a:p>
-            <a:r>
-              <a:rPr lang="ru-RU" dirty="0"/>
-              <a:t>с начала работы программы и последней покупки</a:t>
-            </a:r>
+              <a:rPr lang="ru-RU" sz="4000" dirty="0"/>
+              <a:t>Авторизация</a:t>
+            </a:r>
+          </a:p>
+          <a:p>
+            <a:pPr algn="l"/>
+            <a:endParaRPr lang="ru-RU" sz="4000" dirty="0"/>
           </a:p>
         </p:txBody>
       </p:sp>
     </p:spTree>
     <p:extLst>
       <p:ext uri="{BB962C8B-B14F-4D97-AF65-F5344CB8AC3E}">
-        <p14:creationId xmlns:p14="http://schemas.microsoft.com/office/powerpoint/2010/main" val="2539252339"/>
+        <p14:creationId xmlns:p14="http://schemas.microsoft.com/office/powerpoint/2010/main" val="959716734"/>
       </p:ext>
     </p:extLst>
   </p:cSld>
@@ -4207,10 +4520,10 @@
       </p:grpSpPr>
       <p:sp>
         <p:nvSpPr>
-          <p:cNvPr id="4" name="TextBox 3">
+          <p:cNvPr id="7" name="TextBox 6">
             <a:extLst>
               <a:ext uri="{FF2B5EF4-FFF2-40B4-BE49-F238E27FC236}">
-                <a16:creationId xmlns:a16="http://schemas.microsoft.com/office/drawing/2014/main" id="{5ADD5C49-0876-4443-B558-8AB30D533FE5}"/>
+                <a16:creationId xmlns:a16="http://schemas.microsoft.com/office/drawing/2014/main" id="{C7ED1D1D-2386-48BB-937B-B0F00448169D}"/>
               </a:ext>
             </a:extLst>
           </p:cNvPr>
@@ -4219,8 +4532,8 @@
         </p:nvSpPr>
         <p:spPr>
           <a:xfrm>
-            <a:off x="3831598" y="496571"/>
-            <a:ext cx="4528804" cy="646331"/>
+            <a:off x="4561821" y="414388"/>
+            <a:ext cx="2786340" cy="646331"/>
           </a:xfrm>
           <a:prstGeom prst="rect">
             <a:avLst/>
@@ -4238,17 +4551,17 @@
                 <a:latin typeface="Roboto" panose="02000000000000000000" pitchFamily="2" charset="0"/>
                 <a:ea typeface="Roboto" panose="02000000000000000000" pitchFamily="2" charset="0"/>
               </a:rPr>
-              <a:t>Программная часть</a:t>
-            </a:r>
-          </a:p>
-        </p:txBody>
-      </p:sp>
-      <p:sp>
-        <p:nvSpPr>
-          <p:cNvPr id="6" name="TextBox 5">
+              <a:t>Реализация</a:t>
+            </a:r>
+          </a:p>
+        </p:txBody>
+      </p:sp>
+      <p:sp>
+        <p:nvSpPr>
+          <p:cNvPr id="8" name="TextBox 7">
             <a:extLst>
               <a:ext uri="{FF2B5EF4-FFF2-40B4-BE49-F238E27FC236}">
-                <a16:creationId xmlns:a16="http://schemas.microsoft.com/office/drawing/2014/main" id="{3EDB32D1-C646-44AE-B130-857D3840134B}"/>
+                <a16:creationId xmlns:a16="http://schemas.microsoft.com/office/drawing/2014/main" id="{47775581-ED5D-4929-B900-343AEB23F3D9}"/>
               </a:ext>
             </a:extLst>
           </p:cNvPr>
@@ -4257,8 +4570,8 @@
         </p:nvSpPr>
         <p:spPr>
           <a:xfrm>
-            <a:off x="1343472" y="1655473"/>
-            <a:ext cx="5384616" cy="830997"/>
+            <a:off x="1127448" y="1378836"/>
+            <a:ext cx="6315703" cy="523220"/>
           </a:xfrm>
           <a:prstGeom prst="rect">
             <a:avLst/>
@@ -4272,46 +4585,26 @@
           <a:lstStyle/>
           <a:p>
             <a:r>
-              <a:rPr lang="ru-RU" sz="2400" dirty="0"/>
-              <a:t>Для создания использовался </a:t>
-            </a:r>
-            <a:r>
-              <a:rPr lang="ru-RU" sz="2400" dirty="0" err="1"/>
-              <a:t>яп</a:t>
-            </a:r>
-            <a:r>
-              <a:rPr lang="ru-RU" sz="2400" dirty="0"/>
+              <a:rPr lang="ru-RU" sz="2800" dirty="0"/>
+              <a:t>В проекте реализованы такие функции</a:t>
+            </a:r>
+            <a:r>
+              <a:rPr lang="en-US" sz="2800" dirty="0"/>
+              <a:t>:</a:t>
+            </a:r>
+            <a:r>
+              <a:rPr lang="ru-RU" sz="2800" dirty="0"/>
               <a:t> </a:t>
             </a:r>
-            <a:r>
-              <a:rPr lang="en-US" sz="2400" dirty="0"/>
-              <a:t>Python</a:t>
-            </a:r>
-            <a:r>
-              <a:rPr lang="ru-RU" sz="2400" dirty="0"/>
-              <a:t>.</a:t>
-            </a:r>
-            <a:br>
-              <a:rPr lang="en-US" sz="2400" dirty="0"/>
-            </a:br>
-            <a:r>
-              <a:rPr lang="ru-RU" sz="2400" dirty="0"/>
-              <a:t>Так же библиотеки</a:t>
-            </a:r>
-            <a:r>
-              <a:rPr lang="en-US" sz="2400" dirty="0"/>
-              <a:t>:</a:t>
-            </a:r>
-            <a:endParaRPr lang="ru-RU" sz="2400" dirty="0"/>
-          </a:p>
-        </p:txBody>
-      </p:sp>
-      <p:sp>
-        <p:nvSpPr>
-          <p:cNvPr id="7" name="TextBox 6">
+          </a:p>
+        </p:txBody>
+      </p:sp>
+      <p:sp>
+        <p:nvSpPr>
+          <p:cNvPr id="9" name="TextBox 8">
             <a:extLst>
               <a:ext uri="{FF2B5EF4-FFF2-40B4-BE49-F238E27FC236}">
-                <a16:creationId xmlns:a16="http://schemas.microsoft.com/office/drawing/2014/main" id="{6655B976-AF0A-40C9-8B14-1ED98974C4A3}"/>
+                <a16:creationId xmlns:a16="http://schemas.microsoft.com/office/drawing/2014/main" id="{1286AC54-E283-42DB-BA03-8983940F1C80}"/>
               </a:ext>
             </a:extLst>
           </p:cNvPr>
@@ -4320,8 +4613,8 @@
         </p:nvSpPr>
         <p:spPr>
           <a:xfrm>
-            <a:off x="199474" y="2482116"/>
-            <a:ext cx="11837424" cy="1938992"/>
+            <a:off x="3863752" y="2852936"/>
+            <a:ext cx="184731" cy="369332"/>
           </a:xfrm>
           <a:prstGeom prst="rect">
             <a:avLst/>
@@ -4329,118 +4622,21 @@
           <a:noFill/>
         </p:spPr>
         <p:txBody>
-          <a:bodyPr wrap="square" lIns="91440" tIns="45720" rIns="91440" bIns="45720" rtlCol="0" anchor="t">
+          <a:bodyPr wrap="none" rtlCol="0">
             <a:spAutoFit/>
           </a:bodyPr>
           <a:lstStyle/>
           <a:p>
-            <a:pPr marL="342900" indent="-342900">
-              <a:buAutoNum type="arabicPeriod"/>
-            </a:pPr>
-            <a:r>
-              <a:rPr lang="ru-RU" sz="2400" dirty="0" err="1"/>
-              <a:t>Flask</a:t>
-            </a:r>
-            <a:r>
-              <a:rPr lang="ru-RU" sz="2400" dirty="0"/>
-              <a:t> – библиотека для создания и поддержки сервера.</a:t>
-            </a:r>
-            <a:endParaRPr lang="ru-RU" dirty="0">
-              <a:cs typeface="Calibri" panose="020F0502020204030204"/>
-            </a:endParaRPr>
-          </a:p>
-          <a:p>
-            <a:pPr marL="342900" indent="-342900">
-              <a:buFont typeface="Arial"/>
-              <a:buChar char="•"/>
-            </a:pPr>
-            <a:r>
-              <a:rPr lang="ru-RU" sz="2400" dirty="0" err="1">
-                <a:cs typeface="Calibri"/>
-              </a:rPr>
-              <a:t>Flask_restful</a:t>
-            </a:r>
-            <a:r>
-              <a:rPr lang="ru-RU" sz="2400" dirty="0">
-                <a:cs typeface="Calibri"/>
-              </a:rPr>
-              <a:t> - </a:t>
-            </a:r>
-            <a:r>
-              <a:rPr lang="ru-RU" sz="2400" dirty="0">
-                <a:ea typeface="+mn-lt"/>
-                <a:cs typeface="+mn-lt"/>
-              </a:rPr>
-              <a:t>библиотека для работы с API</a:t>
-            </a:r>
-          </a:p>
-          <a:p>
-            <a:pPr marL="342900" indent="-342900">
-              <a:buFontTx/>
-              <a:buAutoNum type="arabicPeriod"/>
-            </a:pPr>
-            <a:r>
-              <a:rPr lang="ru-RU" sz="2400" dirty="0" err="1">
-                <a:cs typeface="Calibri"/>
-              </a:rPr>
-              <a:t>Flask-login</a:t>
-            </a:r>
-            <a:r>
-              <a:rPr lang="ru-RU" sz="2400" dirty="0">
-                <a:cs typeface="Calibri"/>
-              </a:rPr>
-              <a:t> - </a:t>
-            </a:r>
-            <a:r>
-              <a:rPr lang="ru-RU" sz="2400" dirty="0">
-                <a:ea typeface="+mn-lt"/>
-                <a:cs typeface="+mn-lt"/>
-              </a:rPr>
-              <a:t>библиотека для работы с пользователями(авторизация, регистрация и т.д.)</a:t>
-            </a:r>
-            <a:endParaRPr lang="ru-RU" sz="2400" dirty="0">
-              <a:cs typeface="Calibri"/>
-            </a:endParaRPr>
-          </a:p>
-          <a:p>
-            <a:pPr marL="342900" indent="-342900">
-              <a:buFontTx/>
-              <a:buAutoNum type="arabicPeriod"/>
-            </a:pPr>
-            <a:r>
-              <a:rPr lang="ru-RU" sz="2400" dirty="0"/>
-              <a:t>Jinja2 - *</a:t>
-            </a:r>
-            <a:endParaRPr lang="ru-RU" sz="2400" dirty="0">
-              <a:cs typeface="Calibri"/>
-            </a:endParaRPr>
-          </a:p>
-          <a:p>
-            <a:pPr marL="342900" indent="-342900">
-              <a:buFont typeface="+mj-lt"/>
-              <a:buAutoNum type="arabicPeriod"/>
-            </a:pPr>
-            <a:r>
-              <a:rPr lang="en-US" sz="2400" dirty="0" err="1"/>
-              <a:t>Sqlite</a:t>
-            </a:r>
-            <a:r>
-              <a:rPr lang="en-US" sz="2400" dirty="0"/>
-              <a:t> 3 </a:t>
-            </a:r>
-            <a:r>
-              <a:rPr lang="ru-RU" sz="2400" dirty="0"/>
-              <a:t>– система управления базой данных.</a:t>
-            </a:r>
-          </a:p>
-        </p:txBody>
-      </p:sp>
-      <p:sp>
-        <p:nvSpPr>
-          <p:cNvPr id="8" name="TextBox 7">
+            <a:endParaRPr lang="ru-RU" dirty="0"/>
+          </a:p>
+        </p:txBody>
+      </p:sp>
+      <p:sp>
+        <p:nvSpPr>
+          <p:cNvPr id="10" name="TextBox 9">
             <a:extLst>
               <a:ext uri="{FF2B5EF4-FFF2-40B4-BE49-F238E27FC236}">
-                <a16:creationId xmlns:a16="http://schemas.microsoft.com/office/drawing/2014/main" id="{0880D299-06B1-4376-96AD-457F8F6FC7CF}"/>
+                <a16:creationId xmlns:a16="http://schemas.microsoft.com/office/drawing/2014/main" id="{34AA0637-1654-49F9-918F-90E4CA8D2D07}"/>
               </a:ext>
             </a:extLst>
           </p:cNvPr>
@@ -4449,8 +4645,8 @@
         </p:nvSpPr>
         <p:spPr>
           <a:xfrm>
-            <a:off x="1343472" y="5303278"/>
-            <a:ext cx="7141442" cy="830997"/>
+            <a:off x="431329" y="1861321"/>
+            <a:ext cx="8752271" cy="4154984"/>
           </a:xfrm>
           <a:prstGeom prst="rect">
             <a:avLst/>
@@ -4458,20 +4654,154 @@
           <a:noFill/>
         </p:spPr>
         <p:txBody>
-          <a:bodyPr wrap="none" rtlCol="0">
+          <a:bodyPr wrap="square" lIns="91440" tIns="45720" rIns="91440" bIns="45720" rtlCol="0" anchor="t">
             <a:spAutoFit/>
           </a:bodyPr>
           <a:lstStyle/>
           <a:p>
+            <a:pPr marL="342900" indent="-342900">
+              <a:buFont typeface="+mj-lt"/>
+              <a:buAutoNum type="arabicPeriod"/>
+            </a:pPr>
             <a:r>
               <a:rPr lang="ru-RU" sz="2400" dirty="0"/>
-              <a:t>Реализован механизм защиты фотографий продукта.</a:t>
-            </a:r>
-          </a:p>
-          <a:p>
+              <a:t>* Добавление продукта.</a:t>
+            </a:r>
+          </a:p>
+          <a:p>
+            <a:pPr marL="342900" indent="-342900">
+              <a:buFont typeface="+mj-lt"/>
+              <a:buAutoNum type="arabicPeriod"/>
+            </a:pPr>
+            <a:r>
+              <a:rPr lang="en-US" sz="2400" dirty="0"/>
+              <a:t>* </a:t>
+            </a:r>
             <a:r>
               <a:rPr lang="ru-RU" sz="2400" dirty="0"/>
-              <a:t>Удобное обновление атрибутов продукта.</a:t>
+              <a:t>Обновление продукта.</a:t>
+            </a:r>
+          </a:p>
+          <a:p>
+            <a:pPr marL="342900" indent="-342900">
+              <a:buFont typeface="+mj-lt"/>
+              <a:buAutoNum type="arabicPeriod"/>
+            </a:pPr>
+            <a:r>
+              <a:rPr lang="ru-RU" sz="2400" dirty="0"/>
+              <a:t>* Удаление продукта.</a:t>
+            </a:r>
+          </a:p>
+          <a:p>
+            <a:pPr marL="342900" indent="-342900">
+              <a:buFont typeface="+mj-lt"/>
+              <a:buAutoNum type="arabicPeriod"/>
+            </a:pPr>
+            <a:r>
+              <a:rPr lang="ru-RU" sz="2400" dirty="0"/>
+              <a:t>Покупка продукта.</a:t>
+            </a:r>
+          </a:p>
+          <a:p>
+            <a:pPr marL="342900" indent="-342900">
+              <a:buAutoNum type="arabicPeriod"/>
+            </a:pPr>
+            <a:r>
+              <a:rPr lang="ru-RU" sz="2400" dirty="0"/>
+              <a:t>Добавления товара в корзину.</a:t>
+            </a:r>
+          </a:p>
+          <a:p>
+            <a:pPr marL="342900" indent="-342900">
+              <a:buAutoNum type="arabicPeriod"/>
+            </a:pPr>
+            <a:r>
+              <a:rPr lang="ru-RU" sz="2400" dirty="0"/>
+              <a:t>Оформление заказа.</a:t>
+            </a:r>
+          </a:p>
+          <a:p>
+            <a:pPr marL="342900" indent="-342900">
+              <a:buFont typeface="+mj-lt"/>
+              <a:buAutoNum type="arabicPeriod"/>
+            </a:pPr>
+            <a:r>
+              <a:rPr lang="ru-RU" sz="2400" dirty="0"/>
+              <a:t>Просмотр личного кабинета.</a:t>
+            </a:r>
+          </a:p>
+          <a:p>
+            <a:pPr marL="342900" indent="-342900">
+              <a:buFont typeface="+mj-lt"/>
+              <a:buAutoNum type="arabicPeriod"/>
+            </a:pPr>
+            <a:r>
+              <a:rPr lang="ru-RU" sz="2400" dirty="0"/>
+              <a:t>Покупка.</a:t>
+            </a:r>
+          </a:p>
+          <a:p>
+            <a:pPr marL="342900" indent="-342900">
+              <a:buAutoNum type="arabicPeriod"/>
+            </a:pPr>
+            <a:r>
+              <a:rPr lang="ru-RU" sz="2400" dirty="0"/>
+              <a:t>Регистрация пользователя.</a:t>
+            </a:r>
+          </a:p>
+          <a:p>
+            <a:pPr marL="342900" indent="-342900">
+              <a:buFontTx/>
+              <a:buAutoNum type="arabicPeriod"/>
+            </a:pPr>
+            <a:r>
+              <a:rPr lang="ru-RU" sz="2400" dirty="0"/>
+              <a:t>Авторизация пользователя.</a:t>
+            </a:r>
+          </a:p>
+          <a:p>
+            <a:pPr marL="342900" indent="-342900">
+              <a:buFont typeface="+mj-lt"/>
+              <a:buAutoNum type="arabicPeriod"/>
+            </a:pPr>
+            <a:r>
+              <a:rPr lang="ru-RU" sz="2400" dirty="0"/>
+              <a:t>Ведение статистики пользователя.</a:t>
+            </a:r>
+          </a:p>
+        </p:txBody>
+      </p:sp>
+      <p:sp>
+        <p:nvSpPr>
+          <p:cNvPr id="11" name="TextBox 10">
+            <a:extLst>
+              <a:ext uri="{FF2B5EF4-FFF2-40B4-BE49-F238E27FC236}">
+                <a16:creationId xmlns:a16="http://schemas.microsoft.com/office/drawing/2014/main" id="{63B506FA-35D3-4FA2-9494-1CCBBC7160D7}"/>
+              </a:ext>
+            </a:extLst>
+          </p:cNvPr>
+          <p:cNvSpPr txBox="1"/>
+          <p:nvPr/>
+        </p:nvSpPr>
+        <p:spPr>
+          <a:xfrm>
+            <a:off x="327348" y="6114559"/>
+            <a:ext cx="8781553" cy="369332"/>
+          </a:xfrm>
+          <a:prstGeom prst="rect">
+            <a:avLst/>
+          </a:prstGeom>
+          <a:noFill/>
+        </p:spPr>
+        <p:txBody>
+          <a:bodyPr wrap="square" rtlCol="0">
+            <a:spAutoFit/>
+          </a:bodyPr>
+          <a:lstStyle/>
+          <a:p>
+            <a:r>
+              <a:rPr lang="ru-RU" dirty="0"/>
+              <a:t>* - некоторые функции могут использовать только администраторы</a:t>
             </a:r>
           </a:p>
         </p:txBody>
@@ -4479,7 +4809,7 @@
     </p:spTree>
     <p:extLst>
       <p:ext uri="{BB962C8B-B14F-4D97-AF65-F5344CB8AC3E}">
-        <p14:creationId xmlns:p14="http://schemas.microsoft.com/office/powerpoint/2010/main" val="2790014949"/>
+        <p14:creationId xmlns:p14="http://schemas.microsoft.com/office/powerpoint/2010/main" val="2539252339"/>
       </p:ext>
     </p:extLst>
   </p:cSld>
@@ -4511,6 +4841,266 @@
           <p:cNvPr id="4" name="TextBox 3">
             <a:extLst>
               <a:ext uri="{FF2B5EF4-FFF2-40B4-BE49-F238E27FC236}">
+                <a16:creationId xmlns:a16="http://schemas.microsoft.com/office/drawing/2014/main" id="{5ADD5C49-0876-4443-B558-8AB30D533FE5}"/>
+              </a:ext>
+            </a:extLst>
+          </p:cNvPr>
+          <p:cNvSpPr txBox="1"/>
+          <p:nvPr/>
+        </p:nvSpPr>
+        <p:spPr>
+          <a:xfrm>
+            <a:off x="3831598" y="467996"/>
+            <a:ext cx="4528804" cy="646331"/>
+          </a:xfrm>
+          <a:prstGeom prst="rect">
+            <a:avLst/>
+          </a:prstGeom>
+          <a:noFill/>
+        </p:spPr>
+        <p:txBody>
+          <a:bodyPr wrap="none" rtlCol="0">
+            <a:spAutoFit/>
+          </a:bodyPr>
+          <a:lstStyle/>
+          <a:p>
+            <a:r>
+              <a:rPr lang="ru-RU" sz="3600" dirty="0">
+                <a:latin typeface="Roboto" panose="02000000000000000000" pitchFamily="2" charset="0"/>
+                <a:ea typeface="Roboto" panose="02000000000000000000" pitchFamily="2" charset="0"/>
+              </a:rPr>
+              <a:t>Программная часть</a:t>
+            </a:r>
+          </a:p>
+        </p:txBody>
+      </p:sp>
+      <p:sp>
+        <p:nvSpPr>
+          <p:cNvPr id="6" name="TextBox 5">
+            <a:extLst>
+              <a:ext uri="{FF2B5EF4-FFF2-40B4-BE49-F238E27FC236}">
+                <a16:creationId xmlns:a16="http://schemas.microsoft.com/office/drawing/2014/main" id="{3EDB32D1-C646-44AE-B130-857D3840134B}"/>
+              </a:ext>
+            </a:extLst>
+          </p:cNvPr>
+          <p:cNvSpPr txBox="1"/>
+          <p:nvPr/>
+        </p:nvSpPr>
+        <p:spPr>
+          <a:xfrm>
+            <a:off x="1343472" y="1655473"/>
+            <a:ext cx="5384616" cy="830997"/>
+          </a:xfrm>
+          <a:prstGeom prst="rect">
+            <a:avLst/>
+          </a:prstGeom>
+          <a:noFill/>
+        </p:spPr>
+        <p:txBody>
+          <a:bodyPr wrap="none" rtlCol="0">
+            <a:spAutoFit/>
+          </a:bodyPr>
+          <a:lstStyle/>
+          <a:p>
+            <a:r>
+              <a:rPr lang="ru-RU" sz="2400" dirty="0"/>
+              <a:t>Для создания использовался </a:t>
+            </a:r>
+            <a:r>
+              <a:rPr lang="ru-RU" sz="2400" dirty="0" err="1"/>
+              <a:t>яп</a:t>
+            </a:r>
+            <a:r>
+              <a:rPr lang="ru-RU" sz="2400" dirty="0"/>
+              <a:t> </a:t>
+            </a:r>
+            <a:r>
+              <a:rPr lang="en-US" sz="2400" dirty="0"/>
+              <a:t>Python</a:t>
+            </a:r>
+            <a:r>
+              <a:rPr lang="ru-RU" sz="2400" dirty="0"/>
+              <a:t>.</a:t>
+            </a:r>
+            <a:br>
+              <a:rPr lang="en-US" sz="2400" dirty="0"/>
+            </a:br>
+            <a:r>
+              <a:rPr lang="ru-RU" sz="2400" dirty="0"/>
+              <a:t>Так же библиотеки</a:t>
+            </a:r>
+            <a:r>
+              <a:rPr lang="en-US" sz="2400" dirty="0"/>
+              <a:t>:</a:t>
+            </a:r>
+            <a:endParaRPr lang="ru-RU" sz="2400" dirty="0"/>
+          </a:p>
+        </p:txBody>
+      </p:sp>
+      <p:sp>
+        <p:nvSpPr>
+          <p:cNvPr id="7" name="TextBox 6">
+            <a:extLst>
+              <a:ext uri="{FF2B5EF4-FFF2-40B4-BE49-F238E27FC236}">
+                <a16:creationId xmlns:a16="http://schemas.microsoft.com/office/drawing/2014/main" id="{6655B976-AF0A-40C9-8B14-1ED98974C4A3}"/>
+              </a:ext>
+            </a:extLst>
+          </p:cNvPr>
+          <p:cNvSpPr txBox="1"/>
+          <p:nvPr/>
+        </p:nvSpPr>
+        <p:spPr>
+          <a:xfrm>
+            <a:off x="218524" y="2758341"/>
+            <a:ext cx="10961124" cy="2308324"/>
+          </a:xfrm>
+          <a:prstGeom prst="rect">
+            <a:avLst/>
+          </a:prstGeom>
+          <a:noFill/>
+        </p:spPr>
+        <p:txBody>
+          <a:bodyPr wrap="square" lIns="91440" tIns="45720" rIns="91440" bIns="45720" rtlCol="0" anchor="t">
+            <a:spAutoFit/>
+          </a:bodyPr>
+          <a:lstStyle/>
+          <a:p>
+            <a:pPr marL="342900" indent="-342900">
+              <a:buAutoNum type="arabicPeriod"/>
+            </a:pPr>
+            <a:r>
+              <a:rPr lang="ru-RU" sz="2400" dirty="0" err="1"/>
+              <a:t>Flask</a:t>
+            </a:r>
+            <a:r>
+              <a:rPr lang="ru-RU" sz="2400" dirty="0"/>
+              <a:t> – библиотека для создания и поддержки сервера.</a:t>
+            </a:r>
+            <a:endParaRPr lang="ru-RU" dirty="0">
+              <a:cs typeface="Calibri"/>
+            </a:endParaRPr>
+          </a:p>
+          <a:p>
+            <a:pPr marL="342900" indent="-342900">
+              <a:buAutoNum type="arabicPeriod"/>
+            </a:pPr>
+            <a:r>
+              <a:rPr lang="ru-RU" sz="2400" dirty="0" err="1">
+                <a:cs typeface="Calibri"/>
+              </a:rPr>
+              <a:t>Flask_restful</a:t>
+            </a:r>
+            <a:r>
+              <a:rPr lang="ru-RU" sz="2400" dirty="0">
+                <a:cs typeface="Calibri"/>
+              </a:rPr>
+              <a:t> - </a:t>
+            </a:r>
+            <a:r>
+              <a:rPr lang="ru-RU" sz="2400" dirty="0">
+                <a:ea typeface="+mn-lt"/>
+                <a:cs typeface="+mn-lt"/>
+              </a:rPr>
+              <a:t>библиотека для работы с API.</a:t>
+            </a:r>
+            <a:endParaRPr lang="ru-RU" dirty="0"/>
+          </a:p>
+          <a:p>
+            <a:pPr marL="342900" indent="-342900">
+              <a:buFontTx/>
+              <a:buAutoNum type="arabicPeriod"/>
+            </a:pPr>
+            <a:r>
+              <a:rPr lang="ru-RU" sz="2400" dirty="0" err="1">
+                <a:cs typeface="Calibri"/>
+              </a:rPr>
+              <a:t>Flask-login</a:t>
+            </a:r>
+            <a:r>
+              <a:rPr lang="ru-RU" sz="2400" dirty="0">
+                <a:cs typeface="Calibri"/>
+              </a:rPr>
+              <a:t> - </a:t>
+            </a:r>
+            <a:r>
+              <a:rPr lang="ru-RU" sz="2400" dirty="0">
+                <a:ea typeface="+mn-lt"/>
+                <a:cs typeface="+mn-lt"/>
+              </a:rPr>
+              <a:t>библиотека для работы с пользователями(авторизация, регистрация и т.д.).</a:t>
+            </a:r>
+            <a:endParaRPr lang="ru-RU" sz="2400" dirty="0">
+              <a:cs typeface="Calibri"/>
+            </a:endParaRPr>
+          </a:p>
+          <a:p>
+            <a:pPr marL="342900" indent="-342900">
+              <a:buFontTx/>
+              <a:buAutoNum type="arabicPeriod"/>
+            </a:pPr>
+            <a:r>
+              <a:rPr lang="ru-RU" sz="2400" dirty="0"/>
+              <a:t>Jinja2 - Шаблонизатор.</a:t>
+            </a:r>
+            <a:endParaRPr lang="ru-RU" sz="2400" dirty="0">
+              <a:cs typeface="Calibri"/>
+            </a:endParaRPr>
+          </a:p>
+          <a:p>
+            <a:pPr marL="342900" indent="-342900">
+              <a:buFont typeface="+mj-lt"/>
+              <a:buAutoNum type="arabicPeriod"/>
+            </a:pPr>
+            <a:r>
+              <a:rPr lang="en-US" sz="2400" dirty="0" err="1"/>
+              <a:t>SqlAlchemy</a:t>
+            </a:r>
+            <a:r>
+              <a:rPr lang="en-US" sz="2400" dirty="0"/>
+              <a:t> </a:t>
+            </a:r>
+            <a:r>
+              <a:rPr lang="ru-RU" sz="2400" dirty="0"/>
+              <a:t>– используется для работы с базой данных.</a:t>
+            </a:r>
+          </a:p>
+        </p:txBody>
+      </p:sp>
+    </p:spTree>
+    <p:extLst>
+      <p:ext uri="{BB962C8B-B14F-4D97-AF65-F5344CB8AC3E}">
+        <p14:creationId xmlns:p14="http://schemas.microsoft.com/office/powerpoint/2010/main" val="2790014949"/>
+      </p:ext>
+    </p:extLst>
+  </p:cSld>
+  <p:clrMapOvr>
+    <a:masterClrMapping/>
+  </p:clrMapOvr>
+</p:sld>
+</file>
+
+<file path=ppt/slides/slide6.xml><?xml version="1.0" encoding="utf-8"?>
+<p:sld xmlns:a="http://schemas.openxmlformats.org/drawingml/2006/main" xmlns:r="http://schemas.openxmlformats.org/officeDocument/2006/relationships" xmlns:p="http://schemas.openxmlformats.org/presentationml/2006/main">
+  <p:cSld>
+    <p:spTree>
+      <p:nvGrpSpPr>
+        <p:cNvPr id="1" name=""/>
+        <p:cNvGrpSpPr/>
+        <p:nvPr/>
+      </p:nvGrpSpPr>
+      <p:grpSpPr>
+        <a:xfrm>
+          <a:off x="0" y="0"/>
+          <a:ext cx="0" cy="0"/>
+          <a:chOff x="0" y="0"/>
+          <a:chExt cx="0" cy="0"/>
+        </a:xfrm>
+      </p:grpSpPr>
+      <p:sp>
+        <p:nvSpPr>
+          <p:cNvPr id="4" name="TextBox 3">
+            <a:extLst>
+              <a:ext uri="{FF2B5EF4-FFF2-40B4-BE49-F238E27FC236}">
                 <a16:creationId xmlns:a16="http://schemas.microsoft.com/office/drawing/2014/main" id="{B7572FFF-EDFB-4790-875D-0E9FB30A91C0}"/>
               </a:ext>
             </a:extLst>
@@ -4563,7 +5153,7 @@
         <p:spPr>
           <a:xfrm>
             <a:off x="551384" y="1340768"/>
-            <a:ext cx="9253239" cy="1938992"/>
+            <a:ext cx="10405413" cy="1938992"/>
           </a:xfrm>
           <a:prstGeom prst="rect">
             <a:avLst/>
@@ -4611,21 +5201,13 @@
             </a:r>
             <a:r>
               <a:rPr lang="ru-RU" sz="2400" dirty="0"/>
-              <a:t>с использованием </a:t>
+              <a:t>с использованием модуля </a:t>
             </a:r>
             <a:r>
               <a:rPr lang="ru-RU" sz="2400" dirty="0" err="1"/>
-              <a:t>субд</a:t>
-            </a:r>
-            <a:r>
-              <a:rPr lang="ru-RU" sz="2400" dirty="0"/>
-              <a:t> </a:t>
-            </a:r>
-            <a:r>
-              <a:rPr lang="en-US" sz="2400" dirty="0"/>
-              <a:t>sqlite3</a:t>
-            </a:r>
-            <a:endParaRPr lang="ru-RU" sz="2400" dirty="0"/>
+              <a:t>SqlAlchemy</a:t>
+            </a:r>
+            <a:endParaRPr lang="en-US" sz="2400"/>
           </a:p>
           <a:p>
             <a:pPr marL="342900" indent="-342900">
@@ -4640,9 +5222,9 @@
           <a:p>
             <a:r>
               <a:rPr lang="ru-RU" sz="2400" dirty="0"/>
-              <a:t>            интернет-магазин для продажи товаров </a:t>
-            </a:r>
-            <a:endParaRPr lang="ru-RU" sz="2400">
+              <a:t>            интернет-магазин для продажи товаров онлайн. </a:t>
+            </a:r>
+            <a:endParaRPr lang="ru-RU" sz="2400" dirty="0">
               <a:cs typeface="Calibri"/>
             </a:endParaRPr>
           </a:p>
@@ -4662,110 +5244,58 @@
 </file>
 
 <file path=ppt/theme/theme1.xml><?xml version="1.0" encoding="utf-8"?>
-<a:theme xmlns:a="http://schemas.openxmlformats.org/drawingml/2006/main" name="Тема Office">
+<a:theme xmlns:a="http://schemas.openxmlformats.org/drawingml/2006/main" name="View">
   <a:themeElements>
-    <a:clrScheme name="Стандартная">
+    <a:clrScheme name="View">
       <a:dk1>
-        <a:sysClr val="windowText" lastClr="000000"/>
+        <a:srgbClr val="000000"/>
       </a:dk1>
       <a:lt1>
-        <a:sysClr val="window" lastClr="FFFFFF"/>
+        <a:srgbClr val="FFFFFF"/>
       </a:lt1>
       <a:dk2>
-        <a:srgbClr val="44546A"/>
+        <a:srgbClr val="46464A"/>
       </a:dk2>
       <a:lt2>
-        <a:srgbClr val="E7E6E6"/>
+        <a:srgbClr val="D6D3CC"/>
       </a:lt2>
       <a:accent1>
-        <a:srgbClr val="4472C4"/>
+        <a:srgbClr val="6F6F74"/>
       </a:accent1>
       <a:accent2>
-        <a:srgbClr val="ED7D31"/>
+        <a:srgbClr val="92A9B9"/>
       </a:accent2>
       <a:accent3>
-        <a:srgbClr val="A5A5A5"/>
+        <a:srgbClr val="A7B789"/>
       </a:accent3>
       <a:accent4>
-        <a:srgbClr val="FFC000"/>
+        <a:srgbClr val="B9A489"/>
       </a:accent4>
       <a:accent5>
-        <a:srgbClr val="5B9BD5"/>
+        <a:srgbClr val="8D6374"/>
       </a:accent5>
       <a:accent6>
-        <a:srgbClr val="70AD47"/>
+        <a:srgbClr val="9B7362"/>
       </a:accent6>
       <a:hlink>
-        <a:srgbClr val="0563C1"/>
+        <a:srgbClr val="67AABF"/>
       </a:hlink>
       <a:folHlink>
-        <a:srgbClr val="954F72"/>
+        <a:srgbClr val="ABAFA5"/>
       </a:folHlink>
     </a:clrScheme>
-    <a:fontScheme name="Стандартная">
+    <a:fontScheme name="View">
       <a:majorFont>
-        <a:latin typeface="Calibri Light" panose="020F0302020204030204"/>
+        <a:latin typeface="Century Schoolbook" panose="02040604050505020304"/>
         <a:ea typeface=""/>
         <a:cs typeface=""/>
-        <a:font script="Jpan" typeface="游ゴシック Light"/>
+        <a:font script="Jpan" typeface="ＭＳ ゴシック"/>
         <a:font script="Hang" typeface="맑은 고딕"/>
-        <a:font script="Hans" typeface="等线 Light"/>
+        <a:font script="Hans" typeface="宋体"/>
         <a:font script="Hant" typeface="新細明體"/>
-        <a:font script="Arab" typeface="Times New Roman"/>
-        <a:font script="Hebr" typeface="Times New Roman"/>
-        <a:font script="Thai" typeface="Angsana New"/>
-        <a:font script="Ethi" typeface="Nyala"/>
-        <a:font script="Beng" typeface="Vrinda"/>
-        <a:font script="Gujr" typeface="Shruti"/>
-        <a:font script="Khmr" typeface="MoolBoran"/>
-        <a:font script="Knda" typeface="Tunga"/>
-        <a:font script="Guru" typeface="Raavi"/>
-        <a:font script="Cans" typeface="Euphemia"/>
-        <a:font script="Cher" typeface="Plantagenet Cherokee"/>
-        <a:font script="Yiii" typeface="Microsoft Yi Baiti"/>
-        <a:font script="Tibt" typeface="Microsoft Himalaya"/>
-        <a:font script="Thaa" typeface="MV Boli"/>
-        <a:font script="Deva" typeface="Mangal"/>
-        <a:font script="Telu" typeface="Gautami"/>
-        <a:font script="Taml" typeface="Latha"/>
-        <a:font script="Syrc" typeface="Estrangelo Edessa"/>
-        <a:font script="Orya" typeface="Kalinga"/>
-        <a:font script="Mlym" typeface="Kartika"/>
-        <a:font script="Laoo" typeface="DokChampa"/>
-        <a:font script="Sinh" typeface="Iskoola Pota"/>
-        <a:font script="Mong" typeface="Mongolian Baiti"/>
-        <a:font script="Viet" typeface="Times New Roman"/>
-        <a:font script="Uigh" typeface="Microsoft Uighur"/>
-        <a:font script="Geor" typeface="Sylfaen"/>
-        <a:font script="Armn" typeface="Arial"/>
-        <a:font script="Bugi" typeface="Leelawadee UI"/>
-        <a:font script="Bopo" typeface="Microsoft JhengHei"/>
-        <a:font script="Java" typeface="Javanese Text"/>
-        <a:font script="Lisu" typeface="Segoe UI"/>
-        <a:font script="Mymr" typeface="Myanmar Text"/>
-        <a:font script="Nkoo" typeface="Ebrima"/>
-        <a:font script="Olck" typeface="Nirmala UI"/>
-        <a:font script="Osma" typeface="Ebrima"/>
-        <a:font script="Phag" typeface="Phagspa"/>
-        <a:font script="Syrn" typeface="Estrangelo Edessa"/>
-        <a:font script="Syrj" typeface="Estrangelo Edessa"/>
-        <a:font script="Syre" typeface="Estrangelo Edessa"/>
-        <a:font script="Sora" typeface="Nirmala UI"/>
-        <a:font script="Tale" typeface="Microsoft Tai Le"/>
-        <a:font script="Talu" typeface="Microsoft New Tai Lue"/>
-        <a:font script="Tfng" typeface="Ebrima"/>
-      </a:majorFont>
-      <a:minorFont>
-        <a:latin typeface="Calibri" panose="020F0502020204030204"/>
-        <a:ea typeface=""/>
-        <a:cs typeface=""/>
-        <a:font script="Jpan" typeface="游ゴシック"/>
-        <a:font script="Hang" typeface="맑은 고딕"/>
-        <a:font script="Hans" typeface="等线"/>
-        <a:font script="Hant" typeface="新細明體"/>
-        <a:font script="Arab" typeface="Arial"/>
-        <a:font script="Hebr" typeface="Arial"/>
-        <a:font script="Thai" typeface="Cordia New"/>
+        <a:font script="Arab" typeface="Tahoma"/>
+        <a:font script="Hebr" typeface="Gisha"/>
+        <a:font script="Thai" typeface="DilleniaUPC"/>
         <a:font script="Ethi" typeface="Nyala"/>
         <a:font script="Beng" typeface="Vrinda"/>
         <a:font script="Gujr" typeface="Shruti"/>
@@ -4786,107 +5316,86 @@
         <a:font script="Laoo" typeface="DokChampa"/>
         <a:font script="Sinh" typeface="Iskoola Pota"/>
         <a:font script="Mong" typeface="Mongolian Baiti"/>
-        <a:font script="Viet" typeface="Arial"/>
+        <a:font script="Viet" typeface="Tahoma"/>
         <a:font script="Uigh" typeface="Microsoft Uighur"/>
         <a:font script="Geor" typeface="Sylfaen"/>
-        <a:font script="Armn" typeface="Arial"/>
-        <a:font script="Bugi" typeface="Leelawadee UI"/>
-        <a:font script="Bopo" typeface="Microsoft JhengHei"/>
-        <a:font script="Java" typeface="Javanese Text"/>
-        <a:font script="Lisu" typeface="Segoe UI"/>
-        <a:font script="Mymr" typeface="Myanmar Text"/>
-        <a:font script="Nkoo" typeface="Ebrima"/>
-        <a:font script="Olck" typeface="Nirmala UI"/>
-        <a:font script="Osma" typeface="Ebrima"/>
-        <a:font script="Phag" typeface="Phagspa"/>
-        <a:font script="Syrn" typeface="Estrangelo Edessa"/>
-        <a:font script="Syrj" typeface="Estrangelo Edessa"/>
-        <a:font script="Syre" typeface="Estrangelo Edessa"/>
-        <a:font script="Sora" typeface="Nirmala UI"/>
-        <a:font script="Tale" typeface="Microsoft Tai Le"/>
-        <a:font script="Talu" typeface="Microsoft New Tai Lue"/>
-        <a:font script="Tfng" typeface="Ebrima"/>
+      </a:majorFont>
+      <a:minorFont>
+        <a:latin typeface="Century Schoolbook" panose="02040604050505020304"/>
+        <a:ea typeface=""/>
+        <a:cs typeface=""/>
+        <a:font script="Jpan" typeface="ＭＳ ゴシック"/>
+        <a:font script="Hang" typeface="맑은 고딕"/>
+        <a:font script="Hans" typeface="宋体"/>
+        <a:font script="Hant" typeface="新細明體"/>
+        <a:font script="Arab" typeface="Tahoma"/>
+        <a:font script="Hebr" typeface="Gisha"/>
+        <a:font script="Thai" typeface="DilleniaUPC"/>
+        <a:font script="Ethi" typeface="Nyala"/>
+        <a:font script="Beng" typeface="Vrinda"/>
+        <a:font script="Gujr" typeface="Shruti"/>
+        <a:font script="Khmr" typeface="DaunPenh"/>
+        <a:font script="Knda" typeface="Tunga"/>
+        <a:font script="Guru" typeface="Raavi"/>
+        <a:font script="Cans" typeface="Euphemia"/>
+        <a:font script="Cher" typeface="Plantagenet Cherokee"/>
+        <a:font script="Yiii" typeface="Microsoft Yi Baiti"/>
+        <a:font script="Tibt" typeface="Microsoft Himalaya"/>
+        <a:font script="Thaa" typeface="MV Boli"/>
+        <a:font script="Deva" typeface="Mangal"/>
+        <a:font script="Telu" typeface="Gautami"/>
+        <a:font script="Taml" typeface="Latha"/>
+        <a:font script="Syrc" typeface="Estrangelo Edessa"/>
+        <a:font script="Orya" typeface="Kalinga"/>
+        <a:font script="Mlym" typeface="Kartika"/>
+        <a:font script="Laoo" typeface="DokChampa"/>
+        <a:font script="Sinh" typeface="Iskoola Pota"/>
+        <a:font script="Mong" typeface="Mongolian Baiti"/>
+        <a:font script="Viet" typeface="Verdana"/>
+        <a:font script="Uigh" typeface="Microsoft Uighur"/>
+        <a:font script="Geor" typeface="Sylfaen"/>
       </a:minorFont>
     </a:fontScheme>
-    <a:fmtScheme name="Стандартная">
+    <a:fmtScheme name="View">
       <a:fillStyleLst>
         <a:solidFill>
           <a:schemeClr val="phClr"/>
         </a:solidFill>
-        <a:gradFill rotWithShape="1">
-          <a:gsLst>
-            <a:gs pos="0">
-              <a:schemeClr val="phClr">
-                <a:lumMod val="110000"/>
-                <a:satMod val="105000"/>
-                <a:tint val="67000"/>
-              </a:schemeClr>
-            </a:gs>
-            <a:gs pos="50000">
-              <a:schemeClr val="phClr">
-                <a:lumMod val="105000"/>
-                <a:satMod val="103000"/>
-                <a:tint val="73000"/>
-              </a:schemeClr>
-            </a:gs>
-            <a:gs pos="100000">
-              <a:schemeClr val="phClr">
-                <a:lumMod val="105000"/>
-                <a:satMod val="109000"/>
-                <a:tint val="81000"/>
-              </a:schemeClr>
-            </a:gs>
-          </a:gsLst>
-          <a:lin ang="5400000" scaled="0"/>
-        </a:gradFill>
-        <a:gradFill rotWithShape="1">
-          <a:gsLst>
-            <a:gs pos="0">
-              <a:schemeClr val="phClr">
-                <a:satMod val="103000"/>
-                <a:lumMod val="102000"/>
-                <a:tint val="94000"/>
-              </a:schemeClr>
-            </a:gs>
-            <a:gs pos="50000">
-              <a:schemeClr val="phClr">
-                <a:satMod val="110000"/>
-                <a:lumMod val="100000"/>
-                <a:shade val="100000"/>
-              </a:schemeClr>
-            </a:gs>
-            <a:gs pos="100000">
-              <a:schemeClr val="phClr">
-                <a:lumMod val="99000"/>
-                <a:satMod val="120000"/>
-                <a:shade val="78000"/>
-              </a:schemeClr>
-            </a:gs>
-          </a:gsLst>
-          <a:lin ang="5400000" scaled="0"/>
-        </a:gradFill>
+        <a:solidFill>
+          <a:schemeClr val="phClr">
+            <a:tint val="60000"/>
+            <a:satMod val="120000"/>
+          </a:schemeClr>
+        </a:solidFill>
+        <a:solidFill>
+          <a:schemeClr val="phClr">
+            <a:shade val="75000"/>
+            <a:satMod val="160000"/>
+          </a:schemeClr>
+        </a:solidFill>
       </a:fillStyleLst>
       <a:lnStyleLst>
-        <a:ln w="6350" cap="flat" cmpd="sng" algn="ctr">
+        <a:ln w="9525" cap="flat" cmpd="sng" algn="ctr">
           <a:solidFill>
             <a:schemeClr val="phClr"/>
           </a:solidFill>
           <a:prstDash val="solid"/>
-          <a:miter lim="800000"/>
         </a:ln>
-        <a:ln w="12700" cap="flat" cmpd="sng" algn="ctr">
+        <a:ln w="13970" cap="flat" cmpd="sng" algn="ctr">
           <a:solidFill>
             <a:schemeClr val="phClr"/>
           </a:solidFill>
           <a:prstDash val="solid"/>
-          <a:miter lim="800000"/>
         </a:ln>
-        <a:ln w="19050" cap="flat" cmpd="sng" algn="ctr">
+        <a:ln w="17145" cap="flat" cmpd="sng" algn="ctr">
           <a:solidFill>
-            <a:schemeClr val="phClr"/>
+            <a:schemeClr val="phClr">
+              <a:shade val="95000"/>
+              <a:alpha val="95000"/>
+              <a:satMod val="150000"/>
+            </a:schemeClr>
           </a:solidFill>
           <a:prstDash val="solid"/>
-          <a:miter lim="800000"/>
         </a:ln>
       </a:lnStyleLst>
       <a:effectStyleLst>
@@ -4894,16 +5403,52 @@
           <a:effectLst/>
         </a:effectStyle>
         <a:effectStyle>
-          <a:effectLst/>
+          <a:effectLst>
+            <a:outerShdw blurRad="50800" dist="15240" dir="5400000" algn="tl" rotWithShape="0">
+              <a:srgbClr val="000000">
+                <a:alpha val="75000"/>
+              </a:srgbClr>
+            </a:outerShdw>
+          </a:effectLst>
+          <a:scene3d>
+            <a:camera prst="orthographicFront">
+              <a:rot lat="0" lon="0" rev="0"/>
+            </a:camera>
+            <a:lightRig rig="brightRoom" dir="tl"/>
+          </a:scene3d>
+          <a:sp3d contourW="9525" prstMaterial="flat">
+            <a:bevelT w="0" h="0" prst="coolSlant"/>
+            <a:contourClr>
+              <a:schemeClr val="phClr">
+                <a:shade val="35000"/>
+                <a:satMod val="130000"/>
+              </a:schemeClr>
+            </a:contourClr>
+          </a:sp3d>
         </a:effectStyle>
         <a:effectStyle>
           <a:effectLst>
-            <a:outerShdw blurRad="57150" dist="19050" dir="5400000" algn="ctr" rotWithShape="0">
+            <a:outerShdw blurRad="76200" dist="25400" dir="5400000" algn="tl" rotWithShape="0">
               <a:srgbClr val="000000">
-                <a:alpha val="63000"/>
+                <a:alpha val="55000"/>
               </a:srgbClr>
             </a:outerShdw>
           </a:effectLst>
+          <a:scene3d>
+            <a:camera prst="orthographicFront">
+              <a:rot lat="0" lon="0" rev="0"/>
+            </a:camera>
+            <a:lightRig rig="brightRoom" dir="tl"/>
+          </a:scene3d>
+          <a:sp3d contourW="19050" prstMaterial="flat">
+            <a:bevelT w="0" h="0" prst="coolSlant"/>
+            <a:contourClr>
+              <a:schemeClr val="phClr">
+                <a:shade val="25000"/>
+                <a:satMod val="140000"/>
+              </a:schemeClr>
+            </a:contourClr>
+          </a:sp3d>
         </a:effectStyle>
       </a:effectStyleLst>
       <a:bgFillStyleLst>
@@ -4920,28 +5465,23 @@
           <a:gsLst>
             <a:gs pos="0">
               <a:schemeClr val="phClr">
-                <a:tint val="93000"/>
-                <a:satMod val="150000"/>
+                <a:tint val="94000"/>
                 <a:shade val="98000"/>
+                <a:satMod val="130000"/>
                 <a:lumMod val="102000"/>
-              </a:schemeClr>
-            </a:gs>
-            <a:gs pos="50000">
-              <a:schemeClr val="phClr">
-                <a:tint val="98000"/>
-                <a:satMod val="130000"/>
-                <a:shade val="90000"/>
-                <a:lumMod val="103000"/>
               </a:schemeClr>
             </a:gs>
             <a:gs pos="100000">
               <a:schemeClr val="phClr">
-                <a:shade val="63000"/>
-                <a:satMod val="120000"/>
+                <a:tint val="98000"/>
+                <a:shade val="78000"/>
+                <a:satMod val="140000"/>
               </a:schemeClr>
             </a:gs>
           </a:gsLst>
-          <a:lin ang="5400000" scaled="0"/>
+          <a:path path="circle">
+            <a:fillToRect l="100000" t="100000" r="100000" b="100000"/>
+          </a:path>
         </a:gradFill>
       </a:bgFillStyleLst>
     </a:fmtScheme>
@@ -4950,7 +5490,7 @@
   <a:extraClrSchemeLst/>
   <a:extLst>
     <a:ext uri="{05A4C25C-085E-4340-85A3-A5531E510DB2}">
-      <thm15:themeFamily xmlns:thm15="http://schemas.microsoft.com/office/thememl/2012/main" name="Office Theme" id="{62F939B6-93AF-4DB8-9C6B-D6C7DFDC589F}" vid="{4A3C46E8-61CC-4603-A589-7422A47A8E4A}"/>
+      <thm15:themeFamily xmlns:thm15="http://schemas.microsoft.com/office/thememl/2012/main" name="View" id="{BA0EB5A6-F2D4-4F82-977B-64ADEE4A2A69}" vid="{3969A8A2-35DB-4E3B-8885-16FD20568674}"/>
     </a:ext>
   </a:extLst>
 </a:theme>

--- a/Zapiska/Представление Exchange.pptx
+++ b/Zapiska/Представление Exchange.pptx
@@ -793,7 +793,7 @@
           <a:p>
             <a:fld id="{9E016143-E03C-4CFD-AFDC-14E5BDEA754C}" type="datetimeFigureOut">
               <a:rPr lang="en-US" dirty="0"/>
-              <a:t>4/25/2021</a:t>
+              <a:t>4/26/2021</a:t>
             </a:fld>
             <a:endParaRPr lang="en-US" dirty="0"/>
           </a:p>
@@ -1020,7 +1020,7 @@
           <a:p>
             <a:fld id="{C033E54A-A8CA-48C1-9504-691B58049D29}" type="datetimeFigureOut">
               <a:rPr lang="en-US" dirty="0"/>
-              <a:t>4/25/2021</a:t>
+              <a:t>4/26/2021</a:t>
             </a:fld>
             <a:endParaRPr lang="en-US" dirty="0"/>
           </a:p>
@@ -1198,7 +1198,7 @@
           <a:p>
             <a:fld id="{B5F6C806-BBF7-471C-9527-881CE2266695}" type="datetimeFigureOut">
               <a:rPr lang="en-US" dirty="0"/>
-              <a:t>4/25/2021</a:t>
+              <a:t>4/26/2021</a:t>
             </a:fld>
             <a:endParaRPr lang="en-US" dirty="0"/>
           </a:p>
@@ -1366,7 +1366,7 @@
           <a:p>
             <a:fld id="{78C94063-DF36-4330-A365-08DA1FA5B7D6}" type="datetimeFigureOut">
               <a:rPr lang="en-US" dirty="0"/>
-              <a:t>4/25/2021</a:t>
+              <a:t>4/26/2021</a:t>
             </a:fld>
             <a:endParaRPr lang="en-US" dirty="0"/>
           </a:p>
@@ -1619,7 +1619,7 @@
           <a:p>
             <a:fld id="{908A7C6C-0F39-4D70-8E8D-FE5B9C95FA73}" type="datetimeFigureOut">
               <a:rPr lang="en-US" dirty="0"/>
-              <a:t>4/25/2021</a:t>
+              <a:t>4/26/2021</a:t>
             </a:fld>
             <a:endParaRPr lang="en-US" dirty="0"/>
           </a:p>
@@ -1942,7 +1942,7 @@
           <a:p>
             <a:fld id="{DFCFA4AC-08CC-42CE-BD01-C191750A04EC}" type="datetimeFigureOut">
               <a:rPr lang="en-US" dirty="0"/>
-              <a:t>4/25/2021</a:t>
+              <a:t>4/26/2021</a:t>
             </a:fld>
             <a:endParaRPr lang="en-US" dirty="0"/>
           </a:p>
@@ -2390,7 +2390,7 @@
           <a:p>
             <a:fld id="{1BA7A723-92A7-435B-B681-F25B092FEFEB}" type="datetimeFigureOut">
               <a:rPr lang="en-US" dirty="0"/>
-              <a:t>4/25/2021</a:t>
+              <a:t>4/26/2021</a:t>
             </a:fld>
             <a:endParaRPr lang="en-US" dirty="0"/>
           </a:p>
@@ -2507,7 +2507,7 @@
           <a:p>
             <a:fld id="{4F170639-886C-4FCF-9EAB-ABB5DA3F3F4A}" type="datetimeFigureOut">
               <a:rPr lang="en-US" dirty="0"/>
-              <a:t>4/25/2021</a:t>
+              <a:t>4/26/2021</a:t>
             </a:fld>
             <a:endParaRPr lang="en-US" dirty="0"/>
           </a:p>
@@ -2602,7 +2602,7 @@
           <a:p>
             <a:fld id="{22230651-31F4-45D2-98AE-A2108F41BC07}" type="datetimeFigureOut">
               <a:rPr lang="en-US" dirty="0"/>
-              <a:t>4/25/2021</a:t>
+              <a:t>4/26/2021</a:t>
             </a:fld>
             <a:endParaRPr lang="en-US" dirty="0"/>
           </a:p>
@@ -2887,7 +2887,7 @@
           <a:p>
             <a:fld id="{6F53789A-C914-4DB1-8815-80B5EC7335C5}" type="datetimeFigureOut">
               <a:rPr lang="en-US" dirty="0"/>
-              <a:t>4/25/2021</a:t>
+              <a:t>4/26/2021</a:t>
             </a:fld>
             <a:endParaRPr lang="en-US" dirty="0"/>
           </a:p>
@@ -3207,7 +3207,7 @@
           <a:p>
             <a:fld id="{5E6440AA-91A0-436F-8FDB-C0F939DCAE21}" type="datetimeFigureOut">
               <a:rPr lang="en-US" dirty="0"/>
-              <a:t>4/25/2021</a:t>
+              <a:t>4/26/2021</a:t>
             </a:fld>
             <a:endParaRPr lang="en-US" dirty="0"/>
           </a:p>
@@ -3459,7 +3459,7 @@
           <a:p>
             <a:fld id="{0E59FD0C-5451-4CA0-86AF-E70AE3279989}" type="datetimeFigureOut">
               <a:rPr lang="en-US" dirty="0"/>
-              <a:t>4/25/2021</a:t>
+              <a:t>4/26/2021</a:t>
             </a:fld>
             <a:endParaRPr lang="en-US" dirty="0"/>
           </a:p>
@@ -3979,25 +3979,40 @@
           <a:p>
             <a:pPr algn="ctr"/>
             <a:r>
-              <a:rPr lang="ru-RU" sz="4400" dirty="0"/>
+              <a:rPr lang="ru-RU" sz="4400" dirty="0">
+                <a:latin typeface="Montserrat" panose="00000500000000000000" pitchFamily="2" charset="-52"/>
+              </a:rPr>
               <a:t>Проект </a:t>
             </a:r>
           </a:p>
           <a:p>
             <a:pPr algn="ctr"/>
             <a:r>
-              <a:rPr lang="ru-RU" sz="4400" dirty="0"/>
+              <a:rPr lang="ru-RU" sz="4400" dirty="0">
+                <a:latin typeface="Montserrat" panose="00000500000000000000" pitchFamily="2" charset="-52"/>
+              </a:rPr>
               <a:t>«</a:t>
             </a:r>
             <a:r>
-              <a:rPr lang="ru-RU" sz="4400" dirty="0" err="1"/>
-              <a:t>Exchange</a:t>
-            </a:r>
-            <a:r>
-              <a:rPr lang="ru-RU" sz="4400" dirty="0"/>
+              <a:rPr lang="ru-RU" sz="4400" b="1" i="1" dirty="0" err="1">
+                <a:latin typeface="Montserrat" panose="00000500000000000000" pitchFamily="2" charset="-52"/>
+              </a:rPr>
+              <a:t>Ex</a:t>
+            </a:r>
+            <a:r>
+              <a:rPr lang="ru-RU" sz="4400" dirty="0" err="1">
+                <a:latin typeface="Montserrat" panose="00000500000000000000" pitchFamily="2" charset="-52"/>
+              </a:rPr>
+              <a:t>change</a:t>
+            </a:r>
+            <a:r>
+              <a:rPr lang="ru-RU" sz="4400" dirty="0">
+                <a:latin typeface="Montserrat" panose="00000500000000000000" pitchFamily="2" charset="-52"/>
+              </a:rPr>
               <a:t>»</a:t>
             </a:r>
-            <a:endParaRPr lang="ru-RU" sz="4400">
+            <a:endParaRPr lang="ru-RU" sz="4400" dirty="0">
+              <a:latin typeface="Montserrat" panose="00000500000000000000" pitchFamily="2" charset="-52"/>
               <a:cs typeface="Calibri"/>
             </a:endParaRPr>
           </a:p>
@@ -4017,8 +4032,8 @@
         </p:nvSpPr>
         <p:spPr>
           <a:xfrm>
-            <a:off x="8363816" y="6213285"/>
-            <a:ext cx="3831104" cy="646331"/>
+            <a:off x="8360896" y="5438028"/>
+            <a:ext cx="3831104" cy="1200329"/>
           </a:xfrm>
           <a:prstGeom prst="rect">
             <a:avLst/>
@@ -4032,38 +4047,66 @@
           <a:lstStyle/>
           <a:p>
             <a:r>
-              <a:rPr lang="ru-RU" dirty="0"/>
+              <a:rPr lang="ru-RU" dirty="0">
+                <a:latin typeface="Montserrat" panose="00000500000000000000" pitchFamily="2" charset="-52"/>
+              </a:rPr>
               <a:t>Выполнил</a:t>
             </a:r>
             <a:r>
-              <a:rPr lang="en-US" dirty="0"/>
+              <a:rPr lang="en-US" dirty="0">
+                <a:latin typeface="Montserrat" panose="00000500000000000000" pitchFamily="2" charset="-52"/>
+              </a:rPr>
               <a:t>:</a:t>
             </a:r>
             <a:r>
-              <a:rPr lang="ru-RU" dirty="0"/>
+              <a:rPr lang="ru-RU" dirty="0">
+                <a:latin typeface="Montserrat" panose="00000500000000000000" pitchFamily="2" charset="-52"/>
+              </a:rPr>
+              <a:t> Мазурек В.А.</a:t>
+            </a:r>
+            <a:r>
+              <a:rPr lang="en-US" dirty="0">
+                <a:latin typeface="Montserrat" panose="00000500000000000000" pitchFamily="2" charset="-52"/>
+              </a:rPr>
+              <a:t>;</a:t>
+            </a:r>
+            <a:r>
+              <a:rPr lang="ru-RU" dirty="0">
+                <a:latin typeface="Montserrat" panose="00000500000000000000" pitchFamily="2" charset="-52"/>
+              </a:rPr>
+              <a:t> Глухов И.Н.</a:t>
+            </a:r>
+          </a:p>
+          <a:p>
+            <a:r>
+              <a:rPr lang="ru-RU" dirty="0">
+                <a:latin typeface="Montserrat" panose="00000500000000000000" pitchFamily="2" charset="-52"/>
+              </a:rPr>
+              <a:t>Преподаватель</a:t>
+            </a:r>
+            <a:r>
+              <a:rPr lang="en-US" dirty="0">
+                <a:latin typeface="Montserrat" panose="00000500000000000000" pitchFamily="2" charset="-52"/>
+              </a:rPr>
+              <a:t>:</a:t>
+            </a:r>
+            <a:r>
+              <a:rPr lang="ru-RU" dirty="0">
+                <a:latin typeface="Montserrat" panose="00000500000000000000" pitchFamily="2" charset="-52"/>
+              </a:rPr>
+              <a:t> Антон </a:t>
+            </a:r>
+            <a:r>
+              <a:rPr lang="en-US" dirty="0">
+                <a:latin typeface="Montserrat" panose="00000500000000000000" pitchFamily="2" charset="-52"/>
+              </a:rPr>
               <a:t> </a:t>
             </a:r>
             <a:r>
-              <a:rPr lang="ru-RU" dirty="0" err="1"/>
-              <a:t>Мазурек</a:t>
-            </a:r>
-            <a:r>
-              <a:rPr lang="ru-RU" dirty="0"/>
-              <a:t> В.А., Глухов И.Н.</a:t>
-            </a:r>
-          </a:p>
-          <a:p>
-            <a:r>
-              <a:rPr lang="ru-RU" dirty="0"/>
-              <a:t>Преподаватель</a:t>
-            </a:r>
-            <a:r>
-              <a:rPr lang="en-US" dirty="0"/>
-              <a:t>:</a:t>
-            </a:r>
-            <a:r>
-              <a:rPr lang="ru-RU" dirty="0"/>
-              <a:t> Осипов Антон</a:t>
+              <a:rPr lang="ru-RU" dirty="0">
+                <a:latin typeface="Montserrat" panose="00000500000000000000" pitchFamily="2" charset="-52"/>
+              </a:rPr>
+              <a:t>Осипов</a:t>
             </a:r>
           </a:p>
         </p:txBody>
@@ -4082,8 +4125,8 @@
         </p:nvSpPr>
         <p:spPr>
           <a:xfrm>
-            <a:off x="5601728" y="5715028"/>
-            <a:ext cx="988540" cy="646331"/>
+            <a:off x="5494712" y="5715028"/>
+            <a:ext cx="1202573" cy="646331"/>
           </a:xfrm>
           <a:prstGeom prst="rect">
             <a:avLst/>
@@ -4098,14 +4141,20 @@
           <a:p>
             <a:pPr algn="ctr"/>
             <a:r>
-              <a:rPr lang="ru-RU" dirty="0"/>
+              <a:rPr lang="ru-RU" dirty="0">
+                <a:latin typeface="Montserrat" panose="00000500000000000000" pitchFamily="2" charset="-52"/>
+              </a:rPr>
               <a:t>г. Сургут</a:t>
             </a:r>
             <a:br>
-              <a:rPr lang="ru-RU" dirty="0"/>
+              <a:rPr lang="ru-RU" dirty="0">
+                <a:latin typeface="Montserrat" panose="00000500000000000000" pitchFamily="2" charset="-52"/>
+              </a:rPr>
             </a:br>
             <a:r>
-              <a:rPr lang="ru-RU" dirty="0"/>
+              <a:rPr lang="ru-RU" dirty="0">
+                <a:latin typeface="Montserrat" panose="00000500000000000000" pitchFamily="2" charset="-52"/>
+              </a:rPr>
               <a:t>2020</a:t>
             </a:r>
           </a:p>
@@ -4126,7 +4175,7 @@
         <p:spPr>
           <a:xfrm>
             <a:off x="4335374" y="496641"/>
-            <a:ext cx="3521249" cy="461665"/>
+            <a:ext cx="3521249" cy="830997"/>
           </a:xfrm>
           <a:prstGeom prst="rect">
             <a:avLst/>
@@ -4140,19 +4189,24 @@
           <a:lstStyle/>
           <a:p>
             <a:r>
-              <a:rPr lang="ru-RU" sz="2400" dirty="0"/>
+              <a:rPr lang="ru-RU" sz="2400" dirty="0">
+                <a:latin typeface="Montserrat" panose="00000500000000000000" pitchFamily="2" charset="-52"/>
+              </a:rPr>
               <a:t>Площадка </a:t>
             </a:r>
             <a:r>
-              <a:rPr lang="ru-RU" sz="2400" dirty="0">
+              <a:rPr lang="ru-RU" sz="2400" b="1" dirty="0">
                 <a:solidFill>
                   <a:srgbClr val="FF0000"/>
                 </a:solidFill>
+                <a:latin typeface="Montserrat" panose="00000500000000000000" pitchFamily="2" charset="-52"/>
               </a:rPr>
               <a:t>Я</a:t>
             </a:r>
             <a:r>
-              <a:rPr lang="ru-RU" sz="2400" dirty="0"/>
+              <a:rPr lang="ru-RU" sz="2400" dirty="0">
+                <a:latin typeface="Montserrat" panose="00000500000000000000" pitchFamily="2" charset="-52"/>
+              </a:rPr>
               <a:t>ндекс Лицей</a:t>
             </a:r>
           </a:p>
@@ -4203,7 +4257,7 @@
         <p:spPr>
           <a:xfrm>
             <a:off x="4515274" y="461076"/>
-            <a:ext cx="3161443" cy="646331"/>
+            <a:ext cx="3512500" cy="646331"/>
           </a:xfrm>
           <a:prstGeom prst="rect">
             <a:avLst/>
@@ -4218,7 +4272,7 @@
           <a:p>
             <a:r>
               <a:rPr lang="ru-RU" sz="3600" dirty="0">
-                <a:latin typeface="Roboto" panose="02000000000000000000" pitchFamily="2" charset="0"/>
+                <a:latin typeface="Montserrat" panose="00000500000000000000" pitchFamily="2" charset="-52"/>
                 <a:ea typeface="Roboto" panose="02000000000000000000" pitchFamily="2" charset="0"/>
               </a:rPr>
               <a:t>Идея проекта</a:t>
@@ -4241,7 +4295,7 @@
         <p:spPr>
           <a:xfrm>
             <a:off x="456886" y="1899193"/>
-            <a:ext cx="8864980" cy="830997"/>
+            <a:ext cx="8864980" cy="1200329"/>
           </a:xfrm>
           <a:prstGeom prst="rect">
             <a:avLst/>
@@ -4255,10 +4309,13 @@
           <a:lstStyle/>
           <a:p>
             <a:r>
-              <a:rPr lang="ru-RU" sz="2400" dirty="0"/>
+              <a:rPr lang="ru-RU" sz="2400" dirty="0">
+                <a:latin typeface="Montserrat" panose="00000500000000000000" pitchFamily="2" charset="-52"/>
+              </a:rPr>
               <a:t>Идея проекта состоит в том чтобы </a:t>
             </a:r>
             <a:endParaRPr lang="ru-RU" sz="2400" dirty="0">
+              <a:latin typeface="Montserrat" panose="00000500000000000000" pitchFamily="2" charset="-52"/>
               <a:ea typeface="+mn-lt"/>
               <a:cs typeface="+mn-lt"/>
             </a:endParaRPr>
@@ -4266,16 +4323,20 @@
           <a:p>
             <a:r>
               <a:rPr lang="ru-RU" sz="2400" dirty="0">
+                <a:latin typeface="Montserrat" panose="00000500000000000000" pitchFamily="2" charset="-52"/>
                 <a:ea typeface="+mn-lt"/>
                 <a:cs typeface="+mn-lt"/>
               </a:rPr>
               <a:t>создать интернет-магазин для продажи продуктов онлайн</a:t>
             </a:r>
             <a:r>
-              <a:rPr lang="en-US" sz="2400" dirty="0"/>
+              <a:rPr lang="en-US" sz="2400" dirty="0">
+                <a:latin typeface="Montserrat" panose="00000500000000000000" pitchFamily="2" charset="-52"/>
+              </a:rPr>
               <a:t>.</a:t>
             </a:r>
             <a:endParaRPr lang="ru-RU" sz="2400" dirty="0">
+              <a:latin typeface="Montserrat" panose="00000500000000000000" pitchFamily="2" charset="-52"/>
               <a:cs typeface="Calibri"/>
             </a:endParaRPr>
           </a:p>
@@ -4296,7 +4357,7 @@
         <p:spPr>
           <a:xfrm>
             <a:off x="459197" y="3243875"/>
-            <a:ext cx="7349961" cy="830997"/>
+            <a:ext cx="9038052" cy="830997"/>
           </a:xfrm>
           <a:prstGeom prst="rect">
             <a:avLst/>
@@ -4310,17 +4371,25 @@
           <a:lstStyle/>
           <a:p>
             <a:r>
-              <a:rPr lang="ru-RU" sz="2400" dirty="0"/>
+              <a:rPr lang="ru-RU" sz="2400" dirty="0">
+                <a:latin typeface="Montserrat" panose="00000500000000000000" pitchFamily="2" charset="-52"/>
+              </a:rPr>
               <a:t>Исходя из идеи, проект можно использовать в разных </a:t>
             </a:r>
-            <a:endParaRPr lang="en-US" sz="2400"/>
-          </a:p>
-          <a:p>
-            <a:r>
-              <a:rPr lang="ru-RU" sz="2400" dirty="0"/>
+            <a:endParaRPr lang="en-US" sz="2400">
+              <a:latin typeface="Montserrat" panose="00000500000000000000" pitchFamily="2" charset="-52"/>
+            </a:endParaRPr>
+          </a:p>
+          <a:p>
+            <a:r>
+              <a:rPr lang="ru-RU" sz="2400" dirty="0">
+                <a:latin typeface="Montserrat" panose="00000500000000000000" pitchFamily="2" charset="-52"/>
+              </a:rPr>
               <a:t>условиях связанных с продажей товаров онлайн.</a:t>
             </a:r>
-            <a:endParaRPr lang="en-US" dirty="0"/>
+            <a:endParaRPr lang="en-US" dirty="0">
+              <a:latin typeface="Montserrat" panose="00000500000000000000" pitchFamily="2" charset="-52"/>
+            </a:endParaRPr>
           </a:p>
         </p:txBody>
       </p:sp>
@@ -4383,7 +4452,9 @@
           <a:lstStyle/>
           <a:p>
             <a:r>
-              <a:rPr lang="ru-RU" sz="4000" dirty="0"/>
+              <a:rPr lang="ru-RU" sz="4000" dirty="0">
+                <a:latin typeface="Montserrat" panose="00000500000000000000" pitchFamily="2" charset="-52"/>
+              </a:rPr>
               <a:t>Регистрация</a:t>
             </a:r>
           </a:p>
@@ -4478,13 +4549,17 @@
           <a:lstStyle/>
           <a:p>
             <a:r>
-              <a:rPr lang="ru-RU" sz="4000" dirty="0"/>
+              <a:rPr lang="ru-RU" sz="4000" dirty="0">
+                <a:latin typeface="Montserrat" panose="00000500000000000000" pitchFamily="2" charset="-52"/>
+              </a:rPr>
               <a:t>Авторизация</a:t>
             </a:r>
           </a:p>
           <a:p>
             <a:pPr algn="l"/>
-            <a:endParaRPr lang="ru-RU" sz="4000" dirty="0"/>
+            <a:endParaRPr lang="ru-RU" sz="4000" dirty="0">
+              <a:latin typeface="Montserrat" panose="00000500000000000000" pitchFamily="2" charset="-52"/>
+            </a:endParaRPr>
           </a:p>
         </p:txBody>
       </p:sp>
@@ -4533,7 +4608,7 @@
         <p:spPr>
           <a:xfrm>
             <a:off x="4561821" y="414388"/>
-            <a:ext cx="2786340" cy="646331"/>
+            <a:ext cx="3105337" cy="646331"/>
           </a:xfrm>
           <a:prstGeom prst="rect">
             <a:avLst/>
@@ -4548,7 +4623,7 @@
           <a:p>
             <a:r>
               <a:rPr lang="ru-RU" sz="3600" dirty="0">
-                <a:latin typeface="Roboto" panose="02000000000000000000" pitchFamily="2" charset="0"/>
+                <a:latin typeface="Montserrat" panose="00000500000000000000" pitchFamily="2" charset="-52"/>
                 <a:ea typeface="Roboto" panose="02000000000000000000" pitchFamily="2" charset="0"/>
               </a:rPr>
               <a:t>Реализация</a:t>
@@ -4571,7 +4646,7 @@
         <p:spPr>
           <a:xfrm>
             <a:off x="1127448" y="1378836"/>
-            <a:ext cx="6315703" cy="523220"/>
+            <a:ext cx="7792518" cy="523220"/>
           </a:xfrm>
           <a:prstGeom prst="rect">
             <a:avLst/>
@@ -4585,15 +4660,21 @@
           <a:lstStyle/>
           <a:p>
             <a:r>
-              <a:rPr lang="ru-RU" sz="2800" dirty="0"/>
+              <a:rPr lang="ru-RU" sz="2800" dirty="0">
+                <a:latin typeface="Montserrat" panose="00000500000000000000" pitchFamily="2" charset="-52"/>
+              </a:rPr>
               <a:t>В проекте реализованы такие функции</a:t>
             </a:r>
             <a:r>
-              <a:rPr lang="en-US" sz="2800" dirty="0"/>
+              <a:rPr lang="en-US" sz="2800" dirty="0">
+                <a:latin typeface="Montserrat" panose="00000500000000000000" pitchFamily="2" charset="-52"/>
+              </a:rPr>
               <a:t>:</a:t>
             </a:r>
             <a:r>
-              <a:rPr lang="ru-RU" sz="2800" dirty="0"/>
+              <a:rPr lang="ru-RU" sz="2800" dirty="0">
+                <a:latin typeface="Montserrat" panose="00000500000000000000" pitchFamily="2" charset="-52"/>
+              </a:rPr>
               <a:t> </a:t>
             </a:r>
           </a:p>
@@ -4627,7 +4708,9 @@
           </a:bodyPr>
           <a:lstStyle/>
           <a:p>
-            <a:endParaRPr lang="ru-RU" dirty="0"/>
+            <a:endParaRPr lang="ru-RU" dirty="0">
+              <a:latin typeface="Montserrat" panose="00000500000000000000" pitchFamily="2" charset="-52"/>
+            </a:endParaRPr>
           </a:p>
         </p:txBody>
       </p:sp>
@@ -4664,7 +4747,9 @@
               <a:buAutoNum type="arabicPeriod"/>
             </a:pPr>
             <a:r>
-              <a:rPr lang="ru-RU" sz="2400" dirty="0"/>
+              <a:rPr lang="ru-RU" sz="2400" dirty="0">
+                <a:latin typeface="Montserrat" panose="00000500000000000000" pitchFamily="2" charset="-52"/>
+              </a:rPr>
               <a:t>* Добавление продукта.</a:t>
             </a:r>
           </a:p>
@@ -4674,11 +4759,15 @@
               <a:buAutoNum type="arabicPeriod"/>
             </a:pPr>
             <a:r>
-              <a:rPr lang="en-US" sz="2400" dirty="0"/>
+              <a:rPr lang="en-US" sz="2400" dirty="0">
+                <a:latin typeface="Montserrat" panose="00000500000000000000" pitchFamily="2" charset="-52"/>
+              </a:rPr>
               <a:t>* </a:t>
             </a:r>
             <a:r>
-              <a:rPr lang="ru-RU" sz="2400" dirty="0"/>
+              <a:rPr lang="ru-RU" sz="2400" dirty="0">
+                <a:latin typeface="Montserrat" panose="00000500000000000000" pitchFamily="2" charset="-52"/>
+              </a:rPr>
               <a:t>Обновление продукта.</a:t>
             </a:r>
           </a:p>
@@ -4688,7 +4777,9 @@
               <a:buAutoNum type="arabicPeriod"/>
             </a:pPr>
             <a:r>
-              <a:rPr lang="ru-RU" sz="2400" dirty="0"/>
+              <a:rPr lang="ru-RU" sz="2400" dirty="0">
+                <a:latin typeface="Montserrat" panose="00000500000000000000" pitchFamily="2" charset="-52"/>
+              </a:rPr>
               <a:t>* Удаление продукта.</a:t>
             </a:r>
           </a:p>
@@ -4698,7 +4789,9 @@
               <a:buAutoNum type="arabicPeriod"/>
             </a:pPr>
             <a:r>
-              <a:rPr lang="ru-RU" sz="2400" dirty="0"/>
+              <a:rPr lang="ru-RU" sz="2400" dirty="0">
+                <a:latin typeface="Montserrat" panose="00000500000000000000" pitchFamily="2" charset="-52"/>
+              </a:rPr>
               <a:t>Покупка продукта.</a:t>
             </a:r>
           </a:p>
@@ -4707,7 +4800,9 @@
               <a:buAutoNum type="arabicPeriod"/>
             </a:pPr>
             <a:r>
-              <a:rPr lang="ru-RU" sz="2400" dirty="0"/>
+              <a:rPr lang="ru-RU" sz="2400" dirty="0">
+                <a:latin typeface="Montserrat" panose="00000500000000000000" pitchFamily="2" charset="-52"/>
+              </a:rPr>
               <a:t>Добавления товара в корзину.</a:t>
             </a:r>
           </a:p>
@@ -4716,7 +4811,9 @@
               <a:buAutoNum type="arabicPeriod"/>
             </a:pPr>
             <a:r>
-              <a:rPr lang="ru-RU" sz="2400" dirty="0"/>
+              <a:rPr lang="ru-RU" sz="2400" dirty="0">
+                <a:latin typeface="Montserrat" panose="00000500000000000000" pitchFamily="2" charset="-52"/>
+              </a:rPr>
               <a:t>Оформление заказа.</a:t>
             </a:r>
           </a:p>
@@ -4726,7 +4823,9 @@
               <a:buAutoNum type="arabicPeriod"/>
             </a:pPr>
             <a:r>
-              <a:rPr lang="ru-RU" sz="2400" dirty="0"/>
+              <a:rPr lang="ru-RU" sz="2400" dirty="0">
+                <a:latin typeface="Montserrat" panose="00000500000000000000" pitchFamily="2" charset="-52"/>
+              </a:rPr>
               <a:t>Просмотр личного кабинета.</a:t>
             </a:r>
           </a:p>
@@ -4736,7 +4835,9 @@
               <a:buAutoNum type="arabicPeriod"/>
             </a:pPr>
             <a:r>
-              <a:rPr lang="ru-RU" sz="2400" dirty="0"/>
+              <a:rPr lang="ru-RU" sz="2400" dirty="0">
+                <a:latin typeface="Montserrat" panose="00000500000000000000" pitchFamily="2" charset="-52"/>
+              </a:rPr>
               <a:t>Покупка.</a:t>
             </a:r>
           </a:p>
@@ -4745,7 +4846,9 @@
               <a:buAutoNum type="arabicPeriod"/>
             </a:pPr>
             <a:r>
-              <a:rPr lang="ru-RU" sz="2400" dirty="0"/>
+              <a:rPr lang="ru-RU" sz="2400" dirty="0">
+                <a:latin typeface="Montserrat" panose="00000500000000000000" pitchFamily="2" charset="-52"/>
+              </a:rPr>
               <a:t>Регистрация пользователя.</a:t>
             </a:r>
           </a:p>
@@ -4755,7 +4858,9 @@
               <a:buAutoNum type="arabicPeriod"/>
             </a:pPr>
             <a:r>
-              <a:rPr lang="ru-RU" sz="2400" dirty="0"/>
+              <a:rPr lang="ru-RU" sz="2400" dirty="0">
+                <a:latin typeface="Montserrat" panose="00000500000000000000" pitchFamily="2" charset="-52"/>
+              </a:rPr>
               <a:t>Авторизация пользователя.</a:t>
             </a:r>
           </a:p>
@@ -4765,7 +4870,9 @@
               <a:buAutoNum type="arabicPeriod"/>
             </a:pPr>
             <a:r>
-              <a:rPr lang="ru-RU" sz="2400" dirty="0"/>
+              <a:rPr lang="ru-RU" sz="2400" dirty="0">
+                <a:latin typeface="Montserrat" panose="00000500000000000000" pitchFamily="2" charset="-52"/>
+              </a:rPr>
               <a:t>Ведение статистики пользователя.</a:t>
             </a:r>
           </a:p>
@@ -4800,7 +4907,9 @@
           <a:lstStyle/>
           <a:p>
             <a:r>
-              <a:rPr lang="ru-RU" dirty="0"/>
+              <a:rPr lang="ru-RU" dirty="0">
+                <a:latin typeface="Montserrat" panose="00000500000000000000" pitchFamily="2" charset="-52"/>
+              </a:rPr>
               <a:t>* - некоторые функции могут использовать только администраторы</a:t>
             </a:r>
           </a:p>
@@ -4851,7 +4960,7 @@
         <p:spPr>
           <a:xfrm>
             <a:off x="3831598" y="467996"/>
-            <a:ext cx="4528804" cy="646331"/>
+            <a:ext cx="4979248" cy="646331"/>
           </a:xfrm>
           <a:prstGeom prst="rect">
             <a:avLst/>
@@ -4866,7 +4975,7 @@
           <a:p>
             <a:r>
               <a:rPr lang="ru-RU" sz="3600" dirty="0">
-                <a:latin typeface="Roboto" panose="02000000000000000000" pitchFamily="2" charset="0"/>
+                <a:latin typeface="Montserrat" panose="00000500000000000000" pitchFamily="2" charset="-52"/>
                 <a:ea typeface="Roboto" panose="02000000000000000000" pitchFamily="2" charset="0"/>
               </a:rPr>
               <a:t>Программная часть</a:t>
@@ -4889,7 +4998,7 @@
         <p:spPr>
           <a:xfrm>
             <a:off x="1343472" y="1655473"/>
-            <a:ext cx="5384616" cy="830997"/>
+            <a:ext cx="6664004" cy="830997"/>
           </a:xfrm>
           <a:prstGeom prst="rect">
             <a:avLst/>
@@ -4903,37 +5012,55 @@
           <a:lstStyle/>
           <a:p>
             <a:r>
-              <a:rPr lang="ru-RU" sz="2400" dirty="0"/>
+              <a:rPr lang="ru-RU" sz="2400" dirty="0">
+                <a:latin typeface="Montserrat" panose="00000500000000000000" pitchFamily="2" charset="-52"/>
+              </a:rPr>
               <a:t>Для создания использовался </a:t>
             </a:r>
             <a:r>
-              <a:rPr lang="ru-RU" sz="2400" dirty="0" err="1"/>
+              <a:rPr lang="ru-RU" sz="2400" dirty="0" err="1">
+                <a:latin typeface="Montserrat" panose="00000500000000000000" pitchFamily="2" charset="-52"/>
+              </a:rPr>
               <a:t>яп</a:t>
             </a:r>
             <a:r>
-              <a:rPr lang="ru-RU" sz="2400" dirty="0"/>
+              <a:rPr lang="ru-RU" sz="2400" dirty="0">
+                <a:latin typeface="Montserrat" panose="00000500000000000000" pitchFamily="2" charset="-52"/>
+              </a:rPr>
               <a:t> </a:t>
             </a:r>
             <a:r>
-              <a:rPr lang="en-US" sz="2400" dirty="0"/>
+              <a:rPr lang="en-US" sz="2400" dirty="0">
+                <a:latin typeface="Montserrat" panose="00000500000000000000" pitchFamily="2" charset="-52"/>
+              </a:rPr>
               <a:t>Python</a:t>
             </a:r>
             <a:r>
-              <a:rPr lang="ru-RU" sz="2400" dirty="0"/>
+              <a:rPr lang="ru-RU" sz="2400" dirty="0">
+                <a:latin typeface="Montserrat" panose="00000500000000000000" pitchFamily="2" charset="-52"/>
+              </a:rPr>
               <a:t>.</a:t>
             </a:r>
             <a:br>
-              <a:rPr lang="en-US" sz="2400" dirty="0"/>
+              <a:rPr lang="en-US" sz="2400" dirty="0">
+                <a:latin typeface="Montserrat" panose="00000500000000000000" pitchFamily="2" charset="-52"/>
+              </a:rPr>
             </a:br>
             <a:r>
-              <a:rPr lang="ru-RU" sz="2400" dirty="0"/>
+              <a:rPr lang="ru-RU" sz="2400" dirty="0">
+                <a:latin typeface="Montserrat" panose="00000500000000000000" pitchFamily="2" charset="-52"/>
+              </a:rPr>
               <a:t>Так же библиотеки</a:t>
             </a:r>
             <a:r>
-              <a:rPr lang="en-US" sz="2400" dirty="0"/>
+              <a:rPr lang="en-US" sz="2400" dirty="0">
+                <a:latin typeface="Montserrat" panose="00000500000000000000" pitchFamily="2" charset="-52"/>
+              </a:rPr>
               <a:t>:</a:t>
             </a:r>
-            <a:endParaRPr lang="ru-RU" sz="2400" dirty="0"/>
+            <a:endParaRPr lang="ru-RU" sz="2400" dirty="0">
+              <a:latin typeface="Montserrat" panose="00000500000000000000" pitchFamily="2" charset="-52"/>
+            </a:endParaRPr>
           </a:p>
         </p:txBody>
       </p:sp>
@@ -4969,14 +5096,19 @@
               <a:buAutoNum type="arabicPeriod"/>
             </a:pPr>
             <a:r>
-              <a:rPr lang="ru-RU" sz="2400" dirty="0" err="1"/>
+              <a:rPr lang="ru-RU" sz="2400" dirty="0" err="1">
+                <a:latin typeface="Montserrat" panose="00000500000000000000" pitchFamily="2" charset="-52"/>
+              </a:rPr>
               <a:t>Flask</a:t>
             </a:r>
             <a:r>
-              <a:rPr lang="ru-RU" sz="2400" dirty="0"/>
+              <a:rPr lang="ru-RU" sz="2400" dirty="0">
+                <a:latin typeface="Montserrat" panose="00000500000000000000" pitchFamily="2" charset="-52"/>
+              </a:rPr>
               <a:t> – библиотека для создания и поддержки сервера.</a:t>
             </a:r>
             <a:endParaRPr lang="ru-RU" dirty="0">
+              <a:latin typeface="Montserrat" panose="00000500000000000000" pitchFamily="2" charset="-52"/>
               <a:cs typeface="Calibri"/>
             </a:endParaRPr>
           </a:p>
@@ -4986,24 +5118,29 @@
             </a:pPr>
             <a:r>
               <a:rPr lang="ru-RU" sz="2400" dirty="0" err="1">
+                <a:latin typeface="Montserrat" panose="00000500000000000000" pitchFamily="2" charset="-52"/>
                 <a:cs typeface="Calibri"/>
               </a:rPr>
               <a:t>Flask_restful</a:t>
             </a:r>
             <a:r>
               <a:rPr lang="ru-RU" sz="2400" dirty="0">
+                <a:latin typeface="Montserrat" panose="00000500000000000000" pitchFamily="2" charset="-52"/>
                 <a:cs typeface="Calibri"/>
               </a:rPr>
               <a:t> - </a:t>
             </a:r>
             <a:r>
               <a:rPr lang="ru-RU" sz="2400" dirty="0">
+                <a:latin typeface="Montserrat" panose="00000500000000000000" pitchFamily="2" charset="-52"/>
                 <a:ea typeface="+mn-lt"/>
                 <a:cs typeface="+mn-lt"/>
               </a:rPr>
               <a:t>библиотека для работы с API.</a:t>
             </a:r>
-            <a:endParaRPr lang="ru-RU" dirty="0"/>
+            <a:endParaRPr lang="ru-RU" dirty="0">
+              <a:latin typeface="Montserrat" panose="00000500000000000000" pitchFamily="2" charset="-52"/>
+            </a:endParaRPr>
           </a:p>
           <a:p>
             <a:pPr marL="342900" indent="-342900">
@@ -5012,24 +5149,28 @@
             </a:pPr>
             <a:r>
               <a:rPr lang="ru-RU" sz="2400" dirty="0" err="1">
+                <a:latin typeface="Montserrat" panose="00000500000000000000" pitchFamily="2" charset="-52"/>
                 <a:cs typeface="Calibri"/>
               </a:rPr>
               <a:t>Flask-login</a:t>
             </a:r>
             <a:r>
               <a:rPr lang="ru-RU" sz="2400" dirty="0">
+                <a:latin typeface="Montserrat" panose="00000500000000000000" pitchFamily="2" charset="-52"/>
                 <a:cs typeface="Calibri"/>
               </a:rPr>
               <a:t> - </a:t>
             </a:r>
             <a:r>
               <a:rPr lang="ru-RU" sz="2400" dirty="0">
+                <a:latin typeface="Montserrat" panose="00000500000000000000" pitchFamily="2" charset="-52"/>
                 <a:ea typeface="+mn-lt"/>
                 <a:cs typeface="+mn-lt"/>
               </a:rPr>
               <a:t>библиотека для работы с пользователями(авторизация, регистрация и т.д.).</a:t>
             </a:r>
             <a:endParaRPr lang="ru-RU" sz="2400" dirty="0">
+              <a:latin typeface="Montserrat" panose="00000500000000000000" pitchFamily="2" charset="-52"/>
               <a:cs typeface="Calibri"/>
             </a:endParaRPr>
           </a:p>
@@ -5039,10 +5180,13 @@
               <a:buAutoNum type="arabicPeriod"/>
             </a:pPr>
             <a:r>
-              <a:rPr lang="ru-RU" sz="2400" dirty="0"/>
+              <a:rPr lang="ru-RU" sz="2400" dirty="0">
+                <a:latin typeface="Montserrat" panose="00000500000000000000" pitchFamily="2" charset="-52"/>
+              </a:rPr>
               <a:t>Jinja2 - Шаблонизатор.</a:t>
             </a:r>
             <a:endParaRPr lang="ru-RU" sz="2400" dirty="0">
+              <a:latin typeface="Montserrat" panose="00000500000000000000" pitchFamily="2" charset="-52"/>
               <a:cs typeface="Calibri"/>
             </a:endParaRPr>
           </a:p>
@@ -5052,15 +5196,21 @@
               <a:buAutoNum type="arabicPeriod"/>
             </a:pPr>
             <a:r>
-              <a:rPr lang="en-US" sz="2400" dirty="0" err="1"/>
+              <a:rPr lang="en-US" sz="2400" dirty="0" err="1">
+                <a:latin typeface="Montserrat" panose="00000500000000000000" pitchFamily="2" charset="-52"/>
+              </a:rPr>
               <a:t>SqlAlchemy</a:t>
             </a:r>
             <a:r>
-              <a:rPr lang="en-US" sz="2400" dirty="0"/>
+              <a:rPr lang="en-US" sz="2400" dirty="0">
+                <a:latin typeface="Montserrat" panose="00000500000000000000" pitchFamily="2" charset="-52"/>
+              </a:rPr>
               <a:t> </a:t>
             </a:r>
             <a:r>
-              <a:rPr lang="ru-RU" sz="2400" dirty="0"/>
+              <a:rPr lang="ru-RU" sz="2400" dirty="0">
+                <a:latin typeface="Montserrat" panose="00000500000000000000" pitchFamily="2" charset="-52"/>
+              </a:rPr>
               <a:t>– используется для работы с базой данных.</a:t>
             </a:r>
           </a:p>
@@ -5111,7 +5261,7 @@
         <p:spPr>
           <a:xfrm>
             <a:off x="5277506" y="496641"/>
-            <a:ext cx="1636987" cy="646331"/>
+            <a:ext cx="1766830" cy="646331"/>
           </a:xfrm>
           <a:prstGeom prst="rect">
             <a:avLst/>
@@ -5126,13 +5276,13 @@
           <a:p>
             <a:r>
               <a:rPr lang="ru-RU" sz="3600" dirty="0">
-                <a:latin typeface="Roboto" panose="02000000000000000000" pitchFamily="2" charset="0"/>
+                <a:latin typeface="Montserrat" panose="00000500000000000000" pitchFamily="2" charset="-52"/>
                 <a:ea typeface="Roboto" panose="02000000000000000000" pitchFamily="2" charset="0"/>
               </a:rPr>
               <a:t>Вывод</a:t>
             </a:r>
             <a:endParaRPr lang="ru-RU" dirty="0">
-              <a:latin typeface="Roboto" panose="02000000000000000000" pitchFamily="2" charset="0"/>
+              <a:latin typeface="Montserrat" panose="00000500000000000000" pitchFamily="2" charset="-52"/>
               <a:ea typeface="Roboto" panose="02000000000000000000" pitchFamily="2" charset="0"/>
             </a:endParaRPr>
           </a:p>
@@ -5153,7 +5303,7 @@
         <p:spPr>
           <a:xfrm>
             <a:off x="551384" y="1340768"/>
-            <a:ext cx="10405413" cy="1938992"/>
+            <a:ext cx="11325536" cy="1938992"/>
           </a:xfrm>
           <a:prstGeom prst="rect">
             <a:avLst/>
@@ -5171,15 +5321,21 @@
               <a:buAutoNum type="arabicPeriod"/>
             </a:pPr>
             <a:r>
-              <a:rPr lang="ru-RU" sz="2400" dirty="0"/>
+              <a:rPr lang="ru-RU" sz="2400" dirty="0">
+                <a:latin typeface="Montserrat" panose="00000500000000000000" pitchFamily="2" charset="-52"/>
+              </a:rPr>
               <a:t>Был спроектирован интерфейс с помощью библиотеки </a:t>
             </a:r>
             <a:r>
-              <a:rPr lang="ru-RU" sz="2400" dirty="0" err="1"/>
+              <a:rPr lang="ru-RU" sz="2400" dirty="0" err="1">
+                <a:latin typeface="Montserrat" panose="00000500000000000000" pitchFamily="2" charset="-52"/>
+              </a:rPr>
               <a:t>Flask</a:t>
             </a:r>
             <a:r>
-              <a:rPr lang="ru-RU" sz="2400" dirty="0"/>
+              <a:rPr lang="ru-RU" sz="2400" dirty="0">
+                <a:latin typeface="Montserrat" panose="00000500000000000000" pitchFamily="2" charset="-52"/>
+              </a:rPr>
               <a:t>.</a:t>
             </a:r>
           </a:p>
@@ -5189,25 +5345,37 @@
               <a:buAutoNum type="arabicPeriod"/>
             </a:pPr>
             <a:r>
-              <a:rPr lang="ru-RU" sz="2400" dirty="0"/>
+              <a:rPr lang="ru-RU" sz="2400" dirty="0">
+                <a:latin typeface="Montserrat" panose="00000500000000000000" pitchFamily="2" charset="-52"/>
+              </a:rPr>
               <a:t>Была создана база данных для хранения товаров и пользователей</a:t>
             </a:r>
             <a:br>
-              <a:rPr lang="ru-RU" sz="2400" dirty="0"/>
+              <a:rPr lang="ru-RU" sz="2400" dirty="0">
+                <a:latin typeface="Montserrat" panose="00000500000000000000" pitchFamily="2" charset="-52"/>
+              </a:rPr>
             </a:br>
             <a:r>
-              <a:rPr lang="en-US" sz="2400" dirty="0"/>
+              <a:rPr lang="en-US" sz="2400" dirty="0">
+                <a:latin typeface="Montserrat" panose="00000500000000000000" pitchFamily="2" charset="-52"/>
+              </a:rPr>
               <a:t> </a:t>
             </a:r>
             <a:r>
-              <a:rPr lang="ru-RU" sz="2400" dirty="0"/>
+              <a:rPr lang="ru-RU" sz="2400" dirty="0">
+                <a:latin typeface="Montserrat" panose="00000500000000000000" pitchFamily="2" charset="-52"/>
+              </a:rPr>
               <a:t>с использованием модуля </a:t>
             </a:r>
             <a:r>
-              <a:rPr lang="ru-RU" sz="2400" dirty="0" err="1"/>
+              <a:rPr lang="ru-RU" sz="2400" dirty="0" err="1">
+                <a:latin typeface="Montserrat" panose="00000500000000000000" pitchFamily="2" charset="-52"/>
+              </a:rPr>
               <a:t>SqlAlchemy</a:t>
             </a:r>
-            <a:endParaRPr lang="en-US" sz="2400"/>
+            <a:endParaRPr lang="en-US" sz="2400">
+              <a:latin typeface="Montserrat" panose="00000500000000000000" pitchFamily="2" charset="-52"/>
+            </a:endParaRPr>
           </a:p>
           <a:p>
             <a:pPr marL="342900" indent="-342900">
@@ -5215,16 +5383,21 @@
               <a:buAutoNum type="arabicPeriod"/>
             </a:pPr>
             <a:r>
-              <a:rPr lang="ru-RU" sz="2400" dirty="0"/>
+              <a:rPr lang="ru-RU" sz="2400" dirty="0">
+                <a:latin typeface="Montserrat" panose="00000500000000000000" pitchFamily="2" charset="-52"/>
+              </a:rPr>
               <a:t>В совокупности всех применённых технологий получается </a:t>
             </a:r>
           </a:p>
           <a:p>
             <a:r>
-              <a:rPr lang="ru-RU" sz="2400" dirty="0"/>
+              <a:rPr lang="ru-RU" sz="2400" dirty="0">
+                <a:latin typeface="Montserrat" panose="00000500000000000000" pitchFamily="2" charset="-52"/>
+              </a:rPr>
               <a:t>            интернет-магазин для продажи товаров онлайн. </a:t>
             </a:r>
             <a:endParaRPr lang="ru-RU" sz="2400" dirty="0">
+              <a:latin typeface="Montserrat" panose="00000500000000000000" pitchFamily="2" charset="-52"/>
               <a:cs typeface="Calibri"/>
             </a:endParaRPr>
           </a:p>
